--- a/Lectures/CITS5503LectureStorage.pptx
+++ b/Lectures/CITS5503LectureStorage.pptx
@@ -11,7 +11,7 @@
     <p:handoutMasterId r:id="rId28"/>
   </p:handoutMasterIdLst>
   <p:sldIdLst>
-    <p:sldId id="1325" r:id="rId2"/>
+    <p:sldId id="1350" r:id="rId2"/>
     <p:sldId id="1326" r:id="rId3"/>
     <p:sldId id="1330" r:id="rId4"/>
     <p:sldId id="1331" r:id="rId5"/>
@@ -2922,7 +2922,7 @@
             <a:fld id="{B61BEF0D-F0BB-DE4B-95CE-6DB70DBA9567}" type="datetimeFigureOut">
               <a:rPr lang="en-US" smtClean="0"/>
               <a:pPr/>
-              <a:t>3/15/18</a:t>
+              <a:t>4/9/18</a:t>
             </a:fld>
             <a:endParaRPr lang="en-US" dirty="0"/>
           </a:p>
@@ -3122,7 +3122,7 @@
             <a:fld id="{B61BEF0D-F0BB-DE4B-95CE-6DB70DBA9567}" type="datetimeFigureOut">
               <a:rPr lang="en-US" smtClean="0"/>
               <a:pPr/>
-              <a:t>3/15/18</a:t>
+              <a:t>4/9/18</a:t>
             </a:fld>
             <a:endParaRPr lang="en-US" dirty="0"/>
           </a:p>
@@ -3337,7 +3337,7 @@
             <a:fld id="{B61BEF0D-F0BB-DE4B-95CE-6DB70DBA9567}" type="datetimeFigureOut">
               <a:rPr lang="en-US" smtClean="0"/>
               <a:pPr/>
-              <a:t>3/15/18</a:t>
+              <a:t>4/9/18</a:t>
             </a:fld>
             <a:endParaRPr lang="en-US" dirty="0"/>
           </a:p>
@@ -3877,7 +3877,7 @@
             <a:fld id="{B61BEF0D-F0BB-DE4B-95CE-6DB70DBA9567}" type="datetimeFigureOut">
               <a:rPr lang="en-US" smtClean="0"/>
               <a:pPr/>
-              <a:t>3/15/18</a:t>
+              <a:t>4/9/18</a:t>
             </a:fld>
             <a:endParaRPr lang="en-US" dirty="0"/>
           </a:p>
@@ -4155,7 +4155,7 @@
             <a:fld id="{B61BEF0D-F0BB-DE4B-95CE-6DB70DBA9567}" type="datetimeFigureOut">
               <a:rPr lang="en-US" smtClean="0"/>
               <a:pPr/>
-              <a:t>3/15/18</a:t>
+              <a:t>4/9/18</a:t>
             </a:fld>
             <a:endParaRPr lang="en-US" dirty="0"/>
           </a:p>
@@ -4427,7 +4427,7 @@
             <a:fld id="{B61BEF0D-F0BB-DE4B-95CE-6DB70DBA9567}" type="datetimeFigureOut">
               <a:rPr lang="en-US" smtClean="0"/>
               <a:pPr/>
-              <a:t>3/15/18</a:t>
+              <a:t>4/9/18</a:t>
             </a:fld>
             <a:endParaRPr lang="en-US" dirty="0"/>
           </a:p>
@@ -4846,7 +4846,7 @@
             <a:fld id="{B61BEF0D-F0BB-DE4B-95CE-6DB70DBA9567}" type="datetimeFigureOut">
               <a:rPr lang="en-US" smtClean="0"/>
               <a:pPr/>
-              <a:t>3/15/18</a:t>
+              <a:t>4/9/18</a:t>
             </a:fld>
             <a:endParaRPr lang="en-US" dirty="0"/>
           </a:p>
@@ -4994,7 +4994,7 @@
             <a:fld id="{B61BEF0D-F0BB-DE4B-95CE-6DB70DBA9567}" type="datetimeFigureOut">
               <a:rPr lang="en-US" smtClean="0"/>
               <a:pPr/>
-              <a:t>3/15/18</a:t>
+              <a:t>4/9/18</a:t>
             </a:fld>
             <a:endParaRPr lang="en-US" dirty="0"/>
           </a:p>
@@ -5114,7 +5114,7 @@
             <a:fld id="{B61BEF0D-F0BB-DE4B-95CE-6DB70DBA9567}" type="datetimeFigureOut">
               <a:rPr lang="en-US" smtClean="0"/>
               <a:pPr/>
-              <a:t>3/15/18</a:t>
+              <a:t>4/9/18</a:t>
             </a:fld>
             <a:endParaRPr lang="en-US" dirty="0"/>
           </a:p>
@@ -5432,7 +5432,7 @@
             <a:fld id="{B61BEF0D-F0BB-DE4B-95CE-6DB70DBA9567}" type="datetimeFigureOut">
               <a:rPr lang="en-US" smtClean="0"/>
               <a:pPr/>
-              <a:t>3/15/18</a:t>
+              <a:t>4/9/18</a:t>
             </a:fld>
             <a:endParaRPr lang="en-US" dirty="0"/>
           </a:p>
@@ -5727,7 +5727,7 @@
             <a:fld id="{B61BEF0D-F0BB-DE4B-95CE-6DB70DBA9567}" type="datetimeFigureOut">
               <a:rPr lang="en-US" smtClean="0"/>
               <a:pPr/>
-              <a:t>3/15/18</a:t>
+              <a:t>4/9/18</a:t>
             </a:fld>
             <a:endParaRPr lang="en-US" dirty="0"/>
           </a:p>
@@ -5975,7 +5975,7 @@
             <a:fld id="{B61BEF0D-F0BB-DE4B-95CE-6DB70DBA9567}" type="datetimeFigureOut">
               <a:rPr lang="en-US" smtClean="0"/>
               <a:pPr/>
-              <a:t>3/15/18</a:t>
+              <a:t>4/9/18</a:t>
             </a:fld>
             <a:endParaRPr lang="en-US" dirty="0"/>
           </a:p>
@@ -6381,6 +6381,17 @@
 <file path=ppt/slides/slide1.xml><?xml version="1.0" encoding="utf-8"?>
 <p:sld xmlns:a="http://schemas.openxmlformats.org/drawingml/2006/main" xmlns:r="http://schemas.openxmlformats.org/officeDocument/2006/relationships" xmlns:p="http://schemas.openxmlformats.org/presentationml/2006/main">
   <p:cSld>
+    <p:bg>
+      <p:bgPr>
+        <a:solidFill>
+          <a:schemeClr val="bg1">
+            <a:tint val="95000"/>
+            <a:satMod val="170000"/>
+          </a:schemeClr>
+        </a:solidFill>
+        <a:effectLst/>
+      </p:bgPr>
+    </p:bg>
     <p:spTree>
       <p:nvGrpSpPr>
         <p:cNvPr id="1" name=""/>
@@ -6395,276 +6406,386 @@
           <a:chExt cx="0" cy="0"/>
         </a:xfrm>
       </p:grpSpPr>
-      <p:pic>
-        <p:nvPicPr>
-          <p:cNvPr id="2" name="Picture 1"/>
-          <p:cNvPicPr>
-            <a:picLocks noChangeAspect="1"/>
-          </p:cNvPicPr>
-          <p:nvPr/>
-        </p:nvPicPr>
-        <p:blipFill rotWithShape="1">
-          <a:blip r:embed="rId2">
-            <a:alphaModFix amt="66000"/>
+      <p:grpSp>
+        <p:nvGrpSpPr>
+          <p:cNvPr id="10" name="Group 9" title="intersecting circles">
             <a:extLst>
-              <a:ext uri="{BEBA8EAE-BF5A-486C-A8C5-ECC9F3942E4B}">
-                <a14:imgProps xmlns:a14="http://schemas.microsoft.com/office/drawing/2010/main">
-                  <a14:imgLayer r:embed="rId3">
-                    <a14:imgEffect>
-                      <a14:brightnessContrast bright="-37000" contrast="-22000"/>
-                    </a14:imgEffect>
-                  </a14:imgLayer>
-                </a14:imgProps>
+              <a:ext uri="{FF2B5EF4-FFF2-40B4-BE49-F238E27FC236}">
+                <a16:creationId xmlns:a16="http://schemas.microsoft.com/office/drawing/2014/main" id="{D2C4BFA1-2075-4901-9E24-E41D1FDD51FD}"/>
               </a:ext>
             </a:extLst>
-          </a:blip>
-          <a:srcRect l="25052" r="2" b="2"/>
-          <a:stretch/>
-        </p:blipFill>
+          </p:cNvPr>
+          <p:cNvGrpSpPr>
+            <a:grpSpLocks noGrp="1" noUngrp="1" noRot="1" noChangeAspect="1" noMove="1" noResize="1"/>
+          </p:cNvGrpSpPr>
+          <p:nvPr>
+            <p:extLst>
+              <p:ext uri="{386F3935-93C4-4BCD-93E2-E3B085C9AB24}">
+                <p16:designElem xmlns:p16="http://schemas.microsoft.com/office/powerpoint/2015/main" val="1"/>
+              </p:ext>
+            </p:extLst>
+          </p:nvPr>
+        </p:nvGrpSpPr>
+        <p:grpSpPr>
+          <a:xfrm>
+            <a:off x="1155481" y="498348"/>
+            <a:ext cx="9902663" cy="5861304"/>
+            <a:chOff x="1155481" y="498348"/>
+            <a:chExt cx="9902663" cy="5861304"/>
+          </a:xfrm>
+        </p:grpSpPr>
+        <p:sp>
+          <p:nvSpPr>
+            <p:cNvPr id="11" name="Oval 5">
+              <a:extLst>
+                <a:ext uri="{FF2B5EF4-FFF2-40B4-BE49-F238E27FC236}">
+                  <a16:creationId xmlns:a16="http://schemas.microsoft.com/office/drawing/2014/main" id="{985A7375-E3AF-4F5C-85AE-17E8832952CA}"/>
+                </a:ext>
+              </a:extLst>
+            </p:cNvPr>
+            <p:cNvSpPr>
+              <a:spLocks noChangeArrowheads="1"/>
+            </p:cNvSpPr>
+            <p:nvPr>
+              <p:extLst>
+                <p:ext uri="{386F3935-93C4-4BCD-93E2-E3B085C9AB24}">
+                  <p16:designElem xmlns:p16="http://schemas.microsoft.com/office/powerpoint/2015/main" val="1"/>
+                </p:ext>
+              </p:extLst>
+            </p:nvPr>
+          </p:nvSpPr>
+          <p:spPr bwMode="auto">
+            <a:xfrm>
+              <a:off x="1155481" y="498348"/>
+              <a:ext cx="5861304" cy="5861304"/>
+            </a:xfrm>
+            <a:prstGeom prst="ellipse">
+              <a:avLst/>
+            </a:prstGeom>
+            <a:solidFill>
+              <a:schemeClr val="accent1">
+                <a:alpha val="55000"/>
+              </a:schemeClr>
+            </a:solidFill>
+            <a:ln>
+              <a:noFill/>
+            </a:ln>
+          </p:spPr>
+        </p:sp>
+        <p:sp>
+          <p:nvSpPr>
+            <p:cNvPr id="12" name="Oval 11">
+              <a:extLst>
+                <a:ext uri="{FF2B5EF4-FFF2-40B4-BE49-F238E27FC236}">
+                  <a16:creationId xmlns:a16="http://schemas.microsoft.com/office/drawing/2014/main" id="{F0307F65-8304-4FA8-A841-D4D7625411BE}"/>
+                </a:ext>
+              </a:extLst>
+            </p:cNvPr>
+            <p:cNvSpPr>
+              <a:spLocks noChangeArrowheads="1"/>
+            </p:cNvSpPr>
+            <p:nvPr>
+              <p:extLst>
+                <p:ext uri="{386F3935-93C4-4BCD-93E2-E3B085C9AB24}">
+                  <p16:designElem xmlns:p16="http://schemas.microsoft.com/office/powerpoint/2015/main" val="1"/>
+                </p:ext>
+              </p:extLst>
+            </p:nvPr>
+          </p:nvSpPr>
+          <p:spPr bwMode="auto">
+            <a:xfrm>
+              <a:off x="5196840" y="498348"/>
+              <a:ext cx="5861304" cy="5861304"/>
+            </a:xfrm>
+            <a:prstGeom prst="ellipse">
+              <a:avLst/>
+            </a:prstGeom>
+            <a:solidFill>
+              <a:schemeClr val="accent1">
+                <a:alpha val="55000"/>
+              </a:schemeClr>
+            </a:solidFill>
+            <a:ln>
+              <a:noFill/>
+            </a:ln>
+          </p:spPr>
+        </p:sp>
+        <p:sp>
+          <p:nvSpPr>
+            <p:cNvPr id="13" name="Oval 5">
+              <a:extLst>
+                <a:ext uri="{FF2B5EF4-FFF2-40B4-BE49-F238E27FC236}">
+                  <a16:creationId xmlns:a16="http://schemas.microsoft.com/office/drawing/2014/main" id="{C8B8394C-136F-4E05-A002-D93A5E79CD50}"/>
+                </a:ext>
+              </a:extLst>
+            </p:cNvPr>
+            <p:cNvSpPr>
+              <a:spLocks noChangeArrowheads="1"/>
+            </p:cNvSpPr>
+            <p:nvPr>
+              <p:extLst>
+                <p:ext uri="{386F3935-93C4-4BCD-93E2-E3B085C9AB24}">
+                  <p16:designElem xmlns:p16="http://schemas.microsoft.com/office/powerpoint/2015/main" val="1"/>
+                </p:ext>
+              </p:extLst>
+            </p:nvPr>
+          </p:nvSpPr>
+          <p:spPr bwMode="auto">
+            <a:xfrm>
+              <a:off x="3165348" y="498348"/>
+              <a:ext cx="5861304" cy="5861304"/>
+            </a:xfrm>
+            <a:prstGeom prst="ellipse">
+              <a:avLst/>
+            </a:prstGeom>
+            <a:solidFill>
+              <a:schemeClr val="accent1">
+                <a:alpha val="70000"/>
+              </a:schemeClr>
+            </a:solidFill>
+            <a:ln>
+              <a:noFill/>
+            </a:ln>
+          </p:spPr>
+        </p:sp>
+      </p:grpSp>
+      <p:sp>
+        <p:nvSpPr>
+          <p:cNvPr id="15" name="Rectangle 14" title="ribbon">
+            <a:extLst>
+              <a:ext uri="{FF2B5EF4-FFF2-40B4-BE49-F238E27FC236}">
+                <a16:creationId xmlns:a16="http://schemas.microsoft.com/office/drawing/2014/main" id="{053FB2EE-284F-4C87-AB3D-BBF87A9FAB97}"/>
+              </a:ext>
+            </a:extLst>
+          </p:cNvPr>
+          <p:cNvSpPr>
+            <a:spLocks noGrp="1" noRot="1" noChangeAspect="1" noMove="1" noResize="1" noEditPoints="1" noAdjustHandles="1" noChangeArrowheads="1" noChangeShapeType="1" noTextEdit="1"/>
+          </p:cNvSpPr>
+          <p:nvPr>
+            <p:extLst>
+              <p:ext uri="{386F3935-93C4-4BCD-93E2-E3B085C9AB24}">
+                <p16:designElem xmlns:p16="http://schemas.microsoft.com/office/powerpoint/2015/main" val="1"/>
+              </p:ext>
+            </p:extLst>
+          </p:nvPr>
+        </p:nvSpPr>
         <p:spPr>
           <a:xfrm>
-            <a:off x="1524020" y="10"/>
-            <a:ext cx="9143980" cy="6857990"/>
+            <a:off x="0" y="2514600"/>
+            <a:ext cx="12192000" cy="1828800"/>
           </a:xfrm>
           <a:prstGeom prst="rect">
             <a:avLst/>
           </a:prstGeom>
-        </p:spPr>
-      </p:pic>
-      <p:sp>
-        <p:nvSpPr>
-          <p:cNvPr id="6" name="Title 5"/>
-          <p:cNvSpPr>
-            <a:spLocks noGrp="1"/>
-          </p:cNvSpPr>
-          <p:nvPr>
-            <p:ph type="ctrTitle"/>
-          </p:nvPr>
-        </p:nvSpPr>
-        <p:spPr>
-          <a:xfrm>
-            <a:off x="4814512" y="1200152"/>
-            <a:ext cx="5172879" cy="4457696"/>
-          </a:xfrm>
-        </p:spPr>
-        <p:txBody>
-          <a:bodyPr anchor="ctr">
-            <a:normAutofit/>
-          </a:bodyPr>
-          <a:lstStyle/>
-          <a:p>
-            <a:pPr algn="l"/>
-            <a:r>
-              <a:rPr lang="en-US" sz="7000" dirty="0">
-                <a:solidFill>
-                  <a:srgbClr val="FFFFFF"/>
-                </a:solidFill>
-              </a:rPr>
-              <a:t>Lecture 6</a:t>
-            </a:r>
-            <a:br>
-              <a:rPr lang="en-US" sz="7000" dirty="0">
-                <a:solidFill>
-                  <a:srgbClr val="FFFFFF"/>
-                </a:solidFill>
-              </a:rPr>
-            </a:br>
-            <a:r>
-              <a:rPr lang="en-US" sz="7000" dirty="0">
-                <a:solidFill>
-                  <a:srgbClr val="FFFFFF"/>
-                </a:solidFill>
-              </a:rPr>
-              <a:t>AWS Storage</a:t>
-            </a:r>
-          </a:p>
-        </p:txBody>
-      </p:sp>
-      <p:sp>
-        <p:nvSpPr>
-          <p:cNvPr id="7" name="Subtitle 6"/>
-          <p:cNvSpPr>
-            <a:spLocks noGrp="1"/>
-          </p:cNvSpPr>
-          <p:nvPr>
-            <p:ph type="subTitle" idx="1"/>
-          </p:nvPr>
-        </p:nvSpPr>
-        <p:spPr>
-          <a:xfrm>
-            <a:off x="2161473" y="1200152"/>
-            <a:ext cx="2112401" cy="4457696"/>
-          </a:xfrm>
-        </p:spPr>
-        <p:txBody>
-          <a:bodyPr anchor="ctr">
-            <a:normAutofit/>
-          </a:bodyPr>
-          <a:lstStyle/>
-          <a:p>
-            <a:pPr algn="r"/>
-            <a:r>
-              <a:rPr lang="en-US" dirty="0">
-                <a:solidFill>
-                  <a:srgbClr val="FFFFFF"/>
-                </a:solidFill>
-              </a:rPr>
-              <a:t>CITS5503 Cloud Computing</a:t>
-            </a:r>
-          </a:p>
-          <a:p>
-            <a:pPr algn="r"/>
-            <a:r>
-              <a:rPr lang="en-US" dirty="0" err="1">
-                <a:solidFill>
-                  <a:srgbClr val="FFFFFF"/>
-                </a:solidFill>
-              </a:rPr>
-              <a:t>Dr</a:t>
-            </a:r>
-            <a:r>
-              <a:rPr lang="en-US" dirty="0">
-                <a:solidFill>
-                  <a:srgbClr val="FFFFFF"/>
-                </a:solidFill>
-              </a:rPr>
-              <a:t> David Glance</a:t>
-            </a:r>
-          </a:p>
-        </p:txBody>
-      </p:sp>
-      <p:sp>
-        <p:nvSpPr>
-          <p:cNvPr id="4" name="Footer Placeholder 3"/>
-          <p:cNvSpPr>
-            <a:spLocks noGrp="1"/>
-          </p:cNvSpPr>
-          <p:nvPr>
-            <p:ph type="ftr" sz="quarter" idx="11"/>
-          </p:nvPr>
-        </p:nvSpPr>
-        <p:spPr>
-          <a:xfrm>
-            <a:off x="5014721" y="6356351"/>
-            <a:ext cx="4236219" cy="365125"/>
-          </a:xfrm>
-          <a:prstGeom prst="rect">
-            <a:avLst/>
-          </a:prstGeom>
-        </p:spPr>
-        <p:txBody>
-          <a:bodyPr>
-            <a:normAutofit fontScale="92500"/>
-          </a:bodyPr>
-          <a:lstStyle/>
-          <a:p>
-            <a:pPr algn="l"/>
-            <a:r>
-              <a:rPr lang="de-DE" dirty="0" err="1">
-                <a:solidFill>
-                  <a:srgbClr val="FFFFFF"/>
-                </a:solidFill>
-              </a:rPr>
-              <a:t>Based</a:t>
-            </a:r>
-            <a:r>
-              <a:rPr lang="de-DE" dirty="0">
-                <a:solidFill>
-                  <a:srgbClr val="FFFFFF"/>
-                </a:solidFill>
-              </a:rPr>
-              <a:t> on University </a:t>
-            </a:r>
-            <a:r>
-              <a:rPr lang="de-DE" dirty="0" err="1">
-                <a:solidFill>
-                  <a:srgbClr val="FFFFFF"/>
-                </a:solidFill>
-              </a:rPr>
-              <a:t>of</a:t>
-            </a:r>
-            <a:r>
-              <a:rPr lang="de-DE" dirty="0">
-                <a:solidFill>
-                  <a:srgbClr val="FFFFFF"/>
-                </a:solidFill>
-              </a:rPr>
-              <a:t> Pennsylvania NETS212 </a:t>
-            </a:r>
-            <a:r>
-              <a:rPr lang="de-DE" dirty="0" err="1">
-                <a:solidFill>
-                  <a:srgbClr val="FFFFFF"/>
-                </a:solidFill>
-              </a:rPr>
-              <a:t>Haeberlen</a:t>
-            </a:r>
-            <a:r>
-              <a:rPr lang="de-DE" dirty="0">
-                <a:solidFill>
-                  <a:srgbClr val="FFFFFF"/>
-                </a:solidFill>
-              </a:rPr>
-              <a:t>, Z. Ives</a:t>
-            </a:r>
-            <a:endParaRPr lang="en-GB" dirty="0">
-              <a:solidFill>
-                <a:srgbClr val="FFFFFF"/>
-              </a:solidFill>
-            </a:endParaRPr>
-          </a:p>
-        </p:txBody>
-      </p:sp>
-      <p:cxnSp>
-        <p:nvCxnSpPr>
-          <p:cNvPr id="5" name="Straight Connector 4">
-            <a:extLst>
-              <a:ext uri="{FF2B5EF4-FFF2-40B4-BE49-F238E27FC236}">
-                <a16:creationId xmlns:a16="http://schemas.microsoft.com/office/drawing/2014/main" id="{CD3F56E3-8912-C249-BF8B-D1F5A43D2372}"/>
-              </a:ext>
-            </a:extLst>
-          </p:cNvPr>
-          <p:cNvCxnSpPr/>
-          <p:nvPr/>
-        </p:nvCxnSpPr>
-        <p:spPr>
-          <a:xfrm>
-            <a:off x="4504765" y="2474259"/>
-            <a:ext cx="0" cy="1909482"/>
-          </a:xfrm>
-          <a:prstGeom prst="line">
-            <a:avLst/>
-          </a:prstGeom>
-          <a:ln w="25400">
-            <a:solidFill>
-              <a:schemeClr val="bg1"/>
-            </a:solidFill>
+          <a:solidFill>
+            <a:schemeClr val="tx2"/>
+          </a:solidFill>
+          <a:ln>
+            <a:noFill/>
           </a:ln>
         </p:spPr>
         <p:style>
-          <a:lnRef idx="1">
-            <a:schemeClr val="accent1"/>
+          <a:lnRef idx="2">
+            <a:schemeClr val="accent1">
+              <a:shade val="50000"/>
+            </a:schemeClr>
           </a:lnRef>
-          <a:fillRef idx="0">
+          <a:fillRef idx="1">
             <a:schemeClr val="accent1"/>
           </a:fillRef>
           <a:effectRef idx="0">
             <a:schemeClr val="accent1"/>
           </a:effectRef>
           <a:fontRef idx="minor">
-            <a:schemeClr val="tx1"/>
+            <a:schemeClr val="lt1"/>
           </a:fontRef>
         </p:style>
-      </p:cxnSp>
+      </p:sp>
+      <p:sp>
+        <p:nvSpPr>
+          <p:cNvPr id="2" name="Title 1">
+            <a:extLst>
+              <a:ext uri="{FF2B5EF4-FFF2-40B4-BE49-F238E27FC236}">
+                <a16:creationId xmlns:a16="http://schemas.microsoft.com/office/drawing/2014/main" id="{07919E90-20AD-094C-881C-2939822326AE}"/>
+              </a:ext>
+            </a:extLst>
+          </p:cNvPr>
+          <p:cNvSpPr>
+            <a:spLocks noGrp="1"/>
+          </p:cNvSpPr>
+          <p:nvPr>
+            <p:ph type="ctrTitle"/>
+          </p:nvPr>
+        </p:nvSpPr>
+        <p:spPr>
+          <a:xfrm>
+            <a:off x="1524000" y="2776538"/>
+            <a:ext cx="9144000" cy="1381188"/>
+          </a:xfrm>
+        </p:spPr>
+        <p:txBody>
+          <a:bodyPr anchor="ctr">
+            <a:normAutofit/>
+          </a:bodyPr>
+          <a:lstStyle/>
+          <a:p>
+            <a:r>
+              <a:rPr lang="en-US" sz="4000" dirty="0">
+                <a:solidFill>
+                  <a:schemeClr val="bg2"/>
+                </a:solidFill>
+              </a:rPr>
+              <a:t>AWS Storage: S3 and </a:t>
+            </a:r>
+            <a:r>
+              <a:rPr lang="en-US" sz="4000" dirty="0" err="1">
+                <a:solidFill>
+                  <a:schemeClr val="bg2"/>
+                </a:solidFill>
+              </a:rPr>
+              <a:t>DynamoDB</a:t>
+            </a:r>
+            <a:endParaRPr lang="en-US" sz="4000" dirty="0">
+              <a:solidFill>
+                <a:schemeClr val="bg2"/>
+              </a:solidFill>
+            </a:endParaRPr>
+          </a:p>
+        </p:txBody>
+      </p:sp>
+      <p:sp>
+        <p:nvSpPr>
+          <p:cNvPr id="3" name="Subtitle 2">
+            <a:extLst>
+              <a:ext uri="{FF2B5EF4-FFF2-40B4-BE49-F238E27FC236}">
+                <a16:creationId xmlns:a16="http://schemas.microsoft.com/office/drawing/2014/main" id="{BFA7D9F1-3686-E244-B680-D1C9F3C7AFDC}"/>
+              </a:ext>
+            </a:extLst>
+          </p:cNvPr>
+          <p:cNvSpPr>
+            <a:spLocks noGrp="1"/>
+          </p:cNvSpPr>
+          <p:nvPr>
+            <p:ph type="subTitle" idx="1"/>
+          </p:nvPr>
+        </p:nvSpPr>
+        <p:spPr>
+          <a:xfrm>
+            <a:off x="1524000" y="4495800"/>
+            <a:ext cx="9144000" cy="762000"/>
+          </a:xfrm>
+        </p:spPr>
+        <p:txBody>
+          <a:bodyPr>
+            <a:normAutofit/>
+          </a:bodyPr>
+          <a:lstStyle/>
+          <a:p>
+            <a:r>
+              <a:rPr lang="en-US" sz="1800" dirty="0"/>
+              <a:t>CITS5503 </a:t>
+            </a:r>
+            <a:r>
+              <a:rPr lang="en-US" sz="1800" dirty="0" err="1"/>
+              <a:t>Dr</a:t>
+            </a:r>
+            <a:r>
+              <a:rPr lang="en-US" sz="1800" dirty="0"/>
+              <a:t> David Glance</a:t>
+            </a:r>
+          </a:p>
+        </p:txBody>
+      </p:sp>
+      <p:sp>
+        <p:nvSpPr>
+          <p:cNvPr id="4" name="Footer Placeholder 3">
+            <a:extLst>
+              <a:ext uri="{FF2B5EF4-FFF2-40B4-BE49-F238E27FC236}">
+                <a16:creationId xmlns:a16="http://schemas.microsoft.com/office/drawing/2014/main" id="{B4BB5E5E-E9DC-0546-A8C8-29E45B7BEA1C}"/>
+              </a:ext>
+            </a:extLst>
+          </p:cNvPr>
+          <p:cNvSpPr>
+            <a:spLocks noGrp="1"/>
+          </p:cNvSpPr>
+          <p:nvPr>
+            <p:ph type="ftr" sz="quarter" idx="11"/>
+          </p:nvPr>
+        </p:nvSpPr>
+        <p:spPr>
+          <a:xfrm>
+            <a:off x="4038600" y="6356350"/>
+            <a:ext cx="4114800" cy="365125"/>
+          </a:xfrm>
+        </p:spPr>
+        <p:txBody>
+          <a:bodyPr>
+            <a:normAutofit/>
+          </a:bodyPr>
+          <a:lstStyle/>
+          <a:p>
+            <a:endParaRPr lang="en-GB">
+              <a:solidFill>
+                <a:schemeClr val="tx1"/>
+              </a:solidFill>
+            </a:endParaRPr>
+          </a:p>
+        </p:txBody>
+      </p:sp>
+      <p:sp>
+        <p:nvSpPr>
+          <p:cNvPr id="5" name="Slide Number Placeholder 4">
+            <a:extLst>
+              <a:ext uri="{FF2B5EF4-FFF2-40B4-BE49-F238E27FC236}">
+                <a16:creationId xmlns:a16="http://schemas.microsoft.com/office/drawing/2014/main" id="{C96E3C98-F824-AF43-A60C-16212C3CBCA6}"/>
+              </a:ext>
+            </a:extLst>
+          </p:cNvPr>
+          <p:cNvSpPr>
+            <a:spLocks noGrp="1"/>
+          </p:cNvSpPr>
+          <p:nvPr>
+            <p:ph type="sldNum" sz="quarter" idx="12"/>
+          </p:nvPr>
+        </p:nvSpPr>
+        <p:spPr>
+          <a:xfrm>
+            <a:off x="8610600" y="6356350"/>
+            <a:ext cx="2743200" cy="365125"/>
+          </a:xfrm>
+        </p:spPr>
+        <p:txBody>
+          <a:bodyPr>
+            <a:normAutofit/>
+          </a:bodyPr>
+          <a:lstStyle/>
+          <a:p>
+            <a:fld id="{05072F42-4DFA-4725-86F9-7594E4AB4EB5}" type="slidenum">
+              <a:rPr lang="en-GB">
+                <a:solidFill>
+                  <a:schemeClr val="tx1"/>
+                </a:solidFill>
+              </a:rPr>
+              <a:pPr/>
+              <a:t>2</a:t>
+            </a:fld>
+            <a:endParaRPr lang="en-GB">
+              <a:solidFill>
+                <a:schemeClr val="tx1"/>
+              </a:solidFill>
+            </a:endParaRPr>
+          </a:p>
+        </p:txBody>
+      </p:sp>
     </p:spTree>
     <p:extLst>
       <p:ext uri="{BB962C8B-B14F-4D97-AF65-F5344CB8AC3E}">
-        <p14:creationId xmlns:p14="http://schemas.microsoft.com/office/powerpoint/2010/main" val="3649459556"/>
+        <p14:creationId xmlns:p14="http://schemas.microsoft.com/office/powerpoint/2010/main" val="1991262179"/>
       </p:ext>
     </p:extLst>
   </p:cSld>
   <p:clrMapOvr>
-    <a:masterClrMapping/>
+    <a:overrideClrMapping bg1="dk1" tx1="lt1" bg2="dk2" tx2="lt2" accent1="accent1" accent2="accent2" accent3="accent3" accent4="accent4" accent5="accent5" accent6="accent6" hlink="hlink" folHlink="folHlink"/>
   </p:clrMapOvr>
 </p:sld>
 </file>
@@ -7836,7 +7957,7 @@
                 <a:latin typeface="+mn-lt"/>
               </a:rPr>
               <a:pPr/>
-              <a:t>3</a:t>
+              <a:t>13</a:t>
             </a:fld>
             <a:endParaRPr lang="en-US" sz="1100">
               <a:solidFill>

--- a/Lectures/CITS5503LectureStorage.pptx
+++ b/Lectures/CITS5503LectureStorage.pptx
@@ -5,37 +5,45 @@
     <p:sldMasterId id="2147483694" r:id="rId1"/>
   </p:sldMasterIdLst>
   <p:notesMasterIdLst>
-    <p:notesMasterId r:id="rId27"/>
+    <p:notesMasterId r:id="rId35"/>
   </p:notesMasterIdLst>
   <p:handoutMasterIdLst>
-    <p:handoutMasterId r:id="rId28"/>
+    <p:handoutMasterId r:id="rId36"/>
   </p:handoutMasterIdLst>
   <p:sldIdLst>
     <p:sldId id="1350" r:id="rId2"/>
-    <p:sldId id="1326" r:id="rId3"/>
-    <p:sldId id="1330" r:id="rId4"/>
-    <p:sldId id="1331" r:id="rId5"/>
-    <p:sldId id="1327" r:id="rId6"/>
-    <p:sldId id="1328" r:id="rId7"/>
-    <p:sldId id="1329" r:id="rId8"/>
-    <p:sldId id="1332" r:id="rId9"/>
-    <p:sldId id="1333" r:id="rId10"/>
-    <p:sldId id="1334" r:id="rId11"/>
-    <p:sldId id="1335" r:id="rId12"/>
-    <p:sldId id="1336" r:id="rId13"/>
-    <p:sldId id="1338" r:id="rId14"/>
-    <p:sldId id="1337" r:id="rId15"/>
-    <p:sldId id="1340" r:id="rId16"/>
-    <p:sldId id="1341" r:id="rId17"/>
-    <p:sldId id="1342" r:id="rId18"/>
-    <p:sldId id="1339" r:id="rId19"/>
-    <p:sldId id="1343" r:id="rId20"/>
-    <p:sldId id="1344" r:id="rId21"/>
-    <p:sldId id="1345" r:id="rId22"/>
-    <p:sldId id="1346" r:id="rId23"/>
-    <p:sldId id="1347" r:id="rId24"/>
-    <p:sldId id="1349" r:id="rId25"/>
-    <p:sldId id="1348" r:id="rId26"/>
+    <p:sldId id="1351" r:id="rId3"/>
+    <p:sldId id="1352" r:id="rId4"/>
+    <p:sldId id="1357" r:id="rId5"/>
+    <p:sldId id="1326" r:id="rId6"/>
+    <p:sldId id="1330" r:id="rId7"/>
+    <p:sldId id="1331" r:id="rId8"/>
+    <p:sldId id="1327" r:id="rId9"/>
+    <p:sldId id="1328" r:id="rId10"/>
+    <p:sldId id="1358" r:id="rId11"/>
+    <p:sldId id="1329" r:id="rId12"/>
+    <p:sldId id="1332" r:id="rId13"/>
+    <p:sldId id="1333" r:id="rId14"/>
+    <p:sldId id="1334" r:id="rId15"/>
+    <p:sldId id="1335" r:id="rId16"/>
+    <p:sldId id="1336" r:id="rId17"/>
+    <p:sldId id="1353" r:id="rId18"/>
+    <p:sldId id="1354" r:id="rId19"/>
+    <p:sldId id="1355" r:id="rId20"/>
+    <p:sldId id="1356" r:id="rId21"/>
+    <p:sldId id="1338" r:id="rId22"/>
+    <p:sldId id="1337" r:id="rId23"/>
+    <p:sldId id="1340" r:id="rId24"/>
+    <p:sldId id="1341" r:id="rId25"/>
+    <p:sldId id="1342" r:id="rId26"/>
+    <p:sldId id="1339" r:id="rId27"/>
+    <p:sldId id="1343" r:id="rId28"/>
+    <p:sldId id="1344" r:id="rId29"/>
+    <p:sldId id="1345" r:id="rId30"/>
+    <p:sldId id="1346" r:id="rId31"/>
+    <p:sldId id="1347" r:id="rId32"/>
+    <p:sldId id="1349" r:id="rId33"/>
+    <p:sldId id="1348" r:id="rId34"/>
   </p:sldIdLst>
   <p:sldSz cx="12192000" cy="6858000"/>
   <p:notesSz cx="9601200" cy="7315200"/>
@@ -992,7 +1000,7 @@
           </a:bodyPr>
           <a:lstStyle/>
           <a:p>
-            <a:endParaRPr lang="en-US"/>
+            <a:endParaRPr lang="en-US" dirty="0"/>
           </a:p>
         </p:txBody>
       </p:sp>
@@ -1014,7 +1022,7 @@
             <a:fld id="{D37F8DB4-A4FF-4A8B-9A85-9B1874A58FCC}" type="slidenum">
               <a:rPr lang="en-US" smtClean="0"/>
               <a:pPr/>
-              <a:t>2</a:t>
+              <a:t>5</a:t>
             </a:fld>
             <a:endParaRPr lang="en-US"/>
           </a:p>
@@ -1060,12 +1068,7 @@
             <p:ph type="sldImg"/>
           </p:nvPr>
         </p:nvSpPr>
-        <p:spPr>
-          <a:xfrm>
-            <a:off x="2362200" y="549275"/>
-            <a:ext cx="4876800" cy="2743200"/>
-          </a:xfrm>
-        </p:spPr>
+        <p:spPr/>
       </p:sp>
       <p:sp>
         <p:nvSpPr>
@@ -1079,12 +1082,10 @@
         </p:nvSpPr>
         <p:spPr/>
         <p:txBody>
-          <a:bodyPr>
-            <a:normAutofit/>
-          </a:bodyPr>
-          <a:lstStyle/>
-          <a:p>
-            <a:endParaRPr lang="en-US"/>
+          <a:bodyPr/>
+          <a:lstStyle/>
+          <a:p>
+            <a:endParaRPr lang="en-US" dirty="0"/>
           </a:p>
         </p:txBody>
       </p:sp>
@@ -1095,7 +1096,7 @@
             <a:spLocks noGrp="1"/>
           </p:cNvSpPr>
           <p:nvPr>
-            <p:ph type="sldNum" sz="quarter" idx="10"/>
+            <p:ph type="sldNum" sz="quarter" idx="5"/>
           </p:nvPr>
         </p:nvSpPr>
         <p:spPr/>
@@ -1106,7 +1107,7 @@
             <a:fld id="{D37F8DB4-A4FF-4A8B-9A85-9B1874A58FCC}" type="slidenum">
               <a:rPr lang="en-US" smtClean="0"/>
               <a:pPr/>
-              <a:t>15</a:t>
+              <a:t>19</a:t>
             </a:fld>
             <a:endParaRPr lang="en-US"/>
           </a:p>
@@ -1115,7 +1116,7 @@
     </p:spTree>
     <p:extLst>
       <p:ext uri="{BB962C8B-B14F-4D97-AF65-F5344CB8AC3E}">
-        <p14:creationId xmlns:p14="http://schemas.microsoft.com/office/powerpoint/2010/main" val="35076251"/>
+        <p14:creationId xmlns:p14="http://schemas.microsoft.com/office/powerpoint/2010/main" val="254282788"/>
       </p:ext>
     </p:extLst>
   </p:cSld>
@@ -1198,7 +1199,7 @@
             <a:fld id="{D37F8DB4-A4FF-4A8B-9A85-9B1874A58FCC}" type="slidenum">
               <a:rPr lang="en-US" smtClean="0"/>
               <a:pPr/>
-              <a:t>16</a:t>
+              <a:t>22</a:t>
             </a:fld>
             <a:endParaRPr lang="en-US"/>
           </a:p>
@@ -1207,7 +1208,7 @@
     </p:spTree>
     <p:extLst>
       <p:ext uri="{BB962C8B-B14F-4D97-AF65-F5344CB8AC3E}">
-        <p14:creationId xmlns:p14="http://schemas.microsoft.com/office/powerpoint/2010/main" val="798583806"/>
+        <p14:creationId xmlns:p14="http://schemas.microsoft.com/office/powerpoint/2010/main" val="3098665416"/>
       </p:ext>
     </p:extLst>
   </p:cSld>
@@ -1290,7 +1291,7 @@
             <a:fld id="{D37F8DB4-A4FF-4A8B-9A85-9B1874A58FCC}" type="slidenum">
               <a:rPr lang="en-US" smtClean="0"/>
               <a:pPr/>
-              <a:t>17</a:t>
+              <a:t>23</a:t>
             </a:fld>
             <a:endParaRPr lang="en-US"/>
           </a:p>
@@ -1299,7 +1300,7 @@
     </p:spTree>
     <p:extLst>
       <p:ext uri="{BB962C8B-B14F-4D97-AF65-F5344CB8AC3E}">
-        <p14:creationId xmlns:p14="http://schemas.microsoft.com/office/powerpoint/2010/main" val="4020783524"/>
+        <p14:creationId xmlns:p14="http://schemas.microsoft.com/office/powerpoint/2010/main" val="35076251"/>
       </p:ext>
     </p:extLst>
   </p:cSld>
@@ -1382,7 +1383,7 @@
             <a:fld id="{D37F8DB4-A4FF-4A8B-9A85-9B1874A58FCC}" type="slidenum">
               <a:rPr lang="en-US" smtClean="0"/>
               <a:pPr/>
-              <a:t>18</a:t>
+              <a:t>24</a:t>
             </a:fld>
             <a:endParaRPr lang="en-US"/>
           </a:p>
@@ -1391,7 +1392,7 @@
     </p:spTree>
     <p:extLst>
       <p:ext uri="{BB962C8B-B14F-4D97-AF65-F5344CB8AC3E}">
-        <p14:creationId xmlns:p14="http://schemas.microsoft.com/office/powerpoint/2010/main" val="3924686422"/>
+        <p14:creationId xmlns:p14="http://schemas.microsoft.com/office/powerpoint/2010/main" val="798583806"/>
       </p:ext>
     </p:extLst>
   </p:cSld>
@@ -1474,7 +1475,7 @@
             <a:fld id="{D37F8DB4-A4FF-4A8B-9A85-9B1874A58FCC}" type="slidenum">
               <a:rPr lang="en-US" smtClean="0"/>
               <a:pPr/>
-              <a:t>19</a:t>
+              <a:t>25</a:t>
             </a:fld>
             <a:endParaRPr lang="en-US"/>
           </a:p>
@@ -1483,7 +1484,7 @@
     </p:spTree>
     <p:extLst>
       <p:ext uri="{BB962C8B-B14F-4D97-AF65-F5344CB8AC3E}">
-        <p14:creationId xmlns:p14="http://schemas.microsoft.com/office/powerpoint/2010/main" val="732944057"/>
+        <p14:creationId xmlns:p14="http://schemas.microsoft.com/office/powerpoint/2010/main" val="4020783524"/>
       </p:ext>
     </p:extLst>
   </p:cSld>
@@ -1566,7 +1567,7 @@
             <a:fld id="{D37F8DB4-A4FF-4A8B-9A85-9B1874A58FCC}" type="slidenum">
               <a:rPr lang="en-US" smtClean="0"/>
               <a:pPr/>
-              <a:t>20</a:t>
+              <a:t>26</a:t>
             </a:fld>
             <a:endParaRPr lang="en-US"/>
           </a:p>
@@ -1575,7 +1576,7 @@
     </p:spTree>
     <p:extLst>
       <p:ext uri="{BB962C8B-B14F-4D97-AF65-F5344CB8AC3E}">
-        <p14:creationId xmlns:p14="http://schemas.microsoft.com/office/powerpoint/2010/main" val="2644909299"/>
+        <p14:creationId xmlns:p14="http://schemas.microsoft.com/office/powerpoint/2010/main" val="3924686422"/>
       </p:ext>
     </p:extLst>
   </p:cSld>
@@ -1658,7 +1659,7 @@
             <a:fld id="{D37F8DB4-A4FF-4A8B-9A85-9B1874A58FCC}" type="slidenum">
               <a:rPr lang="en-US" smtClean="0"/>
               <a:pPr/>
-              <a:t>21</a:t>
+              <a:t>27</a:t>
             </a:fld>
             <a:endParaRPr lang="en-US"/>
           </a:p>
@@ -1667,7 +1668,7 @@
     </p:spTree>
     <p:extLst>
       <p:ext uri="{BB962C8B-B14F-4D97-AF65-F5344CB8AC3E}">
-        <p14:creationId xmlns:p14="http://schemas.microsoft.com/office/powerpoint/2010/main" val="3727233592"/>
+        <p14:creationId xmlns:p14="http://schemas.microsoft.com/office/powerpoint/2010/main" val="732944057"/>
       </p:ext>
     </p:extLst>
   </p:cSld>
@@ -1728,7 +1729,7 @@
           </a:bodyPr>
           <a:lstStyle/>
           <a:p>
-            <a:endParaRPr lang="en-US" dirty="0"/>
+            <a:endParaRPr lang="en-US"/>
           </a:p>
         </p:txBody>
       </p:sp>
@@ -1750,7 +1751,7 @@
             <a:fld id="{D37F8DB4-A4FF-4A8B-9A85-9B1874A58FCC}" type="slidenum">
               <a:rPr lang="en-US" smtClean="0"/>
               <a:pPr/>
-              <a:t>22</a:t>
+              <a:t>28</a:t>
             </a:fld>
             <a:endParaRPr lang="en-US"/>
           </a:p>
@@ -1759,7 +1760,7 @@
     </p:spTree>
     <p:extLst>
       <p:ext uri="{BB962C8B-B14F-4D97-AF65-F5344CB8AC3E}">
-        <p14:creationId xmlns:p14="http://schemas.microsoft.com/office/powerpoint/2010/main" val="2398857766"/>
+        <p14:creationId xmlns:p14="http://schemas.microsoft.com/office/powerpoint/2010/main" val="2644909299"/>
       </p:ext>
     </p:extLst>
   </p:cSld>
@@ -1820,7 +1821,7 @@
           </a:bodyPr>
           <a:lstStyle/>
           <a:p>
-            <a:endParaRPr lang="en-US" dirty="0"/>
+            <a:endParaRPr lang="en-US"/>
           </a:p>
         </p:txBody>
       </p:sp>
@@ -1842,7 +1843,7 @@
             <a:fld id="{D37F8DB4-A4FF-4A8B-9A85-9B1874A58FCC}" type="slidenum">
               <a:rPr lang="en-US" smtClean="0"/>
               <a:pPr/>
-              <a:t>23</a:t>
+              <a:t>29</a:t>
             </a:fld>
             <a:endParaRPr lang="en-US"/>
           </a:p>
@@ -1851,7 +1852,7 @@
     </p:spTree>
     <p:extLst>
       <p:ext uri="{BB962C8B-B14F-4D97-AF65-F5344CB8AC3E}">
-        <p14:creationId xmlns:p14="http://schemas.microsoft.com/office/powerpoint/2010/main" val="2521358641"/>
+        <p14:creationId xmlns:p14="http://schemas.microsoft.com/office/powerpoint/2010/main" val="3727233592"/>
       </p:ext>
     </p:extLst>
   </p:cSld>
@@ -1934,7 +1935,7 @@
             <a:fld id="{D37F8DB4-A4FF-4A8B-9A85-9B1874A58FCC}" type="slidenum">
               <a:rPr lang="en-US" smtClean="0"/>
               <a:pPr/>
-              <a:t>24</a:t>
+              <a:t>30</a:t>
             </a:fld>
             <a:endParaRPr lang="en-US"/>
           </a:p>
@@ -1943,7 +1944,7 @@
     </p:spTree>
     <p:extLst>
       <p:ext uri="{BB962C8B-B14F-4D97-AF65-F5344CB8AC3E}">
-        <p14:creationId xmlns:p14="http://schemas.microsoft.com/office/powerpoint/2010/main" val="3193891219"/>
+        <p14:creationId xmlns:p14="http://schemas.microsoft.com/office/powerpoint/2010/main" val="2398857766"/>
       </p:ext>
     </p:extLst>
   </p:cSld>
@@ -2026,7 +2027,7 @@
             <a:fld id="{D37F8DB4-A4FF-4A8B-9A85-9B1874A58FCC}" type="slidenum">
               <a:rPr lang="en-US" smtClean="0"/>
               <a:pPr/>
-              <a:t>3</a:t>
+              <a:t>6</a:t>
             </a:fld>
             <a:endParaRPr lang="en-US"/>
           </a:p>
@@ -2118,7 +2119,191 @@
             <a:fld id="{D37F8DB4-A4FF-4A8B-9A85-9B1874A58FCC}" type="slidenum">
               <a:rPr lang="en-US" smtClean="0"/>
               <a:pPr/>
-              <a:t>25</a:t>
+              <a:t>31</a:t>
+            </a:fld>
+            <a:endParaRPr lang="en-US"/>
+          </a:p>
+        </p:txBody>
+      </p:sp>
+    </p:spTree>
+    <p:extLst>
+      <p:ext uri="{BB962C8B-B14F-4D97-AF65-F5344CB8AC3E}">
+        <p14:creationId xmlns:p14="http://schemas.microsoft.com/office/powerpoint/2010/main" val="2521358641"/>
+      </p:ext>
+    </p:extLst>
+  </p:cSld>
+  <p:clrMapOvr>
+    <a:masterClrMapping/>
+  </p:clrMapOvr>
+</p:notes>
+</file>
+
+<file path=ppt/notesSlides/notesSlide21.xml><?xml version="1.0" encoding="utf-8"?>
+<p:notes xmlns:a="http://schemas.openxmlformats.org/drawingml/2006/main" xmlns:r="http://schemas.openxmlformats.org/officeDocument/2006/relationships" xmlns:p="http://schemas.openxmlformats.org/presentationml/2006/main">
+  <p:cSld>
+    <p:spTree>
+      <p:nvGrpSpPr>
+        <p:cNvPr id="1" name=""/>
+        <p:cNvGrpSpPr/>
+        <p:nvPr/>
+      </p:nvGrpSpPr>
+      <p:grpSpPr>
+        <a:xfrm>
+          <a:off x="0" y="0"/>
+          <a:ext cx="0" cy="0"/>
+          <a:chOff x="0" y="0"/>
+          <a:chExt cx="0" cy="0"/>
+        </a:xfrm>
+      </p:grpSpPr>
+      <p:sp>
+        <p:nvSpPr>
+          <p:cNvPr id="2" name="Slide Image Placeholder 1"/>
+          <p:cNvSpPr>
+            <a:spLocks noGrp="1" noRot="1" noChangeAspect="1"/>
+          </p:cNvSpPr>
+          <p:nvPr>
+            <p:ph type="sldImg"/>
+          </p:nvPr>
+        </p:nvSpPr>
+        <p:spPr>
+          <a:xfrm>
+            <a:off x="2362200" y="549275"/>
+            <a:ext cx="4876800" cy="2743200"/>
+          </a:xfrm>
+        </p:spPr>
+      </p:sp>
+      <p:sp>
+        <p:nvSpPr>
+          <p:cNvPr id="3" name="Notes Placeholder 2"/>
+          <p:cNvSpPr>
+            <a:spLocks noGrp="1"/>
+          </p:cNvSpPr>
+          <p:nvPr>
+            <p:ph type="body" idx="1"/>
+          </p:nvPr>
+        </p:nvSpPr>
+        <p:spPr/>
+        <p:txBody>
+          <a:bodyPr>
+            <a:normAutofit/>
+          </a:bodyPr>
+          <a:lstStyle/>
+          <a:p>
+            <a:endParaRPr lang="en-US" dirty="0"/>
+          </a:p>
+        </p:txBody>
+      </p:sp>
+      <p:sp>
+        <p:nvSpPr>
+          <p:cNvPr id="4" name="Slide Number Placeholder 3"/>
+          <p:cNvSpPr>
+            <a:spLocks noGrp="1"/>
+          </p:cNvSpPr>
+          <p:nvPr>
+            <p:ph type="sldNum" sz="quarter" idx="10"/>
+          </p:nvPr>
+        </p:nvSpPr>
+        <p:spPr/>
+        <p:txBody>
+          <a:bodyPr/>
+          <a:lstStyle/>
+          <a:p>
+            <a:fld id="{D37F8DB4-A4FF-4A8B-9A85-9B1874A58FCC}" type="slidenum">
+              <a:rPr lang="en-US" smtClean="0"/>
+              <a:pPr/>
+              <a:t>32</a:t>
+            </a:fld>
+            <a:endParaRPr lang="en-US"/>
+          </a:p>
+        </p:txBody>
+      </p:sp>
+    </p:spTree>
+    <p:extLst>
+      <p:ext uri="{BB962C8B-B14F-4D97-AF65-F5344CB8AC3E}">
+        <p14:creationId xmlns:p14="http://schemas.microsoft.com/office/powerpoint/2010/main" val="3193891219"/>
+      </p:ext>
+    </p:extLst>
+  </p:cSld>
+  <p:clrMapOvr>
+    <a:masterClrMapping/>
+  </p:clrMapOvr>
+</p:notes>
+</file>
+
+<file path=ppt/notesSlides/notesSlide22.xml><?xml version="1.0" encoding="utf-8"?>
+<p:notes xmlns:a="http://schemas.openxmlformats.org/drawingml/2006/main" xmlns:r="http://schemas.openxmlformats.org/officeDocument/2006/relationships" xmlns:p="http://schemas.openxmlformats.org/presentationml/2006/main">
+  <p:cSld>
+    <p:spTree>
+      <p:nvGrpSpPr>
+        <p:cNvPr id="1" name=""/>
+        <p:cNvGrpSpPr/>
+        <p:nvPr/>
+      </p:nvGrpSpPr>
+      <p:grpSpPr>
+        <a:xfrm>
+          <a:off x="0" y="0"/>
+          <a:ext cx="0" cy="0"/>
+          <a:chOff x="0" y="0"/>
+          <a:chExt cx="0" cy="0"/>
+        </a:xfrm>
+      </p:grpSpPr>
+      <p:sp>
+        <p:nvSpPr>
+          <p:cNvPr id="2" name="Slide Image Placeholder 1"/>
+          <p:cNvSpPr>
+            <a:spLocks noGrp="1" noRot="1" noChangeAspect="1"/>
+          </p:cNvSpPr>
+          <p:nvPr>
+            <p:ph type="sldImg"/>
+          </p:nvPr>
+        </p:nvSpPr>
+        <p:spPr>
+          <a:xfrm>
+            <a:off x="2362200" y="549275"/>
+            <a:ext cx="4876800" cy="2743200"/>
+          </a:xfrm>
+        </p:spPr>
+      </p:sp>
+      <p:sp>
+        <p:nvSpPr>
+          <p:cNvPr id="3" name="Notes Placeholder 2"/>
+          <p:cNvSpPr>
+            <a:spLocks noGrp="1"/>
+          </p:cNvSpPr>
+          <p:nvPr>
+            <p:ph type="body" idx="1"/>
+          </p:nvPr>
+        </p:nvSpPr>
+        <p:spPr/>
+        <p:txBody>
+          <a:bodyPr>
+            <a:normAutofit/>
+          </a:bodyPr>
+          <a:lstStyle/>
+          <a:p>
+            <a:endParaRPr lang="en-US" dirty="0"/>
+          </a:p>
+        </p:txBody>
+      </p:sp>
+      <p:sp>
+        <p:nvSpPr>
+          <p:cNvPr id="4" name="Slide Number Placeholder 3"/>
+          <p:cNvSpPr>
+            <a:spLocks noGrp="1"/>
+          </p:cNvSpPr>
+          <p:nvPr>
+            <p:ph type="sldNum" sz="quarter" idx="10"/>
+          </p:nvPr>
+        </p:nvSpPr>
+        <p:spPr/>
+        <p:txBody>
+          <a:bodyPr/>
+          <a:lstStyle/>
+          <a:p>
+            <a:fld id="{D37F8DB4-A4FF-4A8B-9A85-9B1874A58FCC}" type="slidenum">
+              <a:rPr lang="en-US" smtClean="0"/>
+              <a:pPr/>
+              <a:t>33</a:t>
             </a:fld>
             <a:endParaRPr lang="en-US"/>
           </a:p>
@@ -2210,7 +2395,7 @@
             <a:fld id="{D37F8DB4-A4FF-4A8B-9A85-9B1874A58FCC}" type="slidenum">
               <a:rPr lang="en-US" smtClean="0"/>
               <a:pPr/>
-              <a:t>4</a:t>
+              <a:t>7</a:t>
             </a:fld>
             <a:endParaRPr lang="en-US"/>
           </a:p>
@@ -2302,7 +2487,7 @@
             <a:fld id="{D37F8DB4-A4FF-4A8B-9A85-9B1874A58FCC}" type="slidenum">
               <a:rPr lang="en-US" smtClean="0"/>
               <a:pPr/>
-              <a:t>5</a:t>
+              <a:t>8</a:t>
             </a:fld>
             <a:endParaRPr lang="en-US"/>
           </a:p>
@@ -2376,7 +2561,7 @@
             <a:spLocks noGrp="1"/>
           </p:cNvSpPr>
           <p:nvPr>
-            <p:ph type="sldNum" sz="quarter" idx="10"/>
+            <p:ph type="sldNum" sz="quarter" idx="5"/>
           </p:nvPr>
         </p:nvSpPr>
         <p:spPr/>
@@ -2387,7 +2572,7 @@
             <a:fld id="{D37F8DB4-A4FF-4A8B-9A85-9B1874A58FCC}" type="slidenum">
               <a:rPr lang="en-US" smtClean="0"/>
               <a:pPr/>
-              <a:t>9</a:t>
+              <a:t>10</a:t>
             </a:fld>
             <a:endParaRPr lang="en-US"/>
           </a:p>
@@ -2396,7 +2581,7 @@
     </p:spTree>
     <p:extLst>
       <p:ext uri="{BB962C8B-B14F-4D97-AF65-F5344CB8AC3E}">
-        <p14:creationId xmlns:p14="http://schemas.microsoft.com/office/powerpoint/2010/main" val="54543232"/>
+        <p14:creationId xmlns:p14="http://schemas.microsoft.com/office/powerpoint/2010/main" val="789017742"/>
       </p:ext>
     </p:extLst>
   </p:cSld>
@@ -2433,12 +2618,7 @@
             <p:ph type="sldImg"/>
           </p:nvPr>
         </p:nvSpPr>
-        <p:spPr>
-          <a:xfrm>
-            <a:off x="2362200" y="549275"/>
-            <a:ext cx="4876800" cy="2743200"/>
-          </a:xfrm>
-        </p:spPr>
+        <p:spPr/>
       </p:sp>
       <p:sp>
         <p:nvSpPr>
@@ -2452,12 +2632,10 @@
         </p:nvSpPr>
         <p:spPr/>
         <p:txBody>
-          <a:bodyPr>
-            <a:normAutofit/>
-          </a:bodyPr>
-          <a:lstStyle/>
-          <a:p>
-            <a:endParaRPr lang="en-US"/>
+          <a:bodyPr/>
+          <a:lstStyle/>
+          <a:p>
+            <a:endParaRPr lang="en-US" dirty="0"/>
           </a:p>
         </p:txBody>
       </p:sp>
@@ -2479,7 +2657,7 @@
             <a:fld id="{D37F8DB4-A4FF-4A8B-9A85-9B1874A58FCC}" type="slidenum">
               <a:rPr lang="en-US" smtClean="0"/>
               <a:pPr/>
-              <a:t>10</a:t>
+              <a:t>13</a:t>
             </a:fld>
             <a:endParaRPr lang="en-US"/>
           </a:p>
@@ -2488,7 +2666,7 @@
     </p:spTree>
     <p:extLst>
       <p:ext uri="{BB962C8B-B14F-4D97-AF65-F5344CB8AC3E}">
-        <p14:creationId xmlns:p14="http://schemas.microsoft.com/office/powerpoint/2010/main" val="3895714123"/>
+        <p14:creationId xmlns:p14="http://schemas.microsoft.com/office/powerpoint/2010/main" val="54543232"/>
       </p:ext>
     </p:extLst>
   </p:cSld>
@@ -2571,7 +2749,7 @@
             <a:fld id="{D37F8DB4-A4FF-4A8B-9A85-9B1874A58FCC}" type="slidenum">
               <a:rPr lang="en-US" smtClean="0"/>
               <a:pPr/>
-              <a:t>11</a:t>
+              <a:t>14</a:t>
             </a:fld>
             <a:endParaRPr lang="en-US"/>
           </a:p>
@@ -2580,7 +2758,7 @@
     </p:spTree>
     <p:extLst>
       <p:ext uri="{BB962C8B-B14F-4D97-AF65-F5344CB8AC3E}">
-        <p14:creationId xmlns:p14="http://schemas.microsoft.com/office/powerpoint/2010/main" val="3927251680"/>
+        <p14:creationId xmlns:p14="http://schemas.microsoft.com/office/powerpoint/2010/main" val="3895714123"/>
       </p:ext>
     </p:extLst>
   </p:cSld>
@@ -2663,7 +2841,7 @@
             <a:fld id="{D37F8DB4-A4FF-4A8B-9A85-9B1874A58FCC}" type="slidenum">
               <a:rPr lang="en-US" smtClean="0"/>
               <a:pPr/>
-              <a:t>12</a:t>
+              <a:t>15</a:t>
             </a:fld>
             <a:endParaRPr lang="en-US"/>
           </a:p>
@@ -2672,7 +2850,7 @@
     </p:spTree>
     <p:extLst>
       <p:ext uri="{BB962C8B-B14F-4D97-AF65-F5344CB8AC3E}">
-        <p14:creationId xmlns:p14="http://schemas.microsoft.com/office/powerpoint/2010/main" val="599745872"/>
+        <p14:creationId xmlns:p14="http://schemas.microsoft.com/office/powerpoint/2010/main" val="3927251680"/>
       </p:ext>
     </p:extLst>
   </p:cSld>
@@ -2755,7 +2933,7 @@
             <a:fld id="{D37F8DB4-A4FF-4A8B-9A85-9B1874A58FCC}" type="slidenum">
               <a:rPr lang="en-US" smtClean="0"/>
               <a:pPr/>
-              <a:t>14</a:t>
+              <a:t>16</a:t>
             </a:fld>
             <a:endParaRPr lang="en-US"/>
           </a:p>
@@ -2764,7 +2942,7 @@
     </p:spTree>
     <p:extLst>
       <p:ext uri="{BB962C8B-B14F-4D97-AF65-F5344CB8AC3E}">
-        <p14:creationId xmlns:p14="http://schemas.microsoft.com/office/powerpoint/2010/main" val="3098665416"/>
+        <p14:creationId xmlns:p14="http://schemas.microsoft.com/office/powerpoint/2010/main" val="599745872"/>
       </p:ext>
     </p:extLst>
   </p:cSld>
@@ -2922,7 +3100,7 @@
             <a:fld id="{B61BEF0D-F0BB-DE4B-95CE-6DB70DBA9567}" type="datetimeFigureOut">
               <a:rPr lang="en-US" smtClean="0"/>
               <a:pPr/>
-              <a:t>4/9/18</a:t>
+              <a:t>8/19/18</a:t>
             </a:fld>
             <a:endParaRPr lang="en-US" dirty="0"/>
           </a:p>
@@ -3122,7 +3300,7 @@
             <a:fld id="{B61BEF0D-F0BB-DE4B-95CE-6DB70DBA9567}" type="datetimeFigureOut">
               <a:rPr lang="en-US" smtClean="0"/>
               <a:pPr/>
-              <a:t>4/9/18</a:t>
+              <a:t>8/19/18</a:t>
             </a:fld>
             <a:endParaRPr lang="en-US" dirty="0"/>
           </a:p>
@@ -3337,7 +3515,7 @@
             <a:fld id="{B61BEF0D-F0BB-DE4B-95CE-6DB70DBA9567}" type="datetimeFigureOut">
               <a:rPr lang="en-US" smtClean="0"/>
               <a:pPr/>
-              <a:t>4/9/18</a:t>
+              <a:t>8/19/18</a:t>
             </a:fld>
             <a:endParaRPr lang="en-US" dirty="0"/>
           </a:p>
@@ -3877,7 +4055,7 @@
             <a:fld id="{B61BEF0D-F0BB-DE4B-95CE-6DB70DBA9567}" type="datetimeFigureOut">
               <a:rPr lang="en-US" smtClean="0"/>
               <a:pPr/>
-              <a:t>4/9/18</a:t>
+              <a:t>8/19/18</a:t>
             </a:fld>
             <a:endParaRPr lang="en-US" dirty="0"/>
           </a:p>
@@ -4155,7 +4333,7 @@
             <a:fld id="{B61BEF0D-F0BB-DE4B-95CE-6DB70DBA9567}" type="datetimeFigureOut">
               <a:rPr lang="en-US" smtClean="0"/>
               <a:pPr/>
-              <a:t>4/9/18</a:t>
+              <a:t>8/19/18</a:t>
             </a:fld>
             <a:endParaRPr lang="en-US" dirty="0"/>
           </a:p>
@@ -4427,7 +4605,7 @@
             <a:fld id="{B61BEF0D-F0BB-DE4B-95CE-6DB70DBA9567}" type="datetimeFigureOut">
               <a:rPr lang="en-US" smtClean="0"/>
               <a:pPr/>
-              <a:t>4/9/18</a:t>
+              <a:t>8/19/18</a:t>
             </a:fld>
             <a:endParaRPr lang="en-US" dirty="0"/>
           </a:p>
@@ -4846,7 +5024,7 @@
             <a:fld id="{B61BEF0D-F0BB-DE4B-95CE-6DB70DBA9567}" type="datetimeFigureOut">
               <a:rPr lang="en-US" smtClean="0"/>
               <a:pPr/>
-              <a:t>4/9/18</a:t>
+              <a:t>8/19/18</a:t>
             </a:fld>
             <a:endParaRPr lang="en-US" dirty="0"/>
           </a:p>
@@ -4994,7 +5172,7 @@
             <a:fld id="{B61BEF0D-F0BB-DE4B-95CE-6DB70DBA9567}" type="datetimeFigureOut">
               <a:rPr lang="en-US" smtClean="0"/>
               <a:pPr/>
-              <a:t>4/9/18</a:t>
+              <a:t>8/19/18</a:t>
             </a:fld>
             <a:endParaRPr lang="en-US" dirty="0"/>
           </a:p>
@@ -5114,7 +5292,7 @@
             <a:fld id="{B61BEF0D-F0BB-DE4B-95CE-6DB70DBA9567}" type="datetimeFigureOut">
               <a:rPr lang="en-US" smtClean="0"/>
               <a:pPr/>
-              <a:t>4/9/18</a:t>
+              <a:t>8/19/18</a:t>
             </a:fld>
             <a:endParaRPr lang="en-US" dirty="0"/>
           </a:p>
@@ -5432,7 +5610,7 @@
             <a:fld id="{B61BEF0D-F0BB-DE4B-95CE-6DB70DBA9567}" type="datetimeFigureOut">
               <a:rPr lang="en-US" smtClean="0"/>
               <a:pPr/>
-              <a:t>4/9/18</a:t>
+              <a:t>8/19/18</a:t>
             </a:fld>
             <a:endParaRPr lang="en-US" dirty="0"/>
           </a:p>
@@ -5727,7 +5905,7 @@
             <a:fld id="{B61BEF0D-F0BB-DE4B-95CE-6DB70DBA9567}" type="datetimeFigureOut">
               <a:rPr lang="en-US" smtClean="0"/>
               <a:pPr/>
-              <a:t>4/9/18</a:t>
+              <a:t>8/19/18</a:t>
             </a:fld>
             <a:endParaRPr lang="en-US" dirty="0"/>
           </a:p>
@@ -5975,7 +6153,7 @@
             <a:fld id="{B61BEF0D-F0BB-DE4B-95CE-6DB70DBA9567}" type="datetimeFigureOut">
               <a:rPr lang="en-US" smtClean="0"/>
               <a:pPr/>
-              <a:t>4/9/18</a:t>
+              <a:t>8/19/18</a:t>
             </a:fld>
             <a:endParaRPr lang="en-US" dirty="0"/>
           </a:p>
@@ -6767,7 +6945,7 @@
                 </a:solidFill>
               </a:rPr>
               <a:pPr/>
-              <a:t>2</a:t>
+              <a:t>1</a:t>
             </a:fld>
             <a:endParaRPr lang="en-GB">
               <a:solidFill>
@@ -6791,6 +6969,1351 @@
 </file>
 
 <file path=ppt/slides/slide10.xml><?xml version="1.0" encoding="utf-8"?>
+<p:sld xmlns:a="http://schemas.openxmlformats.org/drawingml/2006/main" xmlns:r="http://schemas.openxmlformats.org/officeDocument/2006/relationships" xmlns:p="http://schemas.openxmlformats.org/presentationml/2006/main">
+  <p:cSld>
+    <p:spTree>
+      <p:nvGrpSpPr>
+        <p:cNvPr id="1" name=""/>
+        <p:cNvGrpSpPr/>
+        <p:nvPr/>
+      </p:nvGrpSpPr>
+      <p:grpSpPr>
+        <a:xfrm>
+          <a:off x="0" y="0"/>
+          <a:ext cx="0" cy="0"/>
+          <a:chOff x="0" y="0"/>
+          <a:chExt cx="0" cy="0"/>
+        </a:xfrm>
+      </p:grpSpPr>
+      <p:sp>
+        <p:nvSpPr>
+          <p:cNvPr id="2" name="Title 1">
+            <a:extLst>
+              <a:ext uri="{FF2B5EF4-FFF2-40B4-BE49-F238E27FC236}">
+                <a16:creationId xmlns:a16="http://schemas.microsoft.com/office/drawing/2014/main" id="{7AB6C7AC-8E14-004D-AF61-6814EA2D8E3A}"/>
+              </a:ext>
+            </a:extLst>
+          </p:cNvPr>
+          <p:cNvSpPr>
+            <a:spLocks noGrp="1"/>
+          </p:cNvSpPr>
+          <p:nvPr>
+            <p:ph type="title"/>
+          </p:nvPr>
+        </p:nvSpPr>
+        <p:spPr/>
+        <p:txBody>
+          <a:bodyPr/>
+          <a:lstStyle/>
+          <a:p>
+            <a:r>
+              <a:rPr lang="en-US" dirty="0"/>
+              <a:t>Putting objects in buckets</a:t>
+            </a:r>
+          </a:p>
+        </p:txBody>
+      </p:sp>
+      <p:sp>
+        <p:nvSpPr>
+          <p:cNvPr id="3" name="Content Placeholder 2">
+            <a:extLst>
+              <a:ext uri="{FF2B5EF4-FFF2-40B4-BE49-F238E27FC236}">
+                <a16:creationId xmlns:a16="http://schemas.microsoft.com/office/drawing/2014/main" id="{70772267-A8C2-D54E-AA3F-DA895ACA59EF}"/>
+              </a:ext>
+            </a:extLst>
+          </p:cNvPr>
+          <p:cNvSpPr>
+            <a:spLocks noGrp="1"/>
+          </p:cNvSpPr>
+          <p:nvPr>
+            <p:ph idx="1"/>
+          </p:nvPr>
+        </p:nvSpPr>
+        <p:spPr/>
+        <p:txBody>
+          <a:bodyPr>
+            <a:normAutofit fontScale="92500" lnSpcReduction="10000"/>
+          </a:bodyPr>
+          <a:lstStyle/>
+          <a:p>
+            <a:r>
+              <a:rPr lang="en-US" dirty="0"/>
+              <a:t>S3 is not hierarchical : objects just go into buckets</a:t>
+            </a:r>
+          </a:p>
+          <a:p>
+            <a:r>
+              <a:rPr lang="en-US" dirty="0"/>
+              <a:t>However, can simulate hierarchy by using an object name constructed with a path</a:t>
+            </a:r>
+          </a:p>
+          <a:p>
+            <a:r>
+              <a:rPr lang="en-US" dirty="0"/>
+              <a:t>To copy a file using </a:t>
+            </a:r>
+            <a:r>
+              <a:rPr lang="en-US" dirty="0" err="1"/>
+              <a:t>aws</a:t>
+            </a:r>
+            <a:r>
+              <a:rPr lang="en-US" dirty="0"/>
+              <a:t> cli:</a:t>
+            </a:r>
+          </a:p>
+          <a:p>
+            <a:pPr marL="457200" lvl="1" indent="0">
+              <a:buNone/>
+            </a:pPr>
+            <a:endParaRPr lang="en-AU" dirty="0"/>
+          </a:p>
+          <a:p>
+            <a:pPr marL="457200" lvl="1" indent="0">
+              <a:buNone/>
+            </a:pPr>
+            <a:endParaRPr lang="en-US" dirty="0"/>
+          </a:p>
+          <a:p>
+            <a:pPr marL="457200" lvl="1" indent="0">
+              <a:buNone/>
+            </a:pPr>
+            <a:endParaRPr lang="en-US" dirty="0"/>
+          </a:p>
+          <a:p>
+            <a:pPr marL="457200" lvl="1" indent="0">
+              <a:buNone/>
+            </a:pPr>
+            <a:endParaRPr lang="en-US" dirty="0"/>
+          </a:p>
+          <a:p>
+            <a:r>
+              <a:rPr lang="en-US" dirty="0"/>
+              <a:t>cits5503-students is the bucket </a:t>
+            </a:r>
+          </a:p>
+          <a:p>
+            <a:r>
+              <a:rPr lang="en-US" dirty="0"/>
+              <a:t>Note: only buckets and objects have properties and permissions – folders are simply part of the object name</a:t>
+            </a:r>
+          </a:p>
+        </p:txBody>
+      </p:sp>
+      <p:sp>
+        <p:nvSpPr>
+          <p:cNvPr id="4" name="Footer Placeholder 3">
+            <a:extLst>
+              <a:ext uri="{FF2B5EF4-FFF2-40B4-BE49-F238E27FC236}">
+                <a16:creationId xmlns:a16="http://schemas.microsoft.com/office/drawing/2014/main" id="{FC43C345-21C2-8C4B-B6ED-608A74B25FF0}"/>
+              </a:ext>
+            </a:extLst>
+          </p:cNvPr>
+          <p:cNvSpPr>
+            <a:spLocks noGrp="1"/>
+          </p:cNvSpPr>
+          <p:nvPr>
+            <p:ph type="ftr" sz="quarter" idx="11"/>
+          </p:nvPr>
+        </p:nvSpPr>
+        <p:spPr/>
+        <p:txBody>
+          <a:bodyPr/>
+          <a:lstStyle/>
+          <a:p>
+            <a:endParaRPr lang="en-GB" dirty="0"/>
+          </a:p>
+        </p:txBody>
+      </p:sp>
+      <p:sp>
+        <p:nvSpPr>
+          <p:cNvPr id="5" name="Slide Number Placeholder 4">
+            <a:extLst>
+              <a:ext uri="{FF2B5EF4-FFF2-40B4-BE49-F238E27FC236}">
+                <a16:creationId xmlns:a16="http://schemas.microsoft.com/office/drawing/2014/main" id="{66D4E78F-BF49-6540-93BC-1B6BC2ECA6A2}"/>
+              </a:ext>
+            </a:extLst>
+          </p:cNvPr>
+          <p:cNvSpPr>
+            <a:spLocks noGrp="1"/>
+          </p:cNvSpPr>
+          <p:nvPr>
+            <p:ph type="sldNum" sz="quarter" idx="12"/>
+          </p:nvPr>
+        </p:nvSpPr>
+        <p:spPr/>
+        <p:txBody>
+          <a:bodyPr/>
+          <a:lstStyle/>
+          <a:p>
+            <a:fld id="{05072F42-4DFA-4725-86F9-7594E4AB4EB5}" type="slidenum">
+              <a:rPr lang="en-GB" smtClean="0"/>
+              <a:pPr/>
+              <a:t>10</a:t>
+            </a:fld>
+            <a:endParaRPr lang="en-GB"/>
+          </a:p>
+        </p:txBody>
+      </p:sp>
+      <p:sp>
+        <p:nvSpPr>
+          <p:cNvPr id="6" name="TextBox 5">
+            <a:extLst>
+              <a:ext uri="{FF2B5EF4-FFF2-40B4-BE49-F238E27FC236}">
+                <a16:creationId xmlns:a16="http://schemas.microsoft.com/office/drawing/2014/main" id="{28EA6BAF-EE20-7948-A89D-1DCB945A0B5F}"/>
+              </a:ext>
+            </a:extLst>
+          </p:cNvPr>
+          <p:cNvSpPr txBox="1"/>
+          <p:nvPr/>
+        </p:nvSpPr>
+        <p:spPr>
+          <a:xfrm>
+            <a:off x="951079" y="3431907"/>
+            <a:ext cx="9869321" cy="1138773"/>
+          </a:xfrm>
+          <a:prstGeom prst="rect">
+            <a:avLst/>
+          </a:prstGeom>
+          <a:solidFill>
+            <a:schemeClr val="bg1">
+              <a:lumMod val="85000"/>
+            </a:schemeClr>
+          </a:solidFill>
+        </p:spPr>
+        <p:txBody>
+          <a:bodyPr wrap="square" rtlCol="0" anchor="ctr">
+            <a:spAutoFit/>
+          </a:bodyPr>
+          <a:lstStyle/>
+          <a:p>
+            <a:pPr algn="l"/>
+            <a:endParaRPr lang="en-AU" dirty="0"/>
+          </a:p>
+          <a:p>
+            <a:pPr algn="l"/>
+            <a:r>
+              <a:rPr lang="en-AU" dirty="0"/>
+              <a:t>&gt; </a:t>
+            </a:r>
+            <a:r>
+              <a:rPr lang="en-AU" dirty="0" err="1"/>
+              <a:t>aws</a:t>
+            </a:r>
+            <a:r>
+              <a:rPr lang="en-AU" dirty="0"/>
+              <a:t> s3 </a:t>
+            </a:r>
+            <a:r>
+              <a:rPr lang="en-AU" dirty="0" err="1"/>
+              <a:t>cp</a:t>
+            </a:r>
+            <a:r>
+              <a:rPr lang="en-AU" dirty="0"/>
+              <a:t> </a:t>
+            </a:r>
+            <a:r>
+              <a:rPr lang="en-AU" dirty="0" err="1"/>
+              <a:t>afile.txt</a:t>
+            </a:r>
+            <a:r>
+              <a:rPr lang="en-AU" dirty="0"/>
+              <a:t> s3://</a:t>
+            </a:r>
+            <a:r>
+              <a:rPr lang="en-AU" dirty="0">
+                <a:solidFill>
+                  <a:schemeClr val="accent1"/>
+                </a:solidFill>
+              </a:rPr>
+              <a:t>cits5503-students</a:t>
+            </a:r>
+            <a:r>
+              <a:rPr lang="en-AU" dirty="0"/>
+              <a:t>/123456/folder1/folder2/</a:t>
+            </a:r>
+            <a:r>
+              <a:rPr lang="en-AU" dirty="0" err="1"/>
+              <a:t>afile.txt</a:t>
+            </a:r>
+            <a:endParaRPr lang="en-AU" dirty="0"/>
+          </a:p>
+          <a:p>
+            <a:pPr algn="l"/>
+            <a:endParaRPr lang="en-US" dirty="0"/>
+          </a:p>
+        </p:txBody>
+      </p:sp>
+    </p:spTree>
+    <p:extLst>
+      <p:ext uri="{BB962C8B-B14F-4D97-AF65-F5344CB8AC3E}">
+        <p14:creationId xmlns:p14="http://schemas.microsoft.com/office/powerpoint/2010/main" val="2890564655"/>
+      </p:ext>
+    </p:extLst>
+  </p:cSld>
+  <p:clrMapOvr>
+    <a:masterClrMapping/>
+  </p:clrMapOvr>
+</p:sld>
+</file>
+
+<file path=ppt/slides/slide11.xml><?xml version="1.0" encoding="utf-8"?>
+<p:sld xmlns:a="http://schemas.openxmlformats.org/drawingml/2006/main" xmlns:r="http://schemas.openxmlformats.org/officeDocument/2006/relationships" xmlns:p="http://schemas.openxmlformats.org/presentationml/2006/main">
+  <p:cSld>
+    <p:bg>
+      <p:bgPr>
+        <a:solidFill>
+          <a:schemeClr val="bg1"/>
+        </a:solidFill>
+        <a:effectLst/>
+      </p:bgPr>
+    </p:bg>
+    <p:spTree>
+      <p:nvGrpSpPr>
+        <p:cNvPr id="1" name=""/>
+        <p:cNvGrpSpPr/>
+        <p:nvPr/>
+      </p:nvGrpSpPr>
+      <p:grpSpPr>
+        <a:xfrm>
+          <a:off x="0" y="0"/>
+          <a:ext cx="0" cy="0"/>
+          <a:chOff x="0" y="0"/>
+          <a:chExt cx="0" cy="0"/>
+        </a:xfrm>
+      </p:grpSpPr>
+      <p:sp>
+        <p:nvSpPr>
+          <p:cNvPr id="10" name="Rectangle 9">
+            <a:extLst>
+              <a:ext uri="{FF2B5EF4-FFF2-40B4-BE49-F238E27FC236}">
+                <a16:creationId xmlns:a16="http://schemas.microsoft.com/office/drawing/2014/main" id="{8D70B121-56F4-4848-B38B-182089D909FA}"/>
+              </a:ext>
+            </a:extLst>
+          </p:cNvPr>
+          <p:cNvSpPr>
+            <a:spLocks noGrp="1" noRot="1" noChangeAspect="1" noMove="1" noResize="1" noEditPoints="1" noAdjustHandles="1" noChangeArrowheads="1" noChangeShapeType="1" noTextEdit="1"/>
+          </p:cNvSpPr>
+          <p:nvPr>
+            <p:extLst>
+              <p:ext uri="{386F3935-93C4-4BCD-93E2-E3B085C9AB24}">
+                <p16:designElem xmlns:p16="http://schemas.microsoft.com/office/powerpoint/2015/main" val="1"/>
+              </p:ext>
+            </p:extLst>
+          </p:nvPr>
+        </p:nvSpPr>
+        <p:spPr bwMode="ltGray">
+          <a:xfrm>
+            <a:off x="321564" y="320040"/>
+            <a:ext cx="11548872" cy="6217920"/>
+          </a:xfrm>
+          <a:prstGeom prst="rect">
+            <a:avLst/>
+          </a:prstGeom>
+          <a:solidFill>
+            <a:schemeClr val="tx1">
+              <a:alpha val="8000"/>
+            </a:schemeClr>
+          </a:solidFill>
+          <a:ln w="127000" cap="sq" cmpd="thinThick">
+            <a:noFill/>
+          </a:ln>
+        </p:spPr>
+        <p:style>
+          <a:lnRef idx="2">
+            <a:schemeClr val="accent1">
+              <a:shade val="50000"/>
+            </a:schemeClr>
+          </a:lnRef>
+          <a:fillRef idx="1">
+            <a:schemeClr val="accent1"/>
+          </a:fillRef>
+          <a:effectRef idx="0">
+            <a:schemeClr val="accent1"/>
+          </a:effectRef>
+          <a:fontRef idx="minor">
+            <a:schemeClr val="lt1"/>
+          </a:fontRef>
+        </p:style>
+        <p:txBody>
+          <a:bodyPr rtlCol="0" anchor="ctr"/>
+          <a:lstStyle/>
+          <a:p>
+            <a:pPr algn="ctr"/>
+            <a:endParaRPr lang="en-US"/>
+          </a:p>
+        </p:txBody>
+      </p:sp>
+      <p:cxnSp>
+        <p:nvCxnSpPr>
+          <p:cNvPr id="12" name="Straight Connector 11">
+            <a:extLst>
+              <a:ext uri="{FF2B5EF4-FFF2-40B4-BE49-F238E27FC236}">
+                <a16:creationId xmlns:a16="http://schemas.microsoft.com/office/drawing/2014/main" id="{2D72A2C9-F3CA-4216-8BAD-FA4C970C3C4E}"/>
+              </a:ext>
+            </a:extLst>
+          </p:cNvPr>
+          <p:cNvCxnSpPr>
+            <a:cxnSpLocks noGrp="1" noRot="1" noChangeAspect="1" noMove="1" noResize="1" noEditPoints="1" noAdjustHandles="1" noChangeArrowheads="1" noChangeShapeType="1"/>
+          </p:cNvCxnSpPr>
+          <p:nvPr>
+            <p:extLst>
+              <p:ext uri="{386F3935-93C4-4BCD-93E2-E3B085C9AB24}">
+                <p16:designElem xmlns:p16="http://schemas.microsoft.com/office/powerpoint/2015/main" val="1"/>
+              </p:ext>
+            </p:extLst>
+          </p:nvPr>
+        </p:nvCxnSpPr>
+        <p:spPr>
+          <a:xfrm>
+            <a:off x="4654296" y="2057400"/>
+            <a:ext cx="0" cy="2743200"/>
+          </a:xfrm>
+          <a:prstGeom prst="line">
+            <a:avLst/>
+          </a:prstGeom>
+          <a:ln w="19050">
+            <a:solidFill>
+              <a:schemeClr val="tx1">
+                <a:lumMod val="85000"/>
+                <a:lumOff val="15000"/>
+              </a:schemeClr>
+            </a:solidFill>
+          </a:ln>
+        </p:spPr>
+        <p:style>
+          <a:lnRef idx="1">
+            <a:schemeClr val="accent1"/>
+          </a:lnRef>
+          <a:fillRef idx="0">
+            <a:schemeClr val="accent1"/>
+          </a:fillRef>
+          <a:effectRef idx="0">
+            <a:schemeClr val="accent1"/>
+          </a:effectRef>
+          <a:fontRef idx="minor">
+            <a:schemeClr val="tx1"/>
+          </a:fontRef>
+        </p:style>
+      </p:cxnSp>
+      <p:sp>
+        <p:nvSpPr>
+          <p:cNvPr id="2" name="Title 1">
+            <a:extLst>
+              <a:ext uri="{FF2B5EF4-FFF2-40B4-BE49-F238E27FC236}">
+                <a16:creationId xmlns:a16="http://schemas.microsoft.com/office/drawing/2014/main" id="{E8D1B5E0-0ACD-2143-A7D0-1356FC64CC1D}"/>
+              </a:ext>
+            </a:extLst>
+          </p:cNvPr>
+          <p:cNvSpPr>
+            <a:spLocks noGrp="1"/>
+          </p:cNvSpPr>
+          <p:nvPr>
+            <p:ph type="title"/>
+          </p:nvPr>
+        </p:nvSpPr>
+        <p:spPr>
+          <a:xfrm>
+            <a:off x="838200" y="963877"/>
+            <a:ext cx="3494362" cy="4930246"/>
+          </a:xfrm>
+        </p:spPr>
+        <p:txBody>
+          <a:bodyPr>
+            <a:normAutofit/>
+          </a:bodyPr>
+          <a:lstStyle/>
+          <a:p>
+            <a:pPr algn="r"/>
+            <a:r>
+              <a:rPr lang="en-US">
+                <a:solidFill>
+                  <a:schemeClr val="accent1"/>
+                </a:solidFill>
+              </a:rPr>
+              <a:t>S3: Permissions and Policy (1)</a:t>
+            </a:r>
+          </a:p>
+        </p:txBody>
+      </p:sp>
+      <p:sp>
+        <p:nvSpPr>
+          <p:cNvPr id="3" name="Content Placeholder 2">
+            <a:extLst>
+              <a:ext uri="{FF2B5EF4-FFF2-40B4-BE49-F238E27FC236}">
+                <a16:creationId xmlns:a16="http://schemas.microsoft.com/office/drawing/2014/main" id="{B87F6636-D93D-8649-BD99-150671496D03}"/>
+              </a:ext>
+            </a:extLst>
+          </p:cNvPr>
+          <p:cNvSpPr>
+            <a:spLocks noGrp="1"/>
+          </p:cNvSpPr>
+          <p:nvPr>
+            <p:ph idx="1"/>
+          </p:nvPr>
+        </p:nvSpPr>
+        <p:spPr>
+          <a:xfrm>
+            <a:off x="4976031" y="963877"/>
+            <a:ext cx="6377769" cy="4930246"/>
+          </a:xfrm>
+        </p:spPr>
+        <p:txBody>
+          <a:bodyPr anchor="ctr">
+            <a:normAutofit/>
+          </a:bodyPr>
+          <a:lstStyle/>
+          <a:p>
+            <a:r>
+              <a:rPr lang="en-US" sz="2400"/>
+              <a:t>Why is this important? S3 buckets left open to public:</a:t>
+            </a:r>
+          </a:p>
+          <a:p>
+            <a:pPr lvl="1"/>
+            <a:r>
+              <a:rPr lang="en-US" dirty="0"/>
+              <a:t>Nov 2017 Contractor exposes personally identifiable data from 50,000 Australians (AMP, UGL, Rabobank)</a:t>
+            </a:r>
+          </a:p>
+          <a:p>
+            <a:pPr lvl="1"/>
+            <a:r>
+              <a:rPr lang="en-US" dirty="0"/>
+              <a:t>Nov 2017 Accenture leaked corporate information</a:t>
+            </a:r>
+          </a:p>
+          <a:p>
+            <a:pPr lvl="1"/>
+            <a:r>
+              <a:rPr lang="en-US" dirty="0"/>
+              <a:t>Alteryx exposes data on 120 million US households</a:t>
+            </a:r>
+          </a:p>
+          <a:p>
+            <a:pPr lvl="1"/>
+            <a:r>
+              <a:rPr lang="en-US" dirty="0"/>
+              <a:t>March 2018 Medical Data of 33,000 patients</a:t>
+            </a:r>
+          </a:p>
+          <a:p>
+            <a:r>
+              <a:rPr lang="en-US" sz="2400"/>
+              <a:t>Interesting to consider if this is a failure of the users or the system</a:t>
+            </a:r>
+          </a:p>
+          <a:p>
+            <a:r>
+              <a:rPr lang="en-US" sz="2400">
+                <a:sym typeface="Wingdings" pitchFamily="2" charset="2"/>
+              </a:rPr>
+              <a:t>Too complex?</a:t>
+            </a:r>
+          </a:p>
+          <a:p>
+            <a:endParaRPr lang="en-US" sz="2400"/>
+          </a:p>
+        </p:txBody>
+      </p:sp>
+      <p:sp>
+        <p:nvSpPr>
+          <p:cNvPr id="5" name="Slide Number Placeholder 4">
+            <a:extLst>
+              <a:ext uri="{FF2B5EF4-FFF2-40B4-BE49-F238E27FC236}">
+                <a16:creationId xmlns:a16="http://schemas.microsoft.com/office/drawing/2014/main" id="{05A07719-087C-CC49-8949-6C8C18688D7A}"/>
+              </a:ext>
+            </a:extLst>
+          </p:cNvPr>
+          <p:cNvSpPr>
+            <a:spLocks noGrp="1"/>
+          </p:cNvSpPr>
+          <p:nvPr>
+            <p:ph type="sldNum" sz="quarter" idx="12"/>
+          </p:nvPr>
+        </p:nvSpPr>
+        <p:spPr>
+          <a:xfrm>
+            <a:off x="10571516" y="6033479"/>
+            <a:ext cx="782283" cy="365125"/>
+          </a:xfrm>
+        </p:spPr>
+        <p:txBody>
+          <a:bodyPr>
+            <a:normAutofit/>
+          </a:bodyPr>
+          <a:lstStyle/>
+          <a:p>
+            <a:fld id="{05072F42-4DFA-4725-86F9-7594E4AB4EB5}" type="slidenum">
+              <a:rPr lang="en-GB" sz="1050">
+                <a:solidFill>
+                  <a:schemeClr val="tx1">
+                    <a:alpha val="80000"/>
+                  </a:schemeClr>
+                </a:solidFill>
+              </a:rPr>
+              <a:pPr/>
+              <a:t>11</a:t>
+            </a:fld>
+            <a:endParaRPr lang="en-GB" sz="1050">
+              <a:solidFill>
+                <a:schemeClr val="tx1">
+                  <a:alpha val="80000"/>
+                </a:schemeClr>
+              </a:solidFill>
+            </a:endParaRPr>
+          </a:p>
+        </p:txBody>
+      </p:sp>
+    </p:spTree>
+    <p:extLst>
+      <p:ext uri="{BB962C8B-B14F-4D97-AF65-F5344CB8AC3E}">
+        <p14:creationId xmlns:p14="http://schemas.microsoft.com/office/powerpoint/2010/main" val="203232584"/>
+      </p:ext>
+    </p:extLst>
+  </p:cSld>
+  <p:clrMapOvr>
+    <a:masterClrMapping/>
+  </p:clrMapOvr>
+</p:sld>
+</file>
+
+<file path=ppt/slides/slide12.xml><?xml version="1.0" encoding="utf-8"?>
+<p:sld xmlns:a="http://schemas.openxmlformats.org/drawingml/2006/main" xmlns:r="http://schemas.openxmlformats.org/officeDocument/2006/relationships" xmlns:p="http://schemas.openxmlformats.org/presentationml/2006/main">
+  <p:cSld>
+    <p:bg>
+      <p:bgPr>
+        <a:solidFill>
+          <a:schemeClr val="bg1"/>
+        </a:solidFill>
+        <a:effectLst/>
+      </p:bgPr>
+    </p:bg>
+    <p:spTree>
+      <p:nvGrpSpPr>
+        <p:cNvPr id="1" name=""/>
+        <p:cNvGrpSpPr/>
+        <p:nvPr/>
+      </p:nvGrpSpPr>
+      <p:grpSpPr>
+        <a:xfrm>
+          <a:off x="0" y="0"/>
+          <a:ext cx="0" cy="0"/>
+          <a:chOff x="0" y="0"/>
+          <a:chExt cx="0" cy="0"/>
+        </a:xfrm>
+      </p:grpSpPr>
+      <p:pic>
+        <p:nvPicPr>
+          <p:cNvPr id="6" name="Picture 5">
+            <a:extLst>
+              <a:ext uri="{FF2B5EF4-FFF2-40B4-BE49-F238E27FC236}">
+                <a16:creationId xmlns:a16="http://schemas.microsoft.com/office/drawing/2014/main" id="{2C20DE96-421A-C34C-A462-FE30C00F4EC0}"/>
+              </a:ext>
+            </a:extLst>
+          </p:cNvPr>
+          <p:cNvPicPr>
+            <a:picLocks noChangeAspect="1"/>
+          </p:cNvPicPr>
+          <p:nvPr/>
+        </p:nvPicPr>
+        <p:blipFill rotWithShape="1">
+          <a:blip r:embed="rId2">
+            <a:extLst>
+              <a:ext uri="{28A0092B-C50C-407E-A947-70E740481C1C}">
+                <a14:useLocalDpi xmlns:a14="http://schemas.microsoft.com/office/drawing/2010/main" val="0"/>
+              </a:ext>
+            </a:extLst>
+          </a:blip>
+          <a:srcRect l="721" r="25972" b="-1"/>
+          <a:stretch/>
+        </p:blipFill>
+        <p:spPr>
+          <a:xfrm>
+            <a:off x="5120640" y="1904281"/>
+            <a:ext cx="6233160" cy="4272681"/>
+          </a:xfrm>
+          <a:prstGeom prst="rect">
+            <a:avLst/>
+          </a:prstGeom>
+        </p:spPr>
+      </p:pic>
+      <p:sp>
+        <p:nvSpPr>
+          <p:cNvPr id="2" name="Title 1">
+            <a:extLst>
+              <a:ext uri="{FF2B5EF4-FFF2-40B4-BE49-F238E27FC236}">
+                <a16:creationId xmlns:a16="http://schemas.microsoft.com/office/drawing/2014/main" id="{E8D1B5E0-0ACD-2143-A7D0-1356FC64CC1D}"/>
+              </a:ext>
+            </a:extLst>
+          </p:cNvPr>
+          <p:cNvSpPr>
+            <a:spLocks noGrp="1"/>
+          </p:cNvSpPr>
+          <p:nvPr>
+            <p:ph type="title"/>
+          </p:nvPr>
+        </p:nvSpPr>
+        <p:spPr>
+          <a:xfrm>
+            <a:off x="838200" y="365125"/>
+            <a:ext cx="10515600" cy="1325563"/>
+          </a:xfrm>
+        </p:spPr>
+        <p:txBody>
+          <a:bodyPr>
+            <a:normAutofit/>
+          </a:bodyPr>
+          <a:lstStyle/>
+          <a:p>
+            <a:r>
+              <a:rPr lang="en-US" dirty="0"/>
+              <a:t>S3: Permissions and Policy (2)</a:t>
+            </a:r>
+          </a:p>
+        </p:txBody>
+      </p:sp>
+      <p:sp>
+        <p:nvSpPr>
+          <p:cNvPr id="3" name="Content Placeholder 2">
+            <a:extLst>
+              <a:ext uri="{FF2B5EF4-FFF2-40B4-BE49-F238E27FC236}">
+                <a16:creationId xmlns:a16="http://schemas.microsoft.com/office/drawing/2014/main" id="{B87F6636-D93D-8649-BD99-150671496D03}"/>
+              </a:ext>
+            </a:extLst>
+          </p:cNvPr>
+          <p:cNvSpPr>
+            <a:spLocks noGrp="1"/>
+          </p:cNvSpPr>
+          <p:nvPr>
+            <p:ph idx="1"/>
+          </p:nvPr>
+        </p:nvSpPr>
+        <p:spPr>
+          <a:xfrm>
+            <a:off x="838200" y="1825625"/>
+            <a:ext cx="3797807" cy="4351338"/>
+          </a:xfrm>
+        </p:spPr>
+        <p:txBody>
+          <a:bodyPr>
+            <a:normAutofit/>
+          </a:bodyPr>
+          <a:lstStyle/>
+          <a:p>
+            <a:r>
+              <a:rPr lang="en-US" sz="1600"/>
+              <a:t>Access to S3 buckets and objects controlled by:</a:t>
+            </a:r>
+          </a:p>
+          <a:p>
+            <a:pPr lvl="1"/>
+            <a:r>
+              <a:rPr lang="en-US" sz="1600">
+                <a:sym typeface="Wingdings" pitchFamily="2" charset="2"/>
+              </a:rPr>
+              <a:t>User policies</a:t>
+            </a:r>
+          </a:p>
+          <a:p>
+            <a:pPr lvl="1"/>
+            <a:r>
+              <a:rPr lang="en-US" sz="1600">
+                <a:sym typeface="Wingdings" pitchFamily="2" charset="2"/>
+              </a:rPr>
+              <a:t>Bucket policy</a:t>
+            </a:r>
+          </a:p>
+          <a:p>
+            <a:pPr lvl="1"/>
+            <a:r>
+              <a:rPr lang="en-US" sz="1600">
+                <a:sym typeface="Wingdings" pitchFamily="2" charset="2"/>
+              </a:rPr>
+              <a:t>Bucket ACL (Access Control List)</a:t>
+            </a:r>
+          </a:p>
+          <a:p>
+            <a:pPr lvl="1"/>
+            <a:r>
+              <a:rPr lang="en-US" sz="1600">
+                <a:sym typeface="Wingdings" pitchFamily="2" charset="2"/>
+              </a:rPr>
+              <a:t>Object ACL</a:t>
+            </a:r>
+          </a:p>
+          <a:p>
+            <a:r>
+              <a:rPr lang="en-US" sz="1600">
+                <a:sym typeface="Wingdings" pitchFamily="2" charset="2"/>
+              </a:rPr>
+              <a:t>ACL</a:t>
+            </a:r>
+          </a:p>
+          <a:p>
+            <a:pPr lvl="1"/>
+            <a:r>
+              <a:rPr lang="en-US" sz="1600">
+                <a:sym typeface="Wingdings" pitchFamily="2" charset="2"/>
+              </a:rPr>
+              <a:t>Buckets and Objects can have ACLs</a:t>
+            </a:r>
+          </a:p>
+          <a:p>
+            <a:pPr lvl="1"/>
+            <a:r>
+              <a:rPr lang="en-US" sz="1600">
+                <a:sym typeface="Wingdings" pitchFamily="2" charset="2"/>
+              </a:rPr>
+              <a:t>ACLs grant Read/Write permissions to specific AWS users</a:t>
+            </a:r>
+          </a:p>
+          <a:p>
+            <a:r>
+              <a:rPr lang="en-US" sz="1600">
+                <a:sym typeface="Wingdings" pitchFamily="2" charset="2"/>
+              </a:rPr>
+              <a:t>Bucket and Object Policies</a:t>
+            </a:r>
+          </a:p>
+          <a:p>
+            <a:pPr lvl="1"/>
+            <a:r>
+              <a:rPr lang="en-US" sz="1600">
+                <a:sym typeface="Wingdings" pitchFamily="2" charset="2"/>
+              </a:rPr>
+              <a:t>Specified in JSON</a:t>
+            </a:r>
+          </a:p>
+          <a:p>
+            <a:pPr lvl="1"/>
+            <a:r>
+              <a:rPr lang="en-US" sz="1600">
+                <a:sym typeface="Wingdings" pitchFamily="2" charset="2"/>
+              </a:rPr>
+              <a:t>Applies to IAM and AWS users and Anonymous (Public) access</a:t>
+            </a:r>
+          </a:p>
+          <a:p>
+            <a:endParaRPr lang="en-US" sz="1600"/>
+          </a:p>
+        </p:txBody>
+      </p:sp>
+      <p:sp>
+        <p:nvSpPr>
+          <p:cNvPr id="5" name="Slide Number Placeholder 4">
+            <a:extLst>
+              <a:ext uri="{FF2B5EF4-FFF2-40B4-BE49-F238E27FC236}">
+                <a16:creationId xmlns:a16="http://schemas.microsoft.com/office/drawing/2014/main" id="{05A07719-087C-CC49-8949-6C8C18688D7A}"/>
+              </a:ext>
+            </a:extLst>
+          </p:cNvPr>
+          <p:cNvSpPr>
+            <a:spLocks noGrp="1"/>
+          </p:cNvSpPr>
+          <p:nvPr>
+            <p:ph type="sldNum" sz="quarter" idx="12"/>
+          </p:nvPr>
+        </p:nvSpPr>
+        <p:spPr>
+          <a:xfrm>
+            <a:off x="8610600" y="6356350"/>
+            <a:ext cx="2743200" cy="365125"/>
+          </a:xfrm>
+        </p:spPr>
+        <p:txBody>
+          <a:bodyPr>
+            <a:normAutofit/>
+          </a:bodyPr>
+          <a:lstStyle/>
+          <a:p>
+            <a:fld id="{05072F42-4DFA-4725-86F9-7594E4AB4EB5}" type="slidenum">
+              <a:rPr lang="en-GB" smtClean="0"/>
+              <a:pPr/>
+              <a:t>12</a:t>
+            </a:fld>
+            <a:endParaRPr lang="en-GB"/>
+          </a:p>
+        </p:txBody>
+      </p:sp>
+    </p:spTree>
+    <p:extLst>
+      <p:ext uri="{BB962C8B-B14F-4D97-AF65-F5344CB8AC3E}">
+        <p14:creationId xmlns:p14="http://schemas.microsoft.com/office/powerpoint/2010/main" val="2484526407"/>
+      </p:ext>
+    </p:extLst>
+  </p:cSld>
+  <p:clrMapOvr>
+    <a:masterClrMapping/>
+  </p:clrMapOvr>
+</p:sld>
+</file>
+
+<file path=ppt/slides/slide13.xml><?xml version="1.0" encoding="utf-8"?>
+<p:sld xmlns:a="http://schemas.openxmlformats.org/drawingml/2006/main" xmlns:r="http://schemas.openxmlformats.org/officeDocument/2006/relationships" xmlns:p="http://schemas.openxmlformats.org/presentationml/2006/main">
+  <p:cSld>
+    <p:bg>
+      <p:bgPr>
+        <a:solidFill>
+          <a:schemeClr val="bg1"/>
+        </a:solidFill>
+        <a:effectLst/>
+      </p:bgPr>
+    </p:bg>
+    <p:spTree>
+      <p:nvGrpSpPr>
+        <p:cNvPr id="1" name=""/>
+        <p:cNvGrpSpPr/>
+        <p:nvPr/>
+      </p:nvGrpSpPr>
+      <p:grpSpPr>
+        <a:xfrm>
+          <a:off x="0" y="0"/>
+          <a:ext cx="0" cy="0"/>
+          <a:chOff x="0" y="0"/>
+          <a:chExt cx="0" cy="0"/>
+        </a:xfrm>
+      </p:grpSpPr>
+      <p:sp>
+        <p:nvSpPr>
+          <p:cNvPr id="11" name="Rectangle: Top Corners Rounded 10">
+            <a:extLst>
+              <a:ext uri="{FF2B5EF4-FFF2-40B4-BE49-F238E27FC236}">
+                <a16:creationId xmlns:a16="http://schemas.microsoft.com/office/drawing/2014/main" id="{3BAF1561-20C4-41FD-A35F-BF2B9E727F3E}"/>
+              </a:ext>
+            </a:extLst>
+          </p:cNvPr>
+          <p:cNvSpPr>
+            <a:spLocks noGrp="1" noRot="1" noChangeAspect="1" noMove="1" noResize="1" noEditPoints="1" noAdjustHandles="1" noChangeArrowheads="1" noChangeShapeType="1" noTextEdit="1"/>
+          </p:cNvSpPr>
+          <p:nvPr>
+            <p:extLst>
+              <p:ext uri="{386F3935-93C4-4BCD-93E2-E3B085C9AB24}">
+                <p16:designElem xmlns:p16="http://schemas.microsoft.com/office/powerpoint/2015/main" val="1"/>
+              </p:ext>
+            </p:extLst>
+          </p:nvPr>
+        </p:nvSpPr>
+        <p:spPr>
+          <a:xfrm rot="5400000" flipH="1">
+            <a:off x="-529466" y="996722"/>
+            <a:ext cx="5923488" cy="4864556"/>
+          </a:xfrm>
+          <a:prstGeom prst="round2SameRect">
+            <a:avLst>
+              <a:gd name="adj1" fmla="val 3762"/>
+              <a:gd name="adj2" fmla="val 0"/>
+            </a:avLst>
+          </a:prstGeom>
+          <a:solidFill>
+            <a:schemeClr val="tx1">
+              <a:lumMod val="75000"/>
+              <a:lumOff val="25000"/>
+            </a:schemeClr>
+          </a:solidFill>
+          <a:ln>
+            <a:noFill/>
+          </a:ln>
+        </p:spPr>
+        <p:style>
+          <a:lnRef idx="2">
+            <a:schemeClr val="accent1">
+              <a:shade val="50000"/>
+            </a:schemeClr>
+          </a:lnRef>
+          <a:fillRef idx="1">
+            <a:schemeClr val="accent1"/>
+          </a:fillRef>
+          <a:effectRef idx="0">
+            <a:schemeClr val="accent1"/>
+          </a:effectRef>
+          <a:fontRef idx="minor">
+            <a:schemeClr val="lt1"/>
+          </a:fontRef>
+        </p:style>
+        <p:txBody>
+          <a:bodyPr rtlCol="0" anchor="ctr"/>
+          <a:lstStyle/>
+          <a:p>
+            <a:pPr marL="0" marR="0" lvl="0" indent="0" algn="ctr" defTabSz="914400" rtl="0" eaLnBrk="1" fontAlgn="auto" latinLnBrk="0" hangingPunct="1">
+              <a:lnSpc>
+                <a:spcPct val="100000"/>
+              </a:lnSpc>
+              <a:spcBef>
+                <a:spcPts val="0"/>
+              </a:spcBef>
+              <a:spcAft>
+                <a:spcPts val="0"/>
+              </a:spcAft>
+              <a:buClrTx/>
+              <a:buSzTx/>
+              <a:buFontTx/>
+              <a:buNone/>
+              <a:tabLst/>
+              <a:defRPr/>
+            </a:pPr>
+            <a:endParaRPr kumimoji="0" lang="en-US" sz="1800" b="0" i="0" u="none" strike="noStrike" kern="1200" cap="none" spc="0" normalizeH="0" baseline="0" noProof="0">
+              <a:ln>
+                <a:noFill/>
+              </a:ln>
+              <a:solidFill>
+                <a:prstClr val="white"/>
+              </a:solidFill>
+              <a:effectLst/>
+              <a:uLnTx/>
+              <a:uFillTx/>
+              <a:latin typeface="Calibri" panose="020F0502020204030204"/>
+              <a:ea typeface="+mn-ea"/>
+              <a:cs typeface="+mn-cs"/>
+            </a:endParaRPr>
+          </a:p>
+        </p:txBody>
+      </p:sp>
+      <p:sp>
+        <p:nvSpPr>
+          <p:cNvPr id="13" name="Rectangle: Top Corners Rounded 12">
+            <a:extLst>
+              <a:ext uri="{FF2B5EF4-FFF2-40B4-BE49-F238E27FC236}">
+                <a16:creationId xmlns:a16="http://schemas.microsoft.com/office/drawing/2014/main" id="{839DC788-B140-4F3E-A91E-CB3E70ED940A}"/>
+              </a:ext>
+            </a:extLst>
+          </p:cNvPr>
+          <p:cNvSpPr>
+            <a:spLocks noGrp="1" noRot="1" noChangeAspect="1" noMove="1" noResize="1" noEditPoints="1" noAdjustHandles="1" noChangeArrowheads="1" noChangeShapeType="1" noTextEdit="1"/>
+          </p:cNvSpPr>
+          <p:nvPr>
+            <p:extLst>
+              <p:ext uri="{386F3935-93C4-4BCD-93E2-E3B085C9AB24}">
+                <p16:designElem xmlns:p16="http://schemas.microsoft.com/office/powerpoint/2015/main" val="1"/>
+              </p:ext>
+            </p:extLst>
+          </p:nvPr>
+        </p:nvSpPr>
+        <p:spPr>
+          <a:xfrm rot="5400000" flipH="1">
+            <a:off x="-457200" y="1050468"/>
+            <a:ext cx="5609397" cy="4757058"/>
+          </a:xfrm>
+          <a:prstGeom prst="round2SameRect">
+            <a:avLst>
+              <a:gd name="adj1" fmla="val 2061"/>
+              <a:gd name="adj2" fmla="val 0"/>
+            </a:avLst>
+          </a:prstGeom>
+          <a:noFill/>
+          <a:ln w="50800">
+            <a:solidFill>
+              <a:schemeClr val="bg1"/>
+            </a:solidFill>
+          </a:ln>
+        </p:spPr>
+        <p:style>
+          <a:lnRef idx="2">
+            <a:schemeClr val="accent1">
+              <a:shade val="50000"/>
+            </a:schemeClr>
+          </a:lnRef>
+          <a:fillRef idx="1">
+            <a:schemeClr val="accent1"/>
+          </a:fillRef>
+          <a:effectRef idx="0">
+            <a:schemeClr val="accent1"/>
+          </a:effectRef>
+          <a:fontRef idx="minor">
+            <a:schemeClr val="lt1"/>
+          </a:fontRef>
+        </p:style>
+        <p:txBody>
+          <a:bodyPr rtlCol="0" anchor="ctr"/>
+          <a:lstStyle/>
+          <a:p>
+            <a:pPr marL="0" marR="0" lvl="0" indent="0" algn="ctr" defTabSz="914400" rtl="0" eaLnBrk="1" fontAlgn="auto" latinLnBrk="0" hangingPunct="1">
+              <a:lnSpc>
+                <a:spcPct val="100000"/>
+              </a:lnSpc>
+              <a:spcBef>
+                <a:spcPts val="0"/>
+              </a:spcBef>
+              <a:spcAft>
+                <a:spcPts val="0"/>
+              </a:spcAft>
+              <a:buClrTx/>
+              <a:buSzTx/>
+              <a:buFontTx/>
+              <a:buNone/>
+              <a:tabLst/>
+              <a:defRPr/>
+            </a:pPr>
+            <a:endParaRPr kumimoji="0" lang="en-US" sz="1800" b="0" i="0" u="none" strike="noStrike" kern="1200" cap="none" spc="0" normalizeH="0" baseline="0" noProof="0">
+              <a:ln>
+                <a:noFill/>
+              </a:ln>
+              <a:solidFill>
+                <a:prstClr val="white"/>
+              </a:solidFill>
+              <a:effectLst/>
+              <a:uLnTx/>
+              <a:uFillTx/>
+              <a:latin typeface="Calibri" panose="020F0502020204030204"/>
+              <a:ea typeface="+mn-ea"/>
+              <a:cs typeface="+mn-cs"/>
+            </a:endParaRPr>
+          </a:p>
+        </p:txBody>
+      </p:sp>
+      <p:cxnSp>
+        <p:nvCxnSpPr>
+          <p:cNvPr id="15" name="Straight Connector 14">
+            <a:extLst>
+              <a:ext uri="{FF2B5EF4-FFF2-40B4-BE49-F238E27FC236}">
+                <a16:creationId xmlns:a16="http://schemas.microsoft.com/office/drawing/2014/main" id="{FC18D930-0EEE-448F-ABF1-2AA3C83DA552}"/>
+              </a:ext>
+            </a:extLst>
+          </p:cNvPr>
+          <p:cNvCxnSpPr>
+            <a:cxnSpLocks noGrp="1" noRot="1" noChangeAspect="1" noMove="1" noResize="1" noEditPoints="1" noAdjustHandles="1" noChangeArrowheads="1" noChangeShapeType="1"/>
+          </p:cNvCxnSpPr>
+          <p:nvPr>
+            <p:extLst>
+              <p:ext uri="{386F3935-93C4-4BCD-93E2-E3B085C9AB24}">
+                <p16:designElem xmlns:p16="http://schemas.microsoft.com/office/powerpoint/2015/main" val="1"/>
+              </p:ext>
+            </p:extLst>
+          </p:nvPr>
+        </p:nvCxnSpPr>
+        <p:spPr>
+          <a:xfrm>
+            <a:off x="524071" y="2705800"/>
+            <a:ext cx="1597456" cy="0"/>
+          </a:xfrm>
+          <a:prstGeom prst="line">
+            <a:avLst/>
+          </a:prstGeom>
+          <a:ln w="50800">
+            <a:solidFill>
+              <a:schemeClr val="bg1">
+                <a:lumMod val="65000"/>
+              </a:schemeClr>
+            </a:solidFill>
+          </a:ln>
+        </p:spPr>
+        <p:style>
+          <a:lnRef idx="1">
+            <a:schemeClr val="accent1"/>
+          </a:lnRef>
+          <a:fillRef idx="0">
+            <a:schemeClr val="accent1"/>
+          </a:fillRef>
+          <a:effectRef idx="0">
+            <a:schemeClr val="accent1"/>
+          </a:effectRef>
+          <a:fontRef idx="minor">
+            <a:schemeClr val="tx1"/>
+          </a:fontRef>
+        </p:style>
+      </p:cxnSp>
+      <p:pic>
+        <p:nvPicPr>
+          <p:cNvPr id="6" name="Picture 5">
+            <a:extLst>
+              <a:ext uri="{FF2B5EF4-FFF2-40B4-BE49-F238E27FC236}">
+                <a16:creationId xmlns:a16="http://schemas.microsoft.com/office/drawing/2014/main" id="{C9FD9BA3-D505-1744-8917-C64E13473317}"/>
+              </a:ext>
+            </a:extLst>
+          </p:cNvPr>
+          <p:cNvPicPr>
+            <a:picLocks noChangeAspect="1"/>
+          </p:cNvPicPr>
+          <p:nvPr/>
+        </p:nvPicPr>
+        <p:blipFill>
+          <a:blip r:embed="rId3">
+            <a:extLst>
+              <a:ext uri="{28A0092B-C50C-407E-A947-70E740481C1C}">
+                <a14:useLocalDpi xmlns:a14="http://schemas.microsoft.com/office/drawing/2010/main" val="0"/>
+              </a:ext>
+            </a:extLst>
+          </a:blip>
+          <a:stretch>
+            <a:fillRect/>
+          </a:stretch>
+        </p:blipFill>
+        <p:spPr>
+          <a:xfrm>
+            <a:off x="5313864" y="467256"/>
+            <a:ext cx="6321922" cy="5766440"/>
+          </a:xfrm>
+          <a:prstGeom prst="rect">
+            <a:avLst/>
+          </a:prstGeom>
+        </p:spPr>
+      </p:pic>
+      <p:sp>
+        <p:nvSpPr>
+          <p:cNvPr id="2" name="Title 1">
+            <a:extLst>
+              <a:ext uri="{FF2B5EF4-FFF2-40B4-BE49-F238E27FC236}">
+                <a16:creationId xmlns:a16="http://schemas.microsoft.com/office/drawing/2014/main" id="{E8D1B5E0-0ACD-2143-A7D0-1356FC64CC1D}"/>
+              </a:ext>
+            </a:extLst>
+          </p:cNvPr>
+          <p:cNvSpPr>
+            <a:spLocks noGrp="1"/>
+          </p:cNvSpPr>
+          <p:nvPr>
+            <p:ph type="title"/>
+          </p:nvPr>
+        </p:nvSpPr>
+        <p:spPr>
+          <a:xfrm>
+            <a:off x="321733" y="981091"/>
+            <a:ext cx="4092951" cy="1624457"/>
+          </a:xfrm>
+        </p:spPr>
+        <p:txBody>
+          <a:bodyPr>
+            <a:normAutofit/>
+          </a:bodyPr>
+          <a:lstStyle/>
+          <a:p>
+            <a:r>
+              <a:rPr lang="en-US" sz="3600">
+                <a:solidFill>
+                  <a:schemeClr val="bg1"/>
+                </a:solidFill>
+              </a:rPr>
+              <a:t>S3: Permissions and Policy (3)</a:t>
+            </a:r>
+          </a:p>
+        </p:txBody>
+      </p:sp>
+      <p:sp>
+        <p:nvSpPr>
+          <p:cNvPr id="3" name="Content Placeholder 2">
+            <a:extLst>
+              <a:ext uri="{FF2B5EF4-FFF2-40B4-BE49-F238E27FC236}">
+                <a16:creationId xmlns:a16="http://schemas.microsoft.com/office/drawing/2014/main" id="{B87F6636-D93D-8649-BD99-150671496D03}"/>
+              </a:ext>
+            </a:extLst>
+          </p:cNvPr>
+          <p:cNvSpPr>
+            <a:spLocks noGrp="1"/>
+          </p:cNvSpPr>
+          <p:nvPr>
+            <p:ph idx="1"/>
+          </p:nvPr>
+        </p:nvSpPr>
+        <p:spPr>
+          <a:xfrm>
+            <a:off x="321733" y="2834809"/>
+            <a:ext cx="4092951" cy="3042099"/>
+          </a:xfrm>
+        </p:spPr>
+        <p:txBody>
+          <a:bodyPr anchor="t">
+            <a:normAutofit/>
+          </a:bodyPr>
+          <a:lstStyle/>
+          <a:p>
+            <a:r>
+              <a:rPr lang="en-US" sz="2000">
+                <a:solidFill>
+                  <a:schemeClr val="bg1"/>
+                </a:solidFill>
+              </a:rPr>
+              <a:t>User Policy attached to IAM user, group or role</a:t>
+            </a:r>
+          </a:p>
+          <a:p>
+            <a:r>
+              <a:rPr lang="en-US" sz="2000">
+                <a:solidFill>
+                  <a:schemeClr val="bg1"/>
+                </a:solidFill>
+                <a:sym typeface="Wingdings" pitchFamily="2" charset="2"/>
+              </a:rPr>
+              <a:t>Gives access of a particular kind to a particular resource</a:t>
+            </a:r>
+          </a:p>
+          <a:p>
+            <a:endParaRPr lang="en-US" sz="2000">
+              <a:solidFill>
+                <a:schemeClr val="bg1"/>
+              </a:solidFill>
+              <a:sym typeface="Wingdings" pitchFamily="2" charset="2"/>
+            </a:endParaRPr>
+          </a:p>
+          <a:p>
+            <a:endParaRPr lang="en-US" sz="2000">
+              <a:solidFill>
+                <a:schemeClr val="bg1"/>
+              </a:solidFill>
+            </a:endParaRPr>
+          </a:p>
+        </p:txBody>
+      </p:sp>
+      <p:sp>
+        <p:nvSpPr>
+          <p:cNvPr id="5" name="Slide Number Placeholder 4">
+            <a:extLst>
+              <a:ext uri="{FF2B5EF4-FFF2-40B4-BE49-F238E27FC236}">
+                <a16:creationId xmlns:a16="http://schemas.microsoft.com/office/drawing/2014/main" id="{05A07719-087C-CC49-8949-6C8C18688D7A}"/>
+              </a:ext>
+            </a:extLst>
+          </p:cNvPr>
+          <p:cNvSpPr>
+            <a:spLocks noGrp="1"/>
+          </p:cNvSpPr>
+          <p:nvPr>
+            <p:ph type="sldNum" sz="quarter" idx="12"/>
+          </p:nvPr>
+        </p:nvSpPr>
+        <p:spPr>
+          <a:xfrm>
+            <a:off x="8610600" y="6356350"/>
+            <a:ext cx="2743200" cy="365125"/>
+          </a:xfrm>
+        </p:spPr>
+        <p:txBody>
+          <a:bodyPr>
+            <a:normAutofit/>
+          </a:bodyPr>
+          <a:lstStyle/>
+          <a:p>
+            <a:fld id="{05072F42-4DFA-4725-86F9-7594E4AB4EB5}" type="slidenum">
+              <a:rPr lang="en-GB">
+                <a:solidFill>
+                  <a:prstClr val="black">
+                    <a:tint val="75000"/>
+                  </a:prstClr>
+                </a:solidFill>
+              </a:rPr>
+              <a:pPr/>
+              <a:t>13</a:t>
+            </a:fld>
+            <a:endParaRPr lang="en-GB">
+              <a:solidFill>
+                <a:prstClr val="black">
+                  <a:tint val="75000"/>
+                </a:prstClr>
+              </a:solidFill>
+            </a:endParaRPr>
+          </a:p>
+        </p:txBody>
+      </p:sp>
+    </p:spTree>
+    <p:extLst>
+      <p:ext uri="{BB962C8B-B14F-4D97-AF65-F5344CB8AC3E}">
+        <p14:creationId xmlns:p14="http://schemas.microsoft.com/office/powerpoint/2010/main" val="3350841482"/>
+      </p:ext>
+    </p:extLst>
+  </p:cSld>
+  <p:clrMapOvr>
+    <a:masterClrMapping/>
+  </p:clrMapOvr>
+</p:sld>
+</file>
+
+<file path=ppt/slides/slide14.xml><?xml version="1.0" encoding="utf-8"?>
 <p:sld xmlns:a="http://schemas.openxmlformats.org/drawingml/2006/main" xmlns:r="http://schemas.openxmlformats.org/officeDocument/2006/relationships" xmlns:p="http://schemas.openxmlformats.org/presentationml/2006/main">
   <p:cSld>
     <p:bg>
@@ -6999,7 +8522,7 @@
 </p:sld>
 </file>
 
-<file path=ppt/slides/slide11.xml><?xml version="1.0" encoding="utf-8"?>
+<file path=ppt/slides/slide15.xml><?xml version="1.0" encoding="utf-8"?>
 <p:sld xmlns:a="http://schemas.openxmlformats.org/drawingml/2006/main" xmlns:r="http://schemas.openxmlformats.org/officeDocument/2006/relationships" xmlns:p="http://schemas.openxmlformats.org/presentationml/2006/main">
   <p:cSld>
     <p:bg>
@@ -7283,7 +8806,7 @@
 </p:sld>
 </file>
 
-<file path=ppt/slides/slide12.xml><?xml version="1.0" encoding="utf-8"?>
+<file path=ppt/slides/slide16.xml><?xml version="1.0" encoding="utf-8"?>
 <p:sld xmlns:a="http://schemas.openxmlformats.org/drawingml/2006/main" xmlns:r="http://schemas.openxmlformats.org/officeDocument/2006/relationships" xmlns:p="http://schemas.openxmlformats.org/presentationml/2006/main">
   <p:cSld>
     <p:spTree>
@@ -7389,13 +8912,8 @@
             </a:pPr>
             <a:r>
               <a:rPr lang="en-AU" dirty="0"/>
-              <a:t>Can enable logging </a:t>
-            </a:r>
-            <a:r>
-              <a:rPr lang="en-AU"/>
-              <a:t>of access</a:t>
-            </a:r>
-            <a:endParaRPr lang="en-AU" dirty="0"/>
+              <a:t>Can enable logging of access</a:t>
+            </a:r>
           </a:p>
         </p:txBody>
       </p:sp>
@@ -7412,7 +8930,1163 @@
 </p:sld>
 </file>
 
-<file path=ppt/slides/slide13.xml><?xml version="1.0" encoding="utf-8"?>
+<file path=ppt/slides/slide17.xml><?xml version="1.0" encoding="utf-8"?>
+<p:sld xmlns:a="http://schemas.openxmlformats.org/drawingml/2006/main" xmlns:r="http://schemas.openxmlformats.org/officeDocument/2006/relationships" xmlns:p="http://schemas.openxmlformats.org/presentationml/2006/main">
+  <p:cSld>
+    <p:spTree>
+      <p:nvGrpSpPr>
+        <p:cNvPr id="1" name=""/>
+        <p:cNvGrpSpPr/>
+        <p:nvPr/>
+      </p:nvGrpSpPr>
+      <p:grpSpPr>
+        <a:xfrm>
+          <a:off x="0" y="0"/>
+          <a:ext cx="0" cy="0"/>
+          <a:chOff x="0" y="0"/>
+          <a:chExt cx="0" cy="0"/>
+        </a:xfrm>
+      </p:grpSpPr>
+      <p:sp>
+        <p:nvSpPr>
+          <p:cNvPr id="2" name="Title 1">
+            <a:extLst>
+              <a:ext uri="{FF2B5EF4-FFF2-40B4-BE49-F238E27FC236}">
+                <a16:creationId xmlns:a16="http://schemas.microsoft.com/office/drawing/2014/main" id="{21491355-786A-E047-95E2-DF4706301500}"/>
+              </a:ext>
+            </a:extLst>
+          </p:cNvPr>
+          <p:cNvSpPr>
+            <a:spLocks noGrp="1"/>
+          </p:cNvSpPr>
+          <p:nvPr>
+            <p:ph type="title"/>
+          </p:nvPr>
+        </p:nvSpPr>
+        <p:spPr/>
+        <p:txBody>
+          <a:bodyPr/>
+          <a:lstStyle/>
+          <a:p>
+            <a:r>
+              <a:rPr lang="en-US" dirty="0"/>
+              <a:t>AWS Athena</a:t>
+            </a:r>
+          </a:p>
+        </p:txBody>
+      </p:sp>
+      <p:sp>
+        <p:nvSpPr>
+          <p:cNvPr id="3" name="Content Placeholder 2">
+            <a:extLst>
+              <a:ext uri="{FF2B5EF4-FFF2-40B4-BE49-F238E27FC236}">
+                <a16:creationId xmlns:a16="http://schemas.microsoft.com/office/drawing/2014/main" id="{5181C219-6EE3-9841-A51C-3678DC552C43}"/>
+              </a:ext>
+            </a:extLst>
+          </p:cNvPr>
+          <p:cNvSpPr>
+            <a:spLocks noGrp="1"/>
+          </p:cNvSpPr>
+          <p:nvPr>
+            <p:ph idx="1"/>
+          </p:nvPr>
+        </p:nvSpPr>
+        <p:spPr/>
+        <p:txBody>
+          <a:bodyPr/>
+          <a:lstStyle/>
+          <a:p>
+            <a:r>
+              <a:rPr lang="en-US" dirty="0"/>
+              <a:t>Service that allows you to write SQL queries for S3 data</a:t>
+            </a:r>
+          </a:p>
+          <a:p>
+            <a:r>
+              <a:rPr lang="en-US" dirty="0"/>
+              <a:t>Uses </a:t>
+            </a:r>
+          </a:p>
+          <a:p>
+            <a:pPr lvl="1"/>
+            <a:r>
+              <a:rPr lang="en-US" dirty="0"/>
+              <a:t>Presto – a distributed SQL engine to run queries</a:t>
+            </a:r>
+          </a:p>
+          <a:p>
+            <a:pPr lvl="1"/>
+            <a:r>
+              <a:rPr lang="en-US" dirty="0"/>
+              <a:t>Apache Hive to create, drop and alter tables and partitions</a:t>
+            </a:r>
+          </a:p>
+          <a:p>
+            <a:r>
+              <a:rPr lang="en-US" dirty="0"/>
+              <a:t>Very good for reviewing logs of other applications</a:t>
+            </a:r>
+          </a:p>
+        </p:txBody>
+      </p:sp>
+      <p:sp>
+        <p:nvSpPr>
+          <p:cNvPr id="4" name="Footer Placeholder 3">
+            <a:extLst>
+              <a:ext uri="{FF2B5EF4-FFF2-40B4-BE49-F238E27FC236}">
+                <a16:creationId xmlns:a16="http://schemas.microsoft.com/office/drawing/2014/main" id="{45BD106C-BB86-E443-AC6D-D47EB289AF68}"/>
+              </a:ext>
+            </a:extLst>
+          </p:cNvPr>
+          <p:cNvSpPr>
+            <a:spLocks noGrp="1"/>
+          </p:cNvSpPr>
+          <p:nvPr>
+            <p:ph type="ftr" sz="quarter" idx="11"/>
+          </p:nvPr>
+        </p:nvSpPr>
+        <p:spPr/>
+        <p:txBody>
+          <a:bodyPr/>
+          <a:lstStyle/>
+          <a:p>
+            <a:endParaRPr lang="en-GB" dirty="0"/>
+          </a:p>
+        </p:txBody>
+      </p:sp>
+      <p:sp>
+        <p:nvSpPr>
+          <p:cNvPr id="5" name="Slide Number Placeholder 4">
+            <a:extLst>
+              <a:ext uri="{FF2B5EF4-FFF2-40B4-BE49-F238E27FC236}">
+                <a16:creationId xmlns:a16="http://schemas.microsoft.com/office/drawing/2014/main" id="{AA9991CB-7802-7541-BBFA-E2532CE1938F}"/>
+              </a:ext>
+            </a:extLst>
+          </p:cNvPr>
+          <p:cNvSpPr>
+            <a:spLocks noGrp="1"/>
+          </p:cNvSpPr>
+          <p:nvPr>
+            <p:ph type="sldNum" sz="quarter" idx="12"/>
+          </p:nvPr>
+        </p:nvSpPr>
+        <p:spPr/>
+        <p:txBody>
+          <a:bodyPr/>
+          <a:lstStyle/>
+          <a:p>
+            <a:fld id="{05072F42-4DFA-4725-86F9-7594E4AB4EB5}" type="slidenum">
+              <a:rPr lang="en-GB" smtClean="0"/>
+              <a:pPr/>
+              <a:t>17</a:t>
+            </a:fld>
+            <a:endParaRPr lang="en-GB"/>
+          </a:p>
+        </p:txBody>
+      </p:sp>
+    </p:spTree>
+    <p:extLst>
+      <p:ext uri="{BB962C8B-B14F-4D97-AF65-F5344CB8AC3E}">
+        <p14:creationId xmlns:p14="http://schemas.microsoft.com/office/powerpoint/2010/main" val="783105365"/>
+      </p:ext>
+    </p:extLst>
+  </p:cSld>
+  <p:clrMapOvr>
+    <a:masterClrMapping/>
+  </p:clrMapOvr>
+</p:sld>
+</file>
+
+<file path=ppt/slides/slide18.xml><?xml version="1.0" encoding="utf-8"?>
+<p:sld xmlns:a="http://schemas.openxmlformats.org/drawingml/2006/main" xmlns:r="http://schemas.openxmlformats.org/officeDocument/2006/relationships" xmlns:p="http://schemas.openxmlformats.org/presentationml/2006/main">
+  <p:cSld>
+    <p:spTree>
+      <p:nvGrpSpPr>
+        <p:cNvPr id="1" name=""/>
+        <p:cNvGrpSpPr/>
+        <p:nvPr/>
+      </p:nvGrpSpPr>
+      <p:grpSpPr>
+        <a:xfrm>
+          <a:off x="0" y="0"/>
+          <a:ext cx="0" cy="0"/>
+          <a:chOff x="0" y="0"/>
+          <a:chExt cx="0" cy="0"/>
+        </a:xfrm>
+      </p:grpSpPr>
+      <p:sp>
+        <p:nvSpPr>
+          <p:cNvPr id="2" name="Title 1">
+            <a:extLst>
+              <a:ext uri="{FF2B5EF4-FFF2-40B4-BE49-F238E27FC236}">
+                <a16:creationId xmlns:a16="http://schemas.microsoft.com/office/drawing/2014/main" id="{21491355-786A-E047-95E2-DF4706301500}"/>
+              </a:ext>
+            </a:extLst>
+          </p:cNvPr>
+          <p:cNvSpPr>
+            <a:spLocks noGrp="1"/>
+          </p:cNvSpPr>
+          <p:nvPr>
+            <p:ph type="title"/>
+          </p:nvPr>
+        </p:nvSpPr>
+        <p:spPr/>
+        <p:txBody>
+          <a:bodyPr/>
+          <a:lstStyle/>
+          <a:p>
+            <a:r>
+              <a:rPr lang="en-US" dirty="0"/>
+              <a:t>AWS Athena: CloudTrail</a:t>
+            </a:r>
+          </a:p>
+        </p:txBody>
+      </p:sp>
+      <p:sp>
+        <p:nvSpPr>
+          <p:cNvPr id="3" name="Content Placeholder 2">
+            <a:extLst>
+              <a:ext uri="{FF2B5EF4-FFF2-40B4-BE49-F238E27FC236}">
+                <a16:creationId xmlns:a16="http://schemas.microsoft.com/office/drawing/2014/main" id="{5181C219-6EE3-9841-A51C-3678DC552C43}"/>
+              </a:ext>
+            </a:extLst>
+          </p:cNvPr>
+          <p:cNvSpPr>
+            <a:spLocks noGrp="1"/>
+          </p:cNvSpPr>
+          <p:nvPr>
+            <p:ph idx="1"/>
+          </p:nvPr>
+        </p:nvSpPr>
+        <p:spPr/>
+        <p:txBody>
+          <a:bodyPr/>
+          <a:lstStyle/>
+          <a:p>
+            <a:r>
+              <a:rPr lang="en-US" dirty="0"/>
+              <a:t>CloudTrail logs all API calls on AWS and shows details of user, what they called, where they called from etc.</a:t>
+            </a:r>
+          </a:p>
+          <a:p>
+            <a:r>
+              <a:rPr lang="en-US" dirty="0"/>
+              <a:t>1</a:t>
+            </a:r>
+            <a:r>
+              <a:rPr lang="en-US" baseline="30000" dirty="0"/>
+              <a:t>st</a:t>
+            </a:r>
+            <a:r>
+              <a:rPr lang="en-US" dirty="0"/>
+              <a:t> Step is to create a Trail in CloudTrail – saves log files in a particular location in S3</a:t>
+            </a:r>
+          </a:p>
+          <a:p>
+            <a:r>
+              <a:rPr lang="en-US" dirty="0"/>
+              <a:t>2</a:t>
+            </a:r>
+            <a:r>
+              <a:rPr lang="en-US" baseline="30000" dirty="0"/>
+              <a:t>nd</a:t>
+            </a:r>
+            <a:r>
+              <a:rPr lang="en-US" dirty="0"/>
+              <a:t> Step is to create a table that is the data structure of the log</a:t>
+            </a:r>
+          </a:p>
+        </p:txBody>
+      </p:sp>
+      <p:sp>
+        <p:nvSpPr>
+          <p:cNvPr id="4" name="Footer Placeholder 3">
+            <a:extLst>
+              <a:ext uri="{FF2B5EF4-FFF2-40B4-BE49-F238E27FC236}">
+                <a16:creationId xmlns:a16="http://schemas.microsoft.com/office/drawing/2014/main" id="{45BD106C-BB86-E443-AC6D-D47EB289AF68}"/>
+              </a:ext>
+            </a:extLst>
+          </p:cNvPr>
+          <p:cNvSpPr>
+            <a:spLocks noGrp="1"/>
+          </p:cNvSpPr>
+          <p:nvPr>
+            <p:ph type="ftr" sz="quarter" idx="11"/>
+          </p:nvPr>
+        </p:nvSpPr>
+        <p:spPr/>
+        <p:txBody>
+          <a:bodyPr/>
+          <a:lstStyle/>
+          <a:p>
+            <a:endParaRPr lang="en-GB" dirty="0"/>
+          </a:p>
+        </p:txBody>
+      </p:sp>
+      <p:sp>
+        <p:nvSpPr>
+          <p:cNvPr id="5" name="Slide Number Placeholder 4">
+            <a:extLst>
+              <a:ext uri="{FF2B5EF4-FFF2-40B4-BE49-F238E27FC236}">
+                <a16:creationId xmlns:a16="http://schemas.microsoft.com/office/drawing/2014/main" id="{AA9991CB-7802-7541-BBFA-E2532CE1938F}"/>
+              </a:ext>
+            </a:extLst>
+          </p:cNvPr>
+          <p:cNvSpPr>
+            <a:spLocks noGrp="1"/>
+          </p:cNvSpPr>
+          <p:nvPr>
+            <p:ph type="sldNum" sz="quarter" idx="12"/>
+          </p:nvPr>
+        </p:nvSpPr>
+        <p:spPr/>
+        <p:txBody>
+          <a:bodyPr/>
+          <a:lstStyle/>
+          <a:p>
+            <a:fld id="{05072F42-4DFA-4725-86F9-7594E4AB4EB5}" type="slidenum">
+              <a:rPr lang="en-GB" smtClean="0"/>
+              <a:pPr/>
+              <a:t>18</a:t>
+            </a:fld>
+            <a:endParaRPr lang="en-GB"/>
+          </a:p>
+        </p:txBody>
+      </p:sp>
+    </p:spTree>
+    <p:extLst>
+      <p:ext uri="{BB962C8B-B14F-4D97-AF65-F5344CB8AC3E}">
+        <p14:creationId xmlns:p14="http://schemas.microsoft.com/office/powerpoint/2010/main" val="2976635267"/>
+      </p:ext>
+    </p:extLst>
+  </p:cSld>
+  <p:clrMapOvr>
+    <a:masterClrMapping/>
+  </p:clrMapOvr>
+</p:sld>
+</file>
+
+<file path=ppt/slides/slide19.xml><?xml version="1.0" encoding="utf-8"?>
+<p:sld xmlns:a="http://schemas.openxmlformats.org/drawingml/2006/main" xmlns:r="http://schemas.openxmlformats.org/officeDocument/2006/relationships" xmlns:p="http://schemas.openxmlformats.org/presentationml/2006/main">
+  <p:cSld>
+    <p:spTree>
+      <p:nvGrpSpPr>
+        <p:cNvPr id="1" name=""/>
+        <p:cNvGrpSpPr/>
+        <p:nvPr/>
+      </p:nvGrpSpPr>
+      <p:grpSpPr>
+        <a:xfrm>
+          <a:off x="0" y="0"/>
+          <a:ext cx="0" cy="0"/>
+          <a:chOff x="0" y="0"/>
+          <a:chExt cx="0" cy="0"/>
+        </a:xfrm>
+      </p:grpSpPr>
+      <p:sp>
+        <p:nvSpPr>
+          <p:cNvPr id="3" name="Content Placeholder 2">
+            <a:extLst>
+              <a:ext uri="{FF2B5EF4-FFF2-40B4-BE49-F238E27FC236}">
+                <a16:creationId xmlns:a16="http://schemas.microsoft.com/office/drawing/2014/main" id="{5181C219-6EE3-9841-A51C-3678DC552C43}"/>
+              </a:ext>
+            </a:extLst>
+          </p:cNvPr>
+          <p:cNvSpPr>
+            <a:spLocks noGrp="1"/>
+          </p:cNvSpPr>
+          <p:nvPr>
+            <p:ph idx="1"/>
+          </p:nvPr>
+        </p:nvSpPr>
+        <p:spPr>
+          <a:xfrm>
+            <a:off x="838200" y="616267"/>
+            <a:ext cx="10515600" cy="5740083"/>
+          </a:xfrm>
+        </p:spPr>
+        <p:txBody>
+          <a:bodyPr>
+            <a:normAutofit fontScale="85000" lnSpcReduction="20000"/>
+          </a:bodyPr>
+          <a:lstStyle/>
+          <a:p>
+            <a:pPr marL="0" indent="0">
+              <a:buNone/>
+            </a:pPr>
+            <a:r>
+              <a:rPr lang="en-US" dirty="0"/>
+              <a:t>CREATE EXTERNAL TABLE </a:t>
+            </a:r>
+            <a:r>
+              <a:rPr lang="en-US" dirty="0" err="1"/>
+              <a:t>cloudtrail_logs</a:t>
+            </a:r>
+            <a:r>
+              <a:rPr lang="en-US" dirty="0"/>
+              <a:t> (</a:t>
+            </a:r>
+          </a:p>
+          <a:p>
+            <a:pPr marL="0" indent="0">
+              <a:buNone/>
+            </a:pPr>
+            <a:r>
+              <a:rPr lang="en-US" dirty="0"/>
+              <a:t>         </a:t>
+            </a:r>
+            <a:r>
+              <a:rPr lang="en-US" dirty="0" err="1"/>
+              <a:t>eventversion</a:t>
+            </a:r>
+            <a:r>
+              <a:rPr lang="en-US" dirty="0"/>
+              <a:t> STRING,</a:t>
+            </a:r>
+          </a:p>
+          <a:p>
+            <a:pPr marL="0" indent="0">
+              <a:buNone/>
+            </a:pPr>
+            <a:r>
+              <a:rPr lang="en-US" dirty="0"/>
+              <a:t>         </a:t>
+            </a:r>
+            <a:r>
+              <a:rPr lang="en-US" dirty="0" err="1"/>
+              <a:t>useridentity</a:t>
+            </a:r>
+            <a:r>
+              <a:rPr lang="en-US" dirty="0"/>
+              <a:t> STRUCT&lt; </a:t>
+            </a:r>
+            <a:r>
+              <a:rPr lang="en-US" dirty="0" err="1"/>
+              <a:t>type:STRING</a:t>
+            </a:r>
+            <a:r>
+              <a:rPr lang="en-US" dirty="0"/>
+              <a:t>,</a:t>
+            </a:r>
+          </a:p>
+          <a:p>
+            <a:pPr marL="0" indent="0">
+              <a:buNone/>
+            </a:pPr>
+            <a:r>
+              <a:rPr lang="en-US" dirty="0"/>
+              <a:t>         </a:t>
+            </a:r>
+            <a:r>
+              <a:rPr lang="en-US" dirty="0" err="1"/>
+              <a:t>principalid:STRING</a:t>
+            </a:r>
+            <a:r>
+              <a:rPr lang="en-US" dirty="0"/>
+              <a:t>,</a:t>
+            </a:r>
+          </a:p>
+          <a:p>
+            <a:pPr marL="0" indent="0">
+              <a:buNone/>
+            </a:pPr>
+            <a:r>
+              <a:rPr lang="en-US" dirty="0"/>
+              <a:t>         </a:t>
+            </a:r>
+            <a:r>
+              <a:rPr lang="en-US" dirty="0" err="1"/>
+              <a:t>arn:STRING</a:t>
+            </a:r>
+            <a:r>
+              <a:rPr lang="en-US" dirty="0"/>
+              <a:t>,</a:t>
+            </a:r>
+          </a:p>
+          <a:p>
+            <a:pPr marL="0" indent="0">
+              <a:buNone/>
+            </a:pPr>
+            <a:r>
+              <a:rPr lang="en-US" dirty="0"/>
+              <a:t>         </a:t>
+            </a:r>
+            <a:r>
+              <a:rPr lang="en-US" dirty="0" err="1"/>
+              <a:t>accountid:STRING</a:t>
+            </a:r>
+            <a:r>
+              <a:rPr lang="en-US" dirty="0"/>
+              <a:t>,</a:t>
+            </a:r>
+          </a:p>
+          <a:p>
+            <a:pPr marL="0" indent="0">
+              <a:buNone/>
+            </a:pPr>
+            <a:r>
+              <a:rPr lang="en-US" dirty="0"/>
+              <a:t>         </a:t>
+            </a:r>
+            <a:r>
+              <a:rPr lang="en-US" dirty="0" err="1"/>
+              <a:t>invokedby:STRING</a:t>
+            </a:r>
+            <a:r>
+              <a:rPr lang="en-US" dirty="0"/>
+              <a:t>,</a:t>
+            </a:r>
+          </a:p>
+          <a:p>
+            <a:pPr marL="0" indent="0">
+              <a:buNone/>
+            </a:pPr>
+            <a:r>
+              <a:rPr lang="en-US" dirty="0"/>
+              <a:t>         </a:t>
+            </a:r>
+            <a:r>
+              <a:rPr lang="en-US" dirty="0" err="1"/>
+              <a:t>accesskeyid:STRING</a:t>
+            </a:r>
+            <a:r>
+              <a:rPr lang="en-US" dirty="0"/>
+              <a:t>,</a:t>
+            </a:r>
+          </a:p>
+          <a:p>
+            <a:pPr marL="0" indent="0">
+              <a:buNone/>
+            </a:pPr>
+            <a:r>
+              <a:rPr lang="en-US" dirty="0"/>
+              <a:t>         </a:t>
+            </a:r>
+            <a:r>
+              <a:rPr lang="en-US" dirty="0" err="1"/>
+              <a:t>userName:STRING</a:t>
+            </a:r>
+            <a:r>
+              <a:rPr lang="en-US" dirty="0"/>
+              <a:t>,</a:t>
+            </a:r>
+          </a:p>
+          <a:p>
+            <a:pPr marL="0" indent="0">
+              <a:buNone/>
+            </a:pPr>
+            <a:r>
+              <a:rPr lang="en-US" dirty="0"/>
+              <a:t>         </a:t>
+            </a:r>
+            <a:r>
+              <a:rPr lang="en-US" dirty="0" err="1"/>
+              <a:t>sessioncontext:STRUCT</a:t>
+            </a:r>
+            <a:r>
+              <a:rPr lang="en-US" dirty="0"/>
+              <a:t>&lt; </a:t>
+            </a:r>
+            <a:r>
+              <a:rPr lang="en-US" dirty="0" err="1"/>
+              <a:t>attributes:STRUCT</a:t>
+            </a:r>
+            <a:r>
+              <a:rPr lang="en-US" dirty="0"/>
+              <a:t>&lt; </a:t>
+            </a:r>
+            <a:r>
+              <a:rPr lang="en-US" dirty="0" err="1"/>
+              <a:t>mfaauthenticated:STRING</a:t>
+            </a:r>
+            <a:r>
+              <a:rPr lang="en-US" dirty="0"/>
+              <a:t>,</a:t>
+            </a:r>
+          </a:p>
+          <a:p>
+            <a:pPr marL="0" indent="0">
+              <a:buNone/>
+            </a:pPr>
+            <a:r>
+              <a:rPr lang="en-US" dirty="0"/>
+              <a:t>         …</a:t>
+            </a:r>
+          </a:p>
+          <a:p>
+            <a:pPr marL="0" indent="0">
+              <a:buNone/>
+            </a:pPr>
+            <a:r>
+              <a:rPr lang="en-US" dirty="0"/>
+              <a:t>) </a:t>
+            </a:r>
+          </a:p>
+          <a:p>
+            <a:pPr marL="0" indent="0">
+              <a:buNone/>
+            </a:pPr>
+            <a:r>
+              <a:rPr lang="en-US" dirty="0"/>
+              <a:t>ROW FORMAT SERDE '</a:t>
+            </a:r>
+            <a:r>
+              <a:rPr lang="en-US" dirty="0" err="1"/>
+              <a:t>com.amazon.emr.hive.serde.CloudTrailSerde</a:t>
+            </a:r>
+            <a:r>
+              <a:rPr lang="en-US" dirty="0"/>
+              <a:t>' STORED AS INPUTFORMAT '</a:t>
+            </a:r>
+            <a:r>
+              <a:rPr lang="en-US" dirty="0" err="1"/>
+              <a:t>com.amazon.emr.cloudtrail.CloudTrailInputFormat</a:t>
+            </a:r>
+            <a:r>
+              <a:rPr lang="en-US" dirty="0"/>
+              <a:t>' OUTPUTFORMAT '</a:t>
+            </a:r>
+            <a:r>
+              <a:rPr lang="en-US" dirty="0" err="1"/>
+              <a:t>org.apache.hadoop.hive.ql.io.HiveIgnoreKeyTextOutputFormat</a:t>
+            </a:r>
+            <a:r>
+              <a:rPr lang="en-US" dirty="0"/>
+              <a:t>' LOCATION “s3 location of log”</a:t>
+            </a:r>
+          </a:p>
+        </p:txBody>
+      </p:sp>
+      <p:sp>
+        <p:nvSpPr>
+          <p:cNvPr id="4" name="Footer Placeholder 3">
+            <a:extLst>
+              <a:ext uri="{FF2B5EF4-FFF2-40B4-BE49-F238E27FC236}">
+                <a16:creationId xmlns:a16="http://schemas.microsoft.com/office/drawing/2014/main" id="{45BD106C-BB86-E443-AC6D-D47EB289AF68}"/>
+              </a:ext>
+            </a:extLst>
+          </p:cNvPr>
+          <p:cNvSpPr>
+            <a:spLocks noGrp="1"/>
+          </p:cNvSpPr>
+          <p:nvPr>
+            <p:ph type="ftr" sz="quarter" idx="11"/>
+          </p:nvPr>
+        </p:nvSpPr>
+        <p:spPr/>
+        <p:txBody>
+          <a:bodyPr/>
+          <a:lstStyle/>
+          <a:p>
+            <a:endParaRPr lang="en-GB" dirty="0"/>
+          </a:p>
+        </p:txBody>
+      </p:sp>
+      <p:sp>
+        <p:nvSpPr>
+          <p:cNvPr id="5" name="Slide Number Placeholder 4">
+            <a:extLst>
+              <a:ext uri="{FF2B5EF4-FFF2-40B4-BE49-F238E27FC236}">
+                <a16:creationId xmlns:a16="http://schemas.microsoft.com/office/drawing/2014/main" id="{AA9991CB-7802-7541-BBFA-E2532CE1938F}"/>
+              </a:ext>
+            </a:extLst>
+          </p:cNvPr>
+          <p:cNvSpPr>
+            <a:spLocks noGrp="1"/>
+          </p:cNvSpPr>
+          <p:nvPr>
+            <p:ph type="sldNum" sz="quarter" idx="12"/>
+          </p:nvPr>
+        </p:nvSpPr>
+        <p:spPr/>
+        <p:txBody>
+          <a:bodyPr/>
+          <a:lstStyle/>
+          <a:p>
+            <a:fld id="{05072F42-4DFA-4725-86F9-7594E4AB4EB5}" type="slidenum">
+              <a:rPr lang="en-GB" smtClean="0"/>
+              <a:pPr/>
+              <a:t>19</a:t>
+            </a:fld>
+            <a:endParaRPr lang="en-GB"/>
+          </a:p>
+        </p:txBody>
+      </p:sp>
+    </p:spTree>
+    <p:extLst>
+      <p:ext uri="{BB962C8B-B14F-4D97-AF65-F5344CB8AC3E}">
+        <p14:creationId xmlns:p14="http://schemas.microsoft.com/office/powerpoint/2010/main" val="13708596"/>
+      </p:ext>
+    </p:extLst>
+  </p:cSld>
+  <p:clrMapOvr>
+    <a:masterClrMapping/>
+  </p:clrMapOvr>
+</p:sld>
+</file>
+
+<file path=ppt/slides/slide2.xml><?xml version="1.0" encoding="utf-8"?>
+<p:sld xmlns:a="http://schemas.openxmlformats.org/drawingml/2006/main" xmlns:r="http://schemas.openxmlformats.org/officeDocument/2006/relationships" xmlns:p="http://schemas.openxmlformats.org/presentationml/2006/main">
+  <p:cSld>
+    <p:spTree>
+      <p:nvGrpSpPr>
+        <p:cNvPr id="1" name=""/>
+        <p:cNvGrpSpPr/>
+        <p:nvPr/>
+      </p:nvGrpSpPr>
+      <p:grpSpPr>
+        <a:xfrm>
+          <a:off x="0" y="0"/>
+          <a:ext cx="0" cy="0"/>
+          <a:chOff x="0" y="0"/>
+          <a:chExt cx="0" cy="0"/>
+        </a:xfrm>
+      </p:grpSpPr>
+      <p:sp>
+        <p:nvSpPr>
+          <p:cNvPr id="2" name="Title 1">
+            <a:extLst>
+              <a:ext uri="{FF2B5EF4-FFF2-40B4-BE49-F238E27FC236}">
+                <a16:creationId xmlns:a16="http://schemas.microsoft.com/office/drawing/2014/main" id="{4F19819F-C052-EA48-AF4A-97DF04512033}"/>
+              </a:ext>
+            </a:extLst>
+          </p:cNvPr>
+          <p:cNvSpPr>
+            <a:spLocks noGrp="1"/>
+          </p:cNvSpPr>
+          <p:nvPr>
+            <p:ph type="title"/>
+          </p:nvPr>
+        </p:nvSpPr>
+        <p:spPr/>
+        <p:txBody>
+          <a:bodyPr/>
+          <a:lstStyle/>
+          <a:p>
+            <a:r>
+              <a:rPr lang="en-US" dirty="0"/>
+              <a:t>Storage in the cloud</a:t>
+            </a:r>
+          </a:p>
+        </p:txBody>
+      </p:sp>
+      <p:sp>
+        <p:nvSpPr>
+          <p:cNvPr id="3" name="Content Placeholder 2">
+            <a:extLst>
+              <a:ext uri="{FF2B5EF4-FFF2-40B4-BE49-F238E27FC236}">
+                <a16:creationId xmlns:a16="http://schemas.microsoft.com/office/drawing/2014/main" id="{CDDF3D8E-DAB3-1D4C-9C2E-2A64ADFCFA96}"/>
+              </a:ext>
+            </a:extLst>
+          </p:cNvPr>
+          <p:cNvSpPr>
+            <a:spLocks noGrp="1"/>
+          </p:cNvSpPr>
+          <p:nvPr>
+            <p:ph idx="1"/>
+          </p:nvPr>
+        </p:nvSpPr>
+        <p:spPr/>
+        <p:txBody>
+          <a:bodyPr/>
+          <a:lstStyle/>
+          <a:p>
+            <a:r>
+              <a:rPr lang="en-US" dirty="0"/>
+              <a:t>You need to be able store data, images, videos, audio, source code, </a:t>
+            </a:r>
+            <a:r>
+              <a:rPr lang="en-US" dirty="0" err="1"/>
+              <a:t>etc</a:t>
+            </a:r>
+            <a:endParaRPr lang="en-US" dirty="0"/>
+          </a:p>
+          <a:p>
+            <a:r>
+              <a:rPr lang="en-US" dirty="0"/>
+              <a:t>We do that on computers and phones in a file system</a:t>
+            </a:r>
+          </a:p>
+          <a:p>
+            <a:r>
+              <a:rPr lang="en-US" dirty="0"/>
+              <a:t>Cloud services provide “buckets” to place “objects”</a:t>
+            </a:r>
+          </a:p>
+          <a:p>
+            <a:r>
+              <a:rPr lang="en-US" dirty="0"/>
+              <a:t>Largely data format agnostic</a:t>
+            </a:r>
+          </a:p>
+          <a:p>
+            <a:r>
+              <a:rPr lang="en-US" dirty="0"/>
+              <a:t>Objects have particular attributes</a:t>
+            </a:r>
+          </a:p>
+        </p:txBody>
+      </p:sp>
+      <p:sp>
+        <p:nvSpPr>
+          <p:cNvPr id="4" name="Footer Placeholder 3">
+            <a:extLst>
+              <a:ext uri="{FF2B5EF4-FFF2-40B4-BE49-F238E27FC236}">
+                <a16:creationId xmlns:a16="http://schemas.microsoft.com/office/drawing/2014/main" id="{59AC6C2E-B73F-994E-B094-B89AE77C0D6A}"/>
+              </a:ext>
+            </a:extLst>
+          </p:cNvPr>
+          <p:cNvSpPr>
+            <a:spLocks noGrp="1"/>
+          </p:cNvSpPr>
+          <p:nvPr>
+            <p:ph type="ftr" sz="quarter" idx="11"/>
+          </p:nvPr>
+        </p:nvSpPr>
+        <p:spPr/>
+        <p:txBody>
+          <a:bodyPr/>
+          <a:lstStyle/>
+          <a:p>
+            <a:endParaRPr lang="en-GB" dirty="0"/>
+          </a:p>
+        </p:txBody>
+      </p:sp>
+      <p:sp>
+        <p:nvSpPr>
+          <p:cNvPr id="5" name="Slide Number Placeholder 4">
+            <a:extLst>
+              <a:ext uri="{FF2B5EF4-FFF2-40B4-BE49-F238E27FC236}">
+                <a16:creationId xmlns:a16="http://schemas.microsoft.com/office/drawing/2014/main" id="{A07039E2-2B52-F540-B519-8D3706308DEA}"/>
+              </a:ext>
+            </a:extLst>
+          </p:cNvPr>
+          <p:cNvSpPr>
+            <a:spLocks noGrp="1"/>
+          </p:cNvSpPr>
+          <p:nvPr>
+            <p:ph type="sldNum" sz="quarter" idx="12"/>
+          </p:nvPr>
+        </p:nvSpPr>
+        <p:spPr/>
+        <p:txBody>
+          <a:bodyPr/>
+          <a:lstStyle/>
+          <a:p>
+            <a:fld id="{05072F42-4DFA-4725-86F9-7594E4AB4EB5}" type="slidenum">
+              <a:rPr lang="en-GB" smtClean="0"/>
+              <a:pPr/>
+              <a:t>2</a:t>
+            </a:fld>
+            <a:endParaRPr lang="en-GB"/>
+          </a:p>
+        </p:txBody>
+      </p:sp>
+    </p:spTree>
+    <p:extLst>
+      <p:ext uri="{BB962C8B-B14F-4D97-AF65-F5344CB8AC3E}">
+        <p14:creationId xmlns:p14="http://schemas.microsoft.com/office/powerpoint/2010/main" val="604142789"/>
+      </p:ext>
+    </p:extLst>
+  </p:cSld>
+  <p:clrMapOvr>
+    <a:masterClrMapping/>
+  </p:clrMapOvr>
+</p:sld>
+</file>
+
+<file path=ppt/slides/slide20.xml><?xml version="1.0" encoding="utf-8"?>
+<p:sld xmlns:a="http://schemas.openxmlformats.org/drawingml/2006/main" xmlns:r="http://schemas.openxmlformats.org/officeDocument/2006/relationships" xmlns:p="http://schemas.openxmlformats.org/presentationml/2006/main">
+  <p:cSld>
+    <p:spTree>
+      <p:nvGrpSpPr>
+        <p:cNvPr id="1" name=""/>
+        <p:cNvGrpSpPr/>
+        <p:nvPr/>
+      </p:nvGrpSpPr>
+      <p:grpSpPr>
+        <a:xfrm>
+          <a:off x="0" y="0"/>
+          <a:ext cx="0" cy="0"/>
+          <a:chOff x="0" y="0"/>
+          <a:chExt cx="0" cy="0"/>
+        </a:xfrm>
+      </p:grpSpPr>
+      <p:sp>
+        <p:nvSpPr>
+          <p:cNvPr id="2" name="Title 1">
+            <a:extLst>
+              <a:ext uri="{FF2B5EF4-FFF2-40B4-BE49-F238E27FC236}">
+                <a16:creationId xmlns:a16="http://schemas.microsoft.com/office/drawing/2014/main" id="{6BE31F4F-BA78-D647-9E49-87A5C0C2F55A}"/>
+              </a:ext>
+            </a:extLst>
+          </p:cNvPr>
+          <p:cNvSpPr>
+            <a:spLocks noGrp="1"/>
+          </p:cNvSpPr>
+          <p:nvPr>
+            <p:ph type="title"/>
+          </p:nvPr>
+        </p:nvSpPr>
+        <p:spPr/>
+        <p:txBody>
+          <a:bodyPr/>
+          <a:lstStyle/>
+          <a:p>
+            <a:r>
+              <a:rPr lang="en-US" dirty="0"/>
+              <a:t>Queries</a:t>
+            </a:r>
+          </a:p>
+        </p:txBody>
+      </p:sp>
+      <p:sp>
+        <p:nvSpPr>
+          <p:cNvPr id="3" name="Content Placeholder 2">
+            <a:extLst>
+              <a:ext uri="{FF2B5EF4-FFF2-40B4-BE49-F238E27FC236}">
+                <a16:creationId xmlns:a16="http://schemas.microsoft.com/office/drawing/2014/main" id="{7B5DC19D-EE3D-E44D-B180-079A92887F76}"/>
+              </a:ext>
+            </a:extLst>
+          </p:cNvPr>
+          <p:cNvSpPr>
+            <a:spLocks noGrp="1"/>
+          </p:cNvSpPr>
+          <p:nvPr>
+            <p:ph idx="1"/>
+          </p:nvPr>
+        </p:nvSpPr>
+        <p:spPr/>
+        <p:txBody>
+          <a:bodyPr/>
+          <a:lstStyle/>
+          <a:p>
+            <a:r>
+              <a:rPr lang="en-US" dirty="0"/>
+              <a:t>Can now create queries like:</a:t>
+            </a:r>
+          </a:p>
+          <a:p>
+            <a:endParaRPr lang="en-US" dirty="0"/>
+          </a:p>
+          <a:p>
+            <a:endParaRPr lang="en-US" dirty="0"/>
+          </a:p>
+        </p:txBody>
+      </p:sp>
+      <p:sp>
+        <p:nvSpPr>
+          <p:cNvPr id="4" name="Footer Placeholder 3">
+            <a:extLst>
+              <a:ext uri="{FF2B5EF4-FFF2-40B4-BE49-F238E27FC236}">
+                <a16:creationId xmlns:a16="http://schemas.microsoft.com/office/drawing/2014/main" id="{0BAC5FC1-A305-064D-B156-B8E7FDEF5851}"/>
+              </a:ext>
+            </a:extLst>
+          </p:cNvPr>
+          <p:cNvSpPr>
+            <a:spLocks noGrp="1"/>
+          </p:cNvSpPr>
+          <p:nvPr>
+            <p:ph type="ftr" sz="quarter" idx="11"/>
+          </p:nvPr>
+        </p:nvSpPr>
+        <p:spPr/>
+        <p:txBody>
+          <a:bodyPr/>
+          <a:lstStyle/>
+          <a:p>
+            <a:endParaRPr lang="en-GB" dirty="0"/>
+          </a:p>
+        </p:txBody>
+      </p:sp>
+      <p:sp>
+        <p:nvSpPr>
+          <p:cNvPr id="5" name="Slide Number Placeholder 4">
+            <a:extLst>
+              <a:ext uri="{FF2B5EF4-FFF2-40B4-BE49-F238E27FC236}">
+                <a16:creationId xmlns:a16="http://schemas.microsoft.com/office/drawing/2014/main" id="{81A2C776-0D48-7D4E-ABE7-1CD0A1D8BB15}"/>
+              </a:ext>
+            </a:extLst>
+          </p:cNvPr>
+          <p:cNvSpPr>
+            <a:spLocks noGrp="1"/>
+          </p:cNvSpPr>
+          <p:nvPr>
+            <p:ph type="sldNum" sz="quarter" idx="12"/>
+          </p:nvPr>
+        </p:nvSpPr>
+        <p:spPr/>
+        <p:txBody>
+          <a:bodyPr/>
+          <a:lstStyle/>
+          <a:p>
+            <a:fld id="{05072F42-4DFA-4725-86F9-7594E4AB4EB5}" type="slidenum">
+              <a:rPr lang="en-GB" smtClean="0"/>
+              <a:pPr/>
+              <a:t>20</a:t>
+            </a:fld>
+            <a:endParaRPr lang="en-GB"/>
+          </a:p>
+        </p:txBody>
+      </p:sp>
+      <p:sp>
+        <p:nvSpPr>
+          <p:cNvPr id="6" name="TextBox 5">
+            <a:extLst>
+              <a:ext uri="{FF2B5EF4-FFF2-40B4-BE49-F238E27FC236}">
+                <a16:creationId xmlns:a16="http://schemas.microsoft.com/office/drawing/2014/main" id="{8D18B8D2-3682-6441-8E26-C946AEA9E872}"/>
+              </a:ext>
+            </a:extLst>
+          </p:cNvPr>
+          <p:cNvSpPr txBox="1"/>
+          <p:nvPr/>
+        </p:nvSpPr>
+        <p:spPr>
+          <a:xfrm>
+            <a:off x="966156" y="2896503"/>
+            <a:ext cx="6702925" cy="2616101"/>
+          </a:xfrm>
+          <a:prstGeom prst="rect">
+            <a:avLst/>
+          </a:prstGeom>
+          <a:noFill/>
+        </p:spPr>
+        <p:txBody>
+          <a:bodyPr wrap="none" rtlCol="0">
+            <a:spAutoFit/>
+          </a:bodyPr>
+          <a:lstStyle/>
+          <a:p>
+            <a:pPr algn="l"/>
+            <a:r>
+              <a:rPr lang="en-US" dirty="0"/>
+              <a:t>SELECT </a:t>
+            </a:r>
+            <a:r>
+              <a:rPr lang="en-US" dirty="0" err="1"/>
+              <a:t>useridentity.arn</a:t>
+            </a:r>
+            <a:r>
+              <a:rPr lang="en-US" dirty="0"/>
+              <a:t>,</a:t>
+            </a:r>
+          </a:p>
+          <a:p>
+            <a:pPr algn="l"/>
+            <a:r>
+              <a:rPr lang="en-US" dirty="0"/>
+              <a:t>         </a:t>
+            </a:r>
+            <a:r>
+              <a:rPr lang="en-US" dirty="0" err="1"/>
+              <a:t>eventname</a:t>
+            </a:r>
+            <a:r>
+              <a:rPr lang="en-US" dirty="0"/>
+              <a:t>,</a:t>
+            </a:r>
+          </a:p>
+          <a:p>
+            <a:pPr algn="l"/>
+            <a:r>
+              <a:rPr lang="en-US" dirty="0"/>
+              <a:t>         </a:t>
+            </a:r>
+            <a:r>
+              <a:rPr lang="en-US" dirty="0" err="1"/>
+              <a:t>sourceipaddress</a:t>
+            </a:r>
+            <a:r>
+              <a:rPr lang="en-US" dirty="0"/>
+              <a:t>,</a:t>
+            </a:r>
+          </a:p>
+          <a:p>
+            <a:pPr algn="l"/>
+            <a:r>
+              <a:rPr lang="en-US" dirty="0"/>
+              <a:t>         </a:t>
+            </a:r>
+            <a:r>
+              <a:rPr lang="en-US" dirty="0" err="1"/>
+              <a:t>eventtime</a:t>
+            </a:r>
+            <a:endParaRPr lang="en-US" dirty="0"/>
+          </a:p>
+          <a:p>
+            <a:pPr algn="l"/>
+            <a:r>
+              <a:rPr lang="en-US" dirty="0"/>
+              <a:t>FROM </a:t>
+            </a:r>
+            <a:r>
+              <a:rPr lang="en-US" dirty="0" err="1"/>
+              <a:t>cloudtrail_logs</a:t>
+            </a:r>
+            <a:endParaRPr lang="en-US" dirty="0"/>
+          </a:p>
+          <a:p>
+            <a:pPr algn="l"/>
+            <a:r>
+              <a:rPr lang="en-US" dirty="0"/>
+              <a:t>WHERE </a:t>
+            </a:r>
+            <a:r>
+              <a:rPr lang="en-US" dirty="0" err="1"/>
+              <a:t>useridentity.arn</a:t>
+            </a:r>
+            <a:r>
+              <a:rPr lang="en-US" dirty="0"/>
+              <a:t> LIKE ‘%@</a:t>
+            </a:r>
+            <a:r>
+              <a:rPr lang="en-US" dirty="0" err="1"/>
+              <a:t>student.uwa.edu.au</a:t>
+            </a:r>
+            <a:r>
+              <a:rPr lang="en-US" dirty="0"/>
+              <a:t>%’ </a:t>
+            </a:r>
+          </a:p>
+          <a:p>
+            <a:pPr algn="l"/>
+            <a:r>
+              <a:rPr lang="en-US" dirty="0"/>
+              <a:t>and </a:t>
+            </a:r>
+            <a:r>
+              <a:rPr lang="en-US" dirty="0" err="1"/>
+              <a:t>eventname</a:t>
+            </a:r>
+            <a:r>
+              <a:rPr lang="en-US" dirty="0"/>
+              <a:t> = '</a:t>
+            </a:r>
+            <a:r>
+              <a:rPr lang="en-US" dirty="0" err="1"/>
+              <a:t>RunInstances</a:t>
+            </a:r>
+            <a:r>
+              <a:rPr lang="en-US" dirty="0"/>
+              <a:t>’ ;</a:t>
+            </a:r>
+          </a:p>
+        </p:txBody>
+      </p:sp>
+    </p:spTree>
+    <p:extLst>
+      <p:ext uri="{BB962C8B-B14F-4D97-AF65-F5344CB8AC3E}">
+        <p14:creationId xmlns:p14="http://schemas.microsoft.com/office/powerpoint/2010/main" val="3880983101"/>
+      </p:ext>
+    </p:extLst>
+  </p:cSld>
+  <p:clrMapOvr>
+    <a:masterClrMapping/>
+  </p:clrMapOvr>
+</p:sld>
+</file>
+
+<file path=ppt/slides/slide21.xml><?xml version="1.0" encoding="utf-8"?>
 <p:sld xmlns:a="http://schemas.openxmlformats.org/drawingml/2006/main" xmlns:r="http://schemas.openxmlformats.org/officeDocument/2006/relationships" xmlns:p="http://schemas.openxmlformats.org/presentationml/2006/main">
   <p:cSld>
     <p:bg>
@@ -7858,7 +10532,7 @@
           <a:lstStyle/>
           <a:p>
             <a:r>
-              <a:rPr lang="en-US" sz="5100" kern="1200">
+              <a:rPr lang="en-US" sz="5100" kern="1200" dirty="0">
                 <a:solidFill>
                   <a:schemeClr val="tx1">
                     <a:lumMod val="85000"/>
@@ -7957,7 +10631,7 @@
                 <a:latin typeface="+mn-lt"/>
               </a:rPr>
               <a:pPr/>
-              <a:t>13</a:t>
+              <a:t>21</a:t>
             </a:fld>
             <a:endParaRPr lang="en-US" sz="1100">
               <a:solidFill>
@@ -7983,7 +10657,7 @@
 </p:sld>
 </file>
 
-<file path=ppt/slides/slide14.xml><?xml version="1.0" encoding="utf-8"?>
+<file path=ppt/slides/slide22.xml><?xml version="1.0" encoding="utf-8"?>
 <p:sld xmlns:a="http://schemas.openxmlformats.org/drawingml/2006/main" xmlns:r="http://schemas.openxmlformats.org/officeDocument/2006/relationships" xmlns:p="http://schemas.openxmlformats.org/presentationml/2006/main">
   <p:cSld>
     <p:spTree>
@@ -8114,7 +10788,7 @@
 </p:sld>
 </file>
 
-<file path=ppt/slides/slide15.xml><?xml version="1.0" encoding="utf-8"?>
+<file path=ppt/slides/slide23.xml><?xml version="1.0" encoding="utf-8"?>
 <p:sld xmlns:a="http://schemas.openxmlformats.org/drawingml/2006/main" xmlns:r="http://schemas.openxmlformats.org/officeDocument/2006/relationships" xmlns:p="http://schemas.openxmlformats.org/presentationml/2006/main">
   <p:cSld>
     <p:bg>
@@ -8612,7 +11286,7 @@
 </p:sld>
 </file>
 
-<file path=ppt/slides/slide16.xml><?xml version="1.0" encoding="utf-8"?>
+<file path=ppt/slides/slide24.xml><?xml version="1.0" encoding="utf-8"?>
 <p:sld xmlns:a="http://schemas.openxmlformats.org/drawingml/2006/main" xmlns:r="http://schemas.openxmlformats.org/officeDocument/2006/relationships" xmlns:p="http://schemas.openxmlformats.org/presentationml/2006/main">
   <p:cSld>
     <p:spTree>
@@ -8775,7 +11449,7 @@
 </p:sld>
 </file>
 
-<file path=ppt/slides/slide17.xml><?xml version="1.0" encoding="utf-8"?>
+<file path=ppt/slides/slide25.xml><?xml version="1.0" encoding="utf-8"?>
 <p:sld xmlns:a="http://schemas.openxmlformats.org/drawingml/2006/main" xmlns:r="http://schemas.openxmlformats.org/officeDocument/2006/relationships" xmlns:p="http://schemas.openxmlformats.org/presentationml/2006/main">
   <p:cSld>
     <p:spTree>
@@ -8976,7 +11650,7 @@
 </p:sld>
 </file>
 
-<file path=ppt/slides/slide18.xml><?xml version="1.0" encoding="utf-8"?>
+<file path=ppt/slides/slide26.xml><?xml version="1.0" encoding="utf-8"?>
 <p:sld xmlns:a="http://schemas.openxmlformats.org/drawingml/2006/main" xmlns:r="http://schemas.openxmlformats.org/officeDocument/2006/relationships" xmlns:p="http://schemas.openxmlformats.org/presentationml/2006/main">
   <p:cSld>
     <p:spTree>
@@ -10928,7 +13602,7 @@
 </p:sld>
 </file>
 
-<file path=ppt/slides/slide19.xml><?xml version="1.0" encoding="utf-8"?>
+<file path=ppt/slides/slide27.xml><?xml version="1.0" encoding="utf-8"?>
 <p:sld xmlns:a="http://schemas.openxmlformats.org/drawingml/2006/main" xmlns:r="http://schemas.openxmlformats.org/officeDocument/2006/relationships" xmlns:p="http://schemas.openxmlformats.org/presentationml/2006/main">
   <p:cSld>
     <p:spTree>
@@ -11081,7 +13755,7 @@
 </p:sld>
 </file>
 
-<file path=ppt/slides/slide2.xml><?xml version="1.0" encoding="utf-8"?>
+<file path=ppt/slides/slide28.xml><?xml version="1.0" encoding="utf-8"?>
 <p:sld xmlns:a="http://schemas.openxmlformats.org/drawingml/2006/main" xmlns:r="http://schemas.openxmlformats.org/officeDocument/2006/relationships" xmlns:p="http://schemas.openxmlformats.org/presentationml/2006/main">
   <p:cSld>
     <p:spTree>
@@ -11115,7 +13789,7 @@
           <a:p>
             <a:r>
               <a:rPr lang="en-US" dirty="0"/>
-              <a:t>AWS S3 Simple Storage Service</a:t>
+              <a:t>Read Consistency</a:t>
             </a:r>
           </a:p>
         </p:txBody>
@@ -11142,84 +13816,79 @@
           </a:bodyPr>
           <a:lstStyle/>
           <a:p>
-            <a:pPr>
-              <a:defRPr/>
-            </a:pPr>
             <a:r>
               <a:rPr lang="en-AU" dirty="0"/>
-              <a:t>Objects stored in buckets that are arranged hierarchically</a:t>
-            </a:r>
-          </a:p>
-          <a:p>
-            <a:pPr lvl="1">
-              <a:defRPr/>
-            </a:pPr>
+              <a:t>Reads from </a:t>
+            </a:r>
+            <a:r>
+              <a:rPr lang="en-AU" dirty="0" err="1"/>
+              <a:t>DynamoDB</a:t>
+            </a:r>
             <a:r>
               <a:rPr lang="en-AU" dirty="0"/>
-              <a:t>Object is data + metadata</a:t>
-            </a:r>
-          </a:p>
-          <a:p>
-            <a:pPr lvl="1">
-              <a:defRPr/>
-            </a:pPr>
+              <a:t> can be either:</a:t>
+            </a:r>
+          </a:p>
+          <a:p>
+            <a:pPr lvl="1"/>
             <a:r>
               <a:rPr lang="en-AU" dirty="0"/>
-              <a:t>Metadata is a set of name-value pairs that describe the object</a:t>
-            </a:r>
-          </a:p>
-          <a:p>
-            <a:pPr lvl="1">
-              <a:defRPr/>
-            </a:pPr>
+              <a:t>Eventually Consistent Reads</a:t>
+            </a:r>
+          </a:p>
+          <a:p>
+            <a:pPr lvl="2"/>
             <a:r>
               <a:rPr lang="en-AU" dirty="0"/>
-              <a:t>Object is uniquely identified with a bucket by a key (name) and a version ID</a:t>
-            </a:r>
-          </a:p>
-          <a:p>
-            <a:pPr>
-              <a:defRPr/>
-            </a:pPr>
+              <a:t>Data from a write may not be available straight away</a:t>
+            </a:r>
+          </a:p>
+          <a:p>
+            <a:pPr lvl="1"/>
             <a:r>
               <a:rPr lang="en-AU" dirty="0"/>
-              <a:t>Buckets</a:t>
-            </a:r>
-          </a:p>
-          <a:p>
-            <a:pPr lvl="1">
-              <a:defRPr/>
-            </a:pPr>
+              <a:t>Strongly Consistent Reads</a:t>
+            </a:r>
+          </a:p>
+          <a:p>
+            <a:pPr lvl="2"/>
             <a:r>
               <a:rPr lang="en-AU" dirty="0"/>
-              <a:t>Organise the S3 namespace</a:t>
-            </a:r>
-          </a:p>
-          <a:p>
-            <a:pPr lvl="1">
-              <a:defRPr/>
-            </a:pPr>
+              <a:t>Reads return most up-to-date information reflecting all updates from write operations</a:t>
+            </a:r>
+          </a:p>
+          <a:p>
             <a:r>
               <a:rPr lang="en-AU" dirty="0"/>
-              <a:t>Allow for access control</a:t>
-            </a:r>
-          </a:p>
-          <a:p>
-            <a:pPr lvl="1">
-              <a:defRPr/>
-            </a:pPr>
+              <a:t>Throughput capacity</a:t>
+            </a:r>
+          </a:p>
+          <a:p>
+            <a:pPr lvl="1"/>
             <a:r>
               <a:rPr lang="en-AU" dirty="0"/>
-              <a:t>Unit of aggregation for usage reporting</a:t>
-            </a:r>
-          </a:p>
-          <a:p>
-            <a:pPr>
-              <a:defRPr/>
-            </a:pPr>
+              <a:t>When creating a table, specify the </a:t>
+            </a:r>
+          </a:p>
+          <a:p>
+            <a:pPr lvl="2"/>
             <a:r>
               <a:rPr lang="en-AU" dirty="0"/>
-              <a:t>Unique ID = bucket + key + version ID</a:t>
+              <a:t>read capacity unit = number of strongly consistent reads per second (1) or eventually consistent reads (2) per second for items up to 4KB – larger items need more capacity</a:t>
+            </a:r>
+          </a:p>
+          <a:p>
+            <a:pPr lvl="2"/>
+            <a:r>
+              <a:rPr lang="en-AU" dirty="0"/>
+              <a:t>Write capacity unit = number of writes of 1 KB in a second</a:t>
+            </a:r>
+          </a:p>
+          <a:p>
+            <a:pPr lvl="1"/>
+            <a:r>
+              <a:rPr lang="en-AU" dirty="0"/>
+              <a:t>Can Auto Scale	</a:t>
             </a:r>
           </a:p>
         </p:txBody>
@@ -11227,7 +13896,7 @@
     </p:spTree>
     <p:extLst>
       <p:ext uri="{BB962C8B-B14F-4D97-AF65-F5344CB8AC3E}">
-        <p14:creationId xmlns:p14="http://schemas.microsoft.com/office/powerpoint/2010/main" val="590366965"/>
+        <p14:creationId xmlns:p14="http://schemas.microsoft.com/office/powerpoint/2010/main" val="3565880738"/>
       </p:ext>
     </p:extLst>
   </p:cSld>
@@ -11237,7 +13906,7 @@
 </p:sld>
 </file>
 
-<file path=ppt/slides/slide20.xml><?xml version="1.0" encoding="utf-8"?>
+<file path=ppt/slides/slide29.xml><?xml version="1.0" encoding="utf-8"?>
 <p:sld xmlns:a="http://schemas.openxmlformats.org/drawingml/2006/main" xmlns:r="http://schemas.openxmlformats.org/officeDocument/2006/relationships" xmlns:p="http://schemas.openxmlformats.org/presentationml/2006/main">
   <p:cSld>
     <p:spTree>
@@ -11271,7 +13940,7 @@
           <a:p>
             <a:r>
               <a:rPr lang="en-US" dirty="0"/>
-              <a:t>Read Consistency</a:t>
+              <a:t>Partitioning</a:t>
             </a:r>
           </a:p>
         </p:txBody>
@@ -11299,157 +13968,6 @@
           <a:lstStyle/>
           <a:p>
             <a:r>
-              <a:rPr lang="en-AU" dirty="0"/>
-              <a:t>Reads from </a:t>
-            </a:r>
-            <a:r>
-              <a:rPr lang="en-AU" dirty="0" err="1"/>
-              <a:t>DynamoDB</a:t>
-            </a:r>
-            <a:r>
-              <a:rPr lang="en-AU" dirty="0"/>
-              <a:t> can be either:</a:t>
-            </a:r>
-          </a:p>
-          <a:p>
-            <a:pPr lvl="1"/>
-            <a:r>
-              <a:rPr lang="en-AU" dirty="0"/>
-              <a:t>Eventually Consistent Reads</a:t>
-            </a:r>
-          </a:p>
-          <a:p>
-            <a:pPr lvl="2"/>
-            <a:r>
-              <a:rPr lang="en-AU" dirty="0"/>
-              <a:t>Data from a write may not be available straight away</a:t>
-            </a:r>
-          </a:p>
-          <a:p>
-            <a:pPr lvl="1"/>
-            <a:r>
-              <a:rPr lang="en-AU" dirty="0"/>
-              <a:t>Strongly Consistent Reads</a:t>
-            </a:r>
-          </a:p>
-          <a:p>
-            <a:pPr lvl="2"/>
-            <a:r>
-              <a:rPr lang="en-AU" dirty="0"/>
-              <a:t>Reads return most up-to-date information reflecting all updates from write operations</a:t>
-            </a:r>
-          </a:p>
-          <a:p>
-            <a:r>
-              <a:rPr lang="en-AU" dirty="0"/>
-              <a:t>Throughput capacity</a:t>
-            </a:r>
-          </a:p>
-          <a:p>
-            <a:pPr lvl="1"/>
-            <a:r>
-              <a:rPr lang="en-AU" dirty="0"/>
-              <a:t>When creating a table, specify the </a:t>
-            </a:r>
-          </a:p>
-          <a:p>
-            <a:pPr lvl="2"/>
-            <a:r>
-              <a:rPr lang="en-AU" dirty="0"/>
-              <a:t>read capacity unit = number of strongly consistent reads per second (1) or eventually consistent reads (2) per second for items up to 4KB – larger items need more capacity</a:t>
-            </a:r>
-          </a:p>
-          <a:p>
-            <a:pPr lvl="2"/>
-            <a:r>
-              <a:rPr lang="en-AU" dirty="0"/>
-              <a:t>Write capacity unit = number of writes of 1 KB in a second</a:t>
-            </a:r>
-          </a:p>
-          <a:p>
-            <a:pPr lvl="1"/>
-            <a:r>
-              <a:rPr lang="en-AU" dirty="0"/>
-              <a:t>Can Auto Scale	</a:t>
-            </a:r>
-          </a:p>
-        </p:txBody>
-      </p:sp>
-    </p:spTree>
-    <p:extLst>
-      <p:ext uri="{BB962C8B-B14F-4D97-AF65-F5344CB8AC3E}">
-        <p14:creationId xmlns:p14="http://schemas.microsoft.com/office/powerpoint/2010/main" val="3565880738"/>
-      </p:ext>
-    </p:extLst>
-  </p:cSld>
-  <p:clrMapOvr>
-    <a:masterClrMapping/>
-  </p:clrMapOvr>
-</p:sld>
-</file>
-
-<file path=ppt/slides/slide21.xml><?xml version="1.0" encoding="utf-8"?>
-<p:sld xmlns:a="http://schemas.openxmlformats.org/drawingml/2006/main" xmlns:r="http://schemas.openxmlformats.org/officeDocument/2006/relationships" xmlns:p="http://schemas.openxmlformats.org/presentationml/2006/main">
-  <p:cSld>
-    <p:spTree>
-      <p:nvGrpSpPr>
-        <p:cNvPr id="1" name=""/>
-        <p:cNvGrpSpPr/>
-        <p:nvPr/>
-      </p:nvGrpSpPr>
-      <p:grpSpPr>
-        <a:xfrm>
-          <a:off x="0" y="0"/>
-          <a:ext cx="0" cy="0"/>
-          <a:chOff x="0" y="0"/>
-          <a:chExt cx="0" cy="0"/>
-        </a:xfrm>
-      </p:grpSpPr>
-      <p:sp>
-        <p:nvSpPr>
-          <p:cNvPr id="2" name="Title 1"/>
-          <p:cNvSpPr>
-            <a:spLocks noGrp="1"/>
-          </p:cNvSpPr>
-          <p:nvPr>
-            <p:ph type="title"/>
-          </p:nvPr>
-        </p:nvSpPr>
-        <p:spPr/>
-        <p:txBody>
-          <a:bodyPr/>
-          <a:lstStyle/>
-          <a:p>
-            <a:r>
-              <a:rPr lang="en-US" dirty="0"/>
-              <a:t>Partitioning</a:t>
-            </a:r>
-          </a:p>
-        </p:txBody>
-      </p:sp>
-      <p:sp>
-        <p:nvSpPr>
-          <p:cNvPr id="3" name="Content Placeholder 2"/>
-          <p:cNvSpPr>
-            <a:spLocks noGrp="1"/>
-          </p:cNvSpPr>
-          <p:nvPr>
-            <p:ph idx="1"/>
-          </p:nvPr>
-        </p:nvSpPr>
-        <p:spPr>
-          <a:xfrm>
-            <a:off x="708409" y="1690688"/>
-            <a:ext cx="10645391" cy="4532312"/>
-          </a:xfrm>
-        </p:spPr>
-        <p:txBody>
-          <a:bodyPr>
-            <a:normAutofit/>
-          </a:bodyPr>
-          <a:lstStyle/>
-          <a:p>
-            <a:r>
               <a:rPr lang="en-AU" dirty="0" err="1"/>
               <a:t>DynamoDB</a:t>
             </a:r>
@@ -11470,1356 +13988,6 @@
     <p:extLst>
       <p:ext uri="{BB962C8B-B14F-4D97-AF65-F5344CB8AC3E}">
         <p14:creationId xmlns:p14="http://schemas.microsoft.com/office/powerpoint/2010/main" val="3698337306"/>
-      </p:ext>
-    </p:extLst>
-  </p:cSld>
-  <p:clrMapOvr>
-    <a:masterClrMapping/>
-  </p:clrMapOvr>
-</p:sld>
-</file>
-
-<file path=ppt/slides/slide22.xml><?xml version="1.0" encoding="utf-8"?>
-<p:sld xmlns:a="http://schemas.openxmlformats.org/drawingml/2006/main" xmlns:r="http://schemas.openxmlformats.org/officeDocument/2006/relationships" xmlns:p="http://schemas.openxmlformats.org/presentationml/2006/main">
-  <p:cSld>
-    <p:spTree>
-      <p:nvGrpSpPr>
-        <p:cNvPr id="1" name=""/>
-        <p:cNvGrpSpPr/>
-        <p:nvPr/>
-      </p:nvGrpSpPr>
-      <p:grpSpPr>
-        <a:xfrm>
-          <a:off x="0" y="0"/>
-          <a:ext cx="0" cy="0"/>
-          <a:chOff x="0" y="0"/>
-          <a:chExt cx="0" cy="0"/>
-        </a:xfrm>
-      </p:grpSpPr>
-      <p:sp>
-        <p:nvSpPr>
-          <p:cNvPr id="2" name="Title 1"/>
-          <p:cNvSpPr>
-            <a:spLocks noGrp="1"/>
-          </p:cNvSpPr>
-          <p:nvPr>
-            <p:ph type="title"/>
-          </p:nvPr>
-        </p:nvSpPr>
-        <p:spPr/>
-        <p:txBody>
-          <a:bodyPr/>
-          <a:lstStyle/>
-          <a:p>
-            <a:r>
-              <a:rPr lang="en-US" dirty="0"/>
-              <a:t>Example</a:t>
-            </a:r>
-          </a:p>
-        </p:txBody>
-      </p:sp>
-      <p:sp>
-        <p:nvSpPr>
-          <p:cNvPr id="3" name="Content Placeholder 2"/>
-          <p:cNvSpPr>
-            <a:spLocks noGrp="1"/>
-          </p:cNvSpPr>
-          <p:nvPr>
-            <p:ph idx="1"/>
-          </p:nvPr>
-        </p:nvSpPr>
-        <p:spPr>
-          <a:xfrm>
-            <a:off x="708409" y="1690688"/>
-            <a:ext cx="10645391" cy="4532312"/>
-          </a:xfrm>
-        </p:spPr>
-        <p:txBody>
-          <a:bodyPr>
-            <a:normAutofit/>
-          </a:bodyPr>
-          <a:lstStyle/>
-          <a:p>
-            <a:r>
-              <a:rPr lang="en-AU" dirty="0"/>
-              <a:t>Setting up a local </a:t>
-            </a:r>
-            <a:r>
-              <a:rPr lang="en-AU" dirty="0" err="1"/>
-              <a:t>DynamoDB</a:t>
-            </a:r>
-            <a:endParaRPr lang="en-AU" dirty="0"/>
-          </a:p>
-          <a:p>
-            <a:pPr lvl="1"/>
-            <a:r>
-              <a:rPr lang="en-AU" dirty="0"/>
-              <a:t>From a terminal:</a:t>
-            </a:r>
-          </a:p>
-          <a:p>
-            <a:pPr lvl="2"/>
-            <a:r>
-              <a:rPr lang="en-AU" dirty="0" err="1"/>
-              <a:t>mkdir</a:t>
-            </a:r>
-            <a:r>
-              <a:rPr lang="en-AU" dirty="0"/>
-              <a:t> </a:t>
-            </a:r>
-            <a:r>
-              <a:rPr lang="en-AU" dirty="0" err="1"/>
-              <a:t>dynamodb</a:t>
-            </a:r>
-            <a:r>
-              <a:rPr lang="en-AU" dirty="0"/>
-              <a:t>; cd </a:t>
-            </a:r>
-            <a:r>
-              <a:rPr lang="en-AU" dirty="0" err="1"/>
-              <a:t>dynamodb</a:t>
-            </a:r>
-            <a:endParaRPr lang="en-AU" dirty="0"/>
-          </a:p>
-          <a:p>
-            <a:pPr lvl="2"/>
-            <a:r>
-              <a:rPr lang="en-AU" dirty="0"/>
-              <a:t>install </a:t>
-            </a:r>
-            <a:r>
-              <a:rPr lang="en-AU" dirty="0" err="1"/>
-              <a:t>jre</a:t>
-            </a:r>
-            <a:r>
-              <a:rPr lang="en-AU" dirty="0"/>
-              <a:t> if not done (</a:t>
-            </a:r>
-            <a:r>
-              <a:rPr lang="en-AU" dirty="0" err="1"/>
-              <a:t>sudo</a:t>
-            </a:r>
-            <a:r>
-              <a:rPr lang="en-AU" dirty="0"/>
-              <a:t> apt-get install default-</a:t>
-            </a:r>
-            <a:r>
-              <a:rPr lang="en-AU" dirty="0" err="1"/>
-              <a:t>jre</a:t>
-            </a:r>
-            <a:r>
-              <a:rPr lang="en-AU" dirty="0"/>
-              <a:t>)</a:t>
-            </a:r>
-          </a:p>
-          <a:p>
-            <a:pPr lvl="2"/>
-            <a:r>
-              <a:rPr lang="en-AU" dirty="0" err="1"/>
-              <a:t>wget</a:t>
-            </a:r>
-            <a:r>
-              <a:rPr lang="en-AU" dirty="0"/>
-              <a:t> </a:t>
-            </a:r>
-            <a:r>
-              <a:rPr lang="en-AU" dirty="0">
-                <a:hlinkClick r:id="rId3"/>
-              </a:rPr>
-              <a:t>https://s3-ap-northeast-1.amazonaws.com/dynamodb-local-tokyo/dynamodb_local_latest.tar.gz</a:t>
-            </a:r>
-            <a:endParaRPr lang="en-AU" dirty="0"/>
-          </a:p>
-          <a:p>
-            <a:pPr lvl="2"/>
-            <a:r>
-              <a:rPr lang="en-AU" dirty="0"/>
-              <a:t>java -</a:t>
-            </a:r>
-            <a:r>
-              <a:rPr lang="en-AU" dirty="0" err="1"/>
-              <a:t>Djava.library.path</a:t>
-            </a:r>
-            <a:r>
-              <a:rPr lang="en-AU" dirty="0"/>
-              <a:t>=./</a:t>
-            </a:r>
-            <a:r>
-              <a:rPr lang="en-AU" dirty="0" err="1"/>
-              <a:t>DynamoDBLocal_lib</a:t>
-            </a:r>
-            <a:r>
-              <a:rPr lang="en-AU" dirty="0"/>
-              <a:t> -jar </a:t>
-            </a:r>
-            <a:r>
-              <a:rPr lang="en-AU" dirty="0" err="1"/>
-              <a:t>DynamoDBLocal.jar</a:t>
-            </a:r>
-            <a:r>
-              <a:rPr lang="en-AU" dirty="0"/>
-              <a:t> –</a:t>
-            </a:r>
-            <a:r>
-              <a:rPr lang="en-AU" dirty="0" err="1"/>
-              <a:t>sharedDb</a:t>
-            </a:r>
-            <a:endParaRPr lang="en-AU" dirty="0"/>
-          </a:p>
-          <a:p>
-            <a:pPr lvl="1"/>
-            <a:r>
-              <a:rPr lang="en-AU" dirty="0"/>
-              <a:t>Start a new terminal</a:t>
-            </a:r>
-          </a:p>
-          <a:p>
-            <a:pPr lvl="1"/>
-            <a:endParaRPr lang="en-AU" dirty="0"/>
-          </a:p>
-        </p:txBody>
-      </p:sp>
-    </p:spTree>
-    <p:extLst>
-      <p:ext uri="{BB962C8B-B14F-4D97-AF65-F5344CB8AC3E}">
-        <p14:creationId xmlns:p14="http://schemas.microsoft.com/office/powerpoint/2010/main" val="1576737635"/>
-      </p:ext>
-    </p:extLst>
-  </p:cSld>
-  <p:clrMapOvr>
-    <a:masterClrMapping/>
-  </p:clrMapOvr>
-</p:sld>
-</file>
-
-<file path=ppt/slides/slide23.xml><?xml version="1.0" encoding="utf-8"?>
-<p:sld xmlns:a="http://schemas.openxmlformats.org/drawingml/2006/main" xmlns:r="http://schemas.openxmlformats.org/officeDocument/2006/relationships" xmlns:p="http://schemas.openxmlformats.org/presentationml/2006/main">
-  <p:cSld>
-    <p:spTree>
-      <p:nvGrpSpPr>
-        <p:cNvPr id="1" name=""/>
-        <p:cNvGrpSpPr/>
-        <p:nvPr/>
-      </p:nvGrpSpPr>
-      <p:grpSpPr>
-        <a:xfrm>
-          <a:off x="0" y="0"/>
-          <a:ext cx="0" cy="0"/>
-          <a:chOff x="0" y="0"/>
-          <a:chExt cx="0" cy="0"/>
-        </a:xfrm>
-      </p:grpSpPr>
-      <p:sp>
-        <p:nvSpPr>
-          <p:cNvPr id="2" name="Title 1"/>
-          <p:cNvSpPr>
-            <a:spLocks noGrp="1"/>
-          </p:cNvSpPr>
-          <p:nvPr>
-            <p:ph type="title"/>
-          </p:nvPr>
-        </p:nvSpPr>
-        <p:spPr/>
-        <p:txBody>
-          <a:bodyPr/>
-          <a:lstStyle/>
-          <a:p>
-            <a:r>
-              <a:rPr lang="en-US" dirty="0"/>
-              <a:t>Create Table</a:t>
-            </a:r>
-          </a:p>
-        </p:txBody>
-      </p:sp>
-      <p:sp>
-        <p:nvSpPr>
-          <p:cNvPr id="5" name="TextBox 4">
-            <a:extLst>
-              <a:ext uri="{FF2B5EF4-FFF2-40B4-BE49-F238E27FC236}">
-                <a16:creationId xmlns:a16="http://schemas.microsoft.com/office/drawing/2014/main" id="{2A4057F6-1E23-584E-AE1D-3089F26B0C84}"/>
-              </a:ext>
-            </a:extLst>
-          </p:cNvPr>
-          <p:cNvSpPr txBox="1"/>
-          <p:nvPr/>
-        </p:nvSpPr>
-        <p:spPr>
-          <a:xfrm>
-            <a:off x="404027" y="1690688"/>
-            <a:ext cx="11254154" cy="2551468"/>
-          </a:xfrm>
-          <a:prstGeom prst="rect">
-            <a:avLst/>
-          </a:prstGeom>
-          <a:solidFill>
-            <a:schemeClr val="bg1">
-              <a:lumMod val="85000"/>
-              <a:alpha val="30000"/>
-            </a:schemeClr>
-          </a:solidFill>
-          <a:ln>
-            <a:solidFill>
-              <a:schemeClr val="tx1"/>
-            </a:solidFill>
-          </a:ln>
-        </p:spPr>
-        <p:txBody>
-          <a:bodyPr wrap="square" rtlCol="0">
-            <a:spAutoFit/>
-          </a:bodyPr>
-          <a:lstStyle/>
-          <a:p>
-            <a:pPr marL="49213" lvl="2" algn="l"/>
-            <a:r>
-              <a:rPr lang="en-AU" sz="1700" dirty="0" err="1">
-                <a:latin typeface="Courier" pitchFamily="2" charset="0"/>
-              </a:rPr>
-              <a:t>aws</a:t>
-            </a:r>
-            <a:r>
-              <a:rPr lang="en-AU" sz="1700" dirty="0">
-                <a:latin typeface="Courier" pitchFamily="2" charset="0"/>
-              </a:rPr>
-              <a:t> </a:t>
-            </a:r>
-            <a:r>
-              <a:rPr lang="en-AU" sz="1700" dirty="0" err="1">
-                <a:latin typeface="Courier" pitchFamily="2" charset="0"/>
-              </a:rPr>
-              <a:t>dynamodb</a:t>
-            </a:r>
-            <a:r>
-              <a:rPr lang="en-AU" sz="1700" dirty="0">
-                <a:latin typeface="Courier" pitchFamily="2" charset="0"/>
-              </a:rPr>
-              <a:t> create-table --table-name Music </a:t>
-            </a:r>
-          </a:p>
-          <a:p>
-            <a:pPr marL="49213" lvl="2" algn="l"/>
-            <a:r>
-              <a:rPr lang="en-AU" sz="1700" dirty="0">
-                <a:latin typeface="Courier" pitchFamily="2" charset="0"/>
-              </a:rPr>
-              <a:t>  --attribute-definitions \</a:t>
-            </a:r>
-          </a:p>
-          <a:p>
-            <a:pPr marL="49213" lvl="2" algn="l"/>
-            <a:r>
-              <a:rPr lang="en-AU" sz="1700" dirty="0">
-                <a:latin typeface="Courier" pitchFamily="2" charset="0"/>
-              </a:rPr>
-              <a:t>    </a:t>
-            </a:r>
-            <a:r>
-              <a:rPr lang="en-AU" sz="1700" dirty="0" err="1">
-                <a:latin typeface="Courier" pitchFamily="2" charset="0"/>
-              </a:rPr>
-              <a:t>AttributeName</a:t>
-            </a:r>
-            <a:r>
-              <a:rPr lang="en-AU" sz="1700" dirty="0">
-                <a:latin typeface="Courier" pitchFamily="2" charset="0"/>
-              </a:rPr>
-              <a:t>=</a:t>
-            </a:r>
-            <a:r>
-              <a:rPr lang="en-AU" sz="1700" dirty="0" err="1">
-                <a:latin typeface="Courier" pitchFamily="2" charset="0"/>
-              </a:rPr>
-              <a:t>Artist,AttributeType</a:t>
-            </a:r>
-            <a:r>
-              <a:rPr lang="en-AU" sz="1700" dirty="0">
-                <a:latin typeface="Courier" pitchFamily="2" charset="0"/>
-              </a:rPr>
-              <a:t>=S \</a:t>
-            </a:r>
-          </a:p>
-          <a:p>
-            <a:pPr marL="49213" lvl="2" algn="l"/>
-            <a:r>
-              <a:rPr lang="en-AU" sz="1700" dirty="0">
-                <a:latin typeface="Courier" pitchFamily="2" charset="0"/>
-              </a:rPr>
-              <a:t>    </a:t>
-            </a:r>
-            <a:r>
-              <a:rPr lang="en-AU" sz="1700" dirty="0" err="1">
-                <a:latin typeface="Courier" pitchFamily="2" charset="0"/>
-              </a:rPr>
-              <a:t>AttributeName</a:t>
-            </a:r>
-            <a:r>
-              <a:rPr lang="en-AU" sz="1700" dirty="0">
-                <a:latin typeface="Courier" pitchFamily="2" charset="0"/>
-              </a:rPr>
-              <a:t>=</a:t>
-            </a:r>
-            <a:r>
-              <a:rPr lang="en-AU" sz="1700" dirty="0" err="1">
-                <a:latin typeface="Courier" pitchFamily="2" charset="0"/>
-              </a:rPr>
-              <a:t>SongTitle,AttributeType</a:t>
-            </a:r>
-            <a:r>
-              <a:rPr lang="en-AU" sz="1700" dirty="0">
-                <a:latin typeface="Courier" pitchFamily="2" charset="0"/>
-              </a:rPr>
-              <a:t>=S </a:t>
-            </a:r>
-          </a:p>
-          <a:p>
-            <a:pPr marL="49213" lvl="2" algn="l"/>
-            <a:r>
-              <a:rPr lang="en-AU" sz="1700" dirty="0">
-                <a:latin typeface="Courier" pitchFamily="2" charset="0"/>
-              </a:rPr>
-              <a:t>  --key-schema </a:t>
-            </a:r>
-            <a:r>
-              <a:rPr lang="en-AU" sz="1700" dirty="0" err="1">
-                <a:latin typeface="Courier" pitchFamily="2" charset="0"/>
-              </a:rPr>
-              <a:t>AttributeName</a:t>
-            </a:r>
-            <a:r>
-              <a:rPr lang="en-AU" sz="1700" dirty="0">
-                <a:latin typeface="Courier" pitchFamily="2" charset="0"/>
-              </a:rPr>
-              <a:t>=</a:t>
-            </a:r>
-            <a:r>
-              <a:rPr lang="en-AU" sz="1700" dirty="0" err="1">
-                <a:latin typeface="Courier" pitchFamily="2" charset="0"/>
-              </a:rPr>
-              <a:t>Artist,KeyType</a:t>
-            </a:r>
-            <a:r>
-              <a:rPr lang="en-AU" sz="1700" dirty="0">
-                <a:latin typeface="Courier" pitchFamily="2" charset="0"/>
-              </a:rPr>
-              <a:t>=HASH \ </a:t>
-            </a:r>
-          </a:p>
-          <a:p>
-            <a:pPr marL="49213" lvl="2" algn="l"/>
-            <a:r>
-              <a:rPr lang="en-AU" sz="1700" dirty="0">
-                <a:latin typeface="Courier" pitchFamily="2" charset="0"/>
-              </a:rPr>
-              <a:t>               </a:t>
-            </a:r>
-            <a:r>
-              <a:rPr lang="en-AU" sz="1700" dirty="0" err="1">
-                <a:latin typeface="Courier" pitchFamily="2" charset="0"/>
-              </a:rPr>
-              <a:t>AttributeName</a:t>
-            </a:r>
-            <a:r>
-              <a:rPr lang="en-AU" sz="1700" dirty="0">
-                <a:latin typeface="Courier" pitchFamily="2" charset="0"/>
-              </a:rPr>
-              <a:t>=</a:t>
-            </a:r>
-            <a:r>
-              <a:rPr lang="en-AU" sz="1700" dirty="0" err="1">
-                <a:latin typeface="Courier" pitchFamily="2" charset="0"/>
-              </a:rPr>
-              <a:t>SongTitle,KeyType</a:t>
-            </a:r>
-            <a:r>
-              <a:rPr lang="en-AU" sz="1700" dirty="0">
-                <a:latin typeface="Courier" pitchFamily="2" charset="0"/>
-              </a:rPr>
-              <a:t>=RANGE  \</a:t>
-            </a:r>
-          </a:p>
-          <a:p>
-            <a:pPr marL="7938" lvl="2" algn="l"/>
-            <a:r>
-              <a:rPr lang="en-AU" sz="1700" dirty="0">
-                <a:latin typeface="Courier" pitchFamily="2" charset="0"/>
-              </a:rPr>
-              <a:t>  --provisioned-throughput </a:t>
-            </a:r>
-            <a:r>
-              <a:rPr lang="en-AU" sz="1700" dirty="0" err="1">
-                <a:latin typeface="Courier" pitchFamily="2" charset="0"/>
-              </a:rPr>
-              <a:t>ReadCapacityUnits</a:t>
-            </a:r>
-            <a:r>
-              <a:rPr lang="en-AU" sz="1700" dirty="0">
-                <a:latin typeface="Courier" pitchFamily="2" charset="0"/>
-              </a:rPr>
-              <a:t>=1,WriteCapacityUnits=1 \</a:t>
-            </a:r>
-          </a:p>
-          <a:p>
-            <a:pPr marL="7938" lvl="2" algn="l"/>
-            <a:r>
-              <a:rPr lang="en-AU" sz="1700" dirty="0">
-                <a:latin typeface="Courier" pitchFamily="2" charset="0"/>
-              </a:rPr>
-              <a:t>  --endpoint-</a:t>
-            </a:r>
-            <a:r>
-              <a:rPr lang="en-AU" sz="1700" dirty="0" err="1">
-                <a:latin typeface="Courier" pitchFamily="2" charset="0"/>
-              </a:rPr>
-              <a:t>url</a:t>
-            </a:r>
-            <a:r>
-              <a:rPr lang="en-AU" sz="1700" dirty="0">
-                <a:latin typeface="Courier" pitchFamily="2" charset="0"/>
-              </a:rPr>
-              <a:t>=http://localhost:8000</a:t>
-            </a:r>
-            <a:endParaRPr lang="en-US" dirty="0"/>
-          </a:p>
-        </p:txBody>
-      </p:sp>
-      <p:sp>
-        <p:nvSpPr>
-          <p:cNvPr id="6" name="TextBox 5">
-            <a:extLst>
-              <a:ext uri="{FF2B5EF4-FFF2-40B4-BE49-F238E27FC236}">
-                <a16:creationId xmlns:a16="http://schemas.microsoft.com/office/drawing/2014/main" id="{07019B9E-58C2-C042-9F1F-737047263B77}"/>
-              </a:ext>
-            </a:extLst>
-          </p:cNvPr>
-          <p:cNvSpPr txBox="1"/>
-          <p:nvPr/>
-        </p:nvSpPr>
-        <p:spPr>
-          <a:xfrm>
-            <a:off x="404027" y="4503001"/>
-            <a:ext cx="11254154" cy="667875"/>
-          </a:xfrm>
-          <a:prstGeom prst="rect">
-            <a:avLst/>
-          </a:prstGeom>
-          <a:solidFill>
-            <a:schemeClr val="bg1">
-              <a:lumMod val="85000"/>
-              <a:alpha val="30000"/>
-            </a:schemeClr>
-          </a:solidFill>
-          <a:ln>
-            <a:solidFill>
-              <a:schemeClr val="tx1"/>
-            </a:solidFill>
-          </a:ln>
-        </p:spPr>
-        <p:txBody>
-          <a:bodyPr wrap="square" rtlCol="0">
-            <a:spAutoFit/>
-          </a:bodyPr>
-          <a:lstStyle/>
-          <a:p>
-            <a:pPr marL="49213" lvl="2" algn="l"/>
-            <a:r>
-              <a:rPr lang="en-AU" sz="1700" dirty="0" err="1">
-                <a:latin typeface="Courier" pitchFamily="2" charset="0"/>
-              </a:rPr>
-              <a:t>aws</a:t>
-            </a:r>
-            <a:r>
-              <a:rPr lang="en-AU" sz="1700" dirty="0">
-                <a:latin typeface="Courier" pitchFamily="2" charset="0"/>
-              </a:rPr>
-              <a:t> </a:t>
-            </a:r>
-            <a:r>
-              <a:rPr lang="en-AU" sz="1700" dirty="0" err="1">
-                <a:latin typeface="Courier" pitchFamily="2" charset="0"/>
-              </a:rPr>
-              <a:t>dynamodb</a:t>
-            </a:r>
-            <a:r>
-              <a:rPr lang="en-AU" sz="1700" dirty="0">
-                <a:latin typeface="Courier" pitchFamily="2" charset="0"/>
-              </a:rPr>
-              <a:t> scan --table-name Music \</a:t>
-            </a:r>
-          </a:p>
-          <a:p>
-            <a:pPr marL="7938" lvl="2" algn="l"/>
-            <a:r>
-              <a:rPr lang="en-AU" sz="1700" dirty="0">
-                <a:latin typeface="Courier" pitchFamily="2" charset="0"/>
-              </a:rPr>
-              <a:t>  --endpoint-</a:t>
-            </a:r>
-            <a:r>
-              <a:rPr lang="en-AU" sz="1700" dirty="0" err="1">
-                <a:latin typeface="Courier" pitchFamily="2" charset="0"/>
-              </a:rPr>
-              <a:t>url</a:t>
-            </a:r>
-            <a:r>
-              <a:rPr lang="en-AU" sz="1700" dirty="0">
-                <a:latin typeface="Courier" pitchFamily="2" charset="0"/>
-              </a:rPr>
-              <a:t>=http://localhost:8000</a:t>
-            </a:r>
-            <a:endParaRPr lang="en-US" dirty="0"/>
-          </a:p>
-        </p:txBody>
-      </p:sp>
-    </p:spTree>
-    <p:extLst>
-      <p:ext uri="{BB962C8B-B14F-4D97-AF65-F5344CB8AC3E}">
-        <p14:creationId xmlns:p14="http://schemas.microsoft.com/office/powerpoint/2010/main" val="4128354088"/>
-      </p:ext>
-    </p:extLst>
-  </p:cSld>
-  <p:clrMapOvr>
-    <a:masterClrMapping/>
-  </p:clrMapOvr>
-</p:sld>
-</file>
-
-<file path=ppt/slides/slide24.xml><?xml version="1.0" encoding="utf-8"?>
-<p:sld xmlns:a="http://schemas.openxmlformats.org/drawingml/2006/main" xmlns:r="http://schemas.openxmlformats.org/officeDocument/2006/relationships" xmlns:p="http://schemas.openxmlformats.org/presentationml/2006/main">
-  <p:cSld>
-    <p:spTree>
-      <p:nvGrpSpPr>
-        <p:cNvPr id="1" name=""/>
-        <p:cNvGrpSpPr/>
-        <p:nvPr/>
-      </p:nvGrpSpPr>
-      <p:grpSpPr>
-        <a:xfrm>
-          <a:off x="0" y="0"/>
-          <a:ext cx="0" cy="0"/>
-          <a:chOff x="0" y="0"/>
-          <a:chExt cx="0" cy="0"/>
-        </a:xfrm>
-      </p:grpSpPr>
-      <p:sp>
-        <p:nvSpPr>
-          <p:cNvPr id="2" name="Title 1"/>
-          <p:cNvSpPr>
-            <a:spLocks noGrp="1"/>
-          </p:cNvSpPr>
-          <p:nvPr>
-            <p:ph type="title"/>
-          </p:nvPr>
-        </p:nvSpPr>
-        <p:spPr/>
-        <p:txBody>
-          <a:bodyPr/>
-          <a:lstStyle/>
-          <a:p>
-            <a:r>
-              <a:rPr lang="en-US" dirty="0"/>
-              <a:t>Create Entries</a:t>
-            </a:r>
-          </a:p>
-        </p:txBody>
-      </p:sp>
-      <p:sp>
-        <p:nvSpPr>
-          <p:cNvPr id="5" name="TextBox 4">
-            <a:extLst>
-              <a:ext uri="{FF2B5EF4-FFF2-40B4-BE49-F238E27FC236}">
-                <a16:creationId xmlns:a16="http://schemas.microsoft.com/office/drawing/2014/main" id="{2A4057F6-1E23-584E-AE1D-3089F26B0C84}"/>
-              </a:ext>
-            </a:extLst>
-          </p:cNvPr>
-          <p:cNvSpPr txBox="1"/>
-          <p:nvPr/>
-        </p:nvSpPr>
-        <p:spPr>
-          <a:xfrm>
-            <a:off x="404027" y="1690688"/>
-            <a:ext cx="11254154" cy="3311676"/>
-          </a:xfrm>
-          <a:prstGeom prst="rect">
-            <a:avLst/>
-          </a:prstGeom>
-          <a:solidFill>
-            <a:schemeClr val="bg1">
-              <a:lumMod val="85000"/>
-              <a:alpha val="30000"/>
-            </a:schemeClr>
-          </a:solidFill>
-          <a:ln>
-            <a:solidFill>
-              <a:schemeClr val="tx1"/>
-            </a:solidFill>
-          </a:ln>
-        </p:spPr>
-        <p:txBody>
-          <a:bodyPr wrap="square" rtlCol="0">
-            <a:spAutoFit/>
-          </a:bodyPr>
-          <a:lstStyle/>
-          <a:p>
-            <a:pPr marL="49213" lvl="2" algn="l"/>
-            <a:r>
-              <a:rPr lang="en-AU" sz="1600" dirty="0" err="1">
-                <a:latin typeface="Courier" pitchFamily="2" charset="0"/>
-              </a:rPr>
-              <a:t>aws</a:t>
-            </a:r>
-            <a:r>
-              <a:rPr lang="en-AU" sz="1600" dirty="0">
-                <a:latin typeface="Courier" pitchFamily="2" charset="0"/>
-              </a:rPr>
-              <a:t> </a:t>
-            </a:r>
-            <a:r>
-              <a:rPr lang="en-AU" sz="1600" dirty="0" err="1">
-                <a:latin typeface="Courier" pitchFamily="2" charset="0"/>
-              </a:rPr>
-              <a:t>dynamodb</a:t>
-            </a:r>
-            <a:r>
-              <a:rPr lang="en-AU" sz="1600" dirty="0">
-                <a:latin typeface="Courier" pitchFamily="2" charset="0"/>
-              </a:rPr>
-              <a:t> put-item \ </a:t>
-            </a:r>
-          </a:p>
-          <a:p>
-            <a:pPr marL="49213" lvl="2" algn="l"/>
-            <a:r>
-              <a:rPr lang="en-AU" sz="1600" i="1" dirty="0">
-                <a:latin typeface="Courier" pitchFamily="2" charset="0"/>
-              </a:rPr>
-              <a:t>  --table-name Music \</a:t>
-            </a:r>
-            <a:r>
-              <a:rPr lang="en-AU" sz="1600" dirty="0">
-                <a:latin typeface="Courier" pitchFamily="2" charset="0"/>
-              </a:rPr>
-              <a:t> </a:t>
-            </a:r>
-          </a:p>
-          <a:p>
-            <a:pPr marL="49213" lvl="2" algn="l"/>
-            <a:r>
-              <a:rPr lang="en-AU" sz="1600" i="1" dirty="0">
-                <a:latin typeface="Courier" pitchFamily="2" charset="0"/>
-              </a:rPr>
-              <a:t>  --item \</a:t>
-            </a:r>
-            <a:r>
-              <a:rPr lang="en-AU" sz="1600" dirty="0">
-                <a:latin typeface="Courier" pitchFamily="2" charset="0"/>
-              </a:rPr>
-              <a:t> '{"Artist": {"S": "No One You Know"}, "</a:t>
-            </a:r>
-            <a:r>
-              <a:rPr lang="en-AU" sz="1600" dirty="0" err="1">
-                <a:latin typeface="Courier" pitchFamily="2" charset="0"/>
-              </a:rPr>
-              <a:t>SongTitle</a:t>
-            </a:r>
-            <a:r>
-              <a:rPr lang="en-AU" sz="1600" dirty="0">
-                <a:latin typeface="Courier" pitchFamily="2" charset="0"/>
-              </a:rPr>
-              <a:t>": {"S": "Call Me Today"},  </a:t>
-            </a:r>
-          </a:p>
-          <a:p>
-            <a:pPr marL="49213" lvl="2" algn="l"/>
-            <a:r>
-              <a:rPr lang="en-AU" sz="1600" dirty="0">
-                <a:latin typeface="Courier" pitchFamily="2" charset="0"/>
-              </a:rPr>
-              <a:t>              "</a:t>
-            </a:r>
-            <a:r>
-              <a:rPr lang="en-AU" sz="1600" dirty="0" err="1">
-                <a:latin typeface="Courier" pitchFamily="2" charset="0"/>
-              </a:rPr>
-              <a:t>AlbumTitle</a:t>
-            </a:r>
-            <a:r>
-              <a:rPr lang="en-AU" sz="1600" dirty="0">
-                <a:latin typeface="Courier" pitchFamily="2" charset="0"/>
-              </a:rPr>
-              <a:t>": {"S": "Somewhat Famous"}}’ \ </a:t>
-            </a:r>
-          </a:p>
-          <a:p>
-            <a:pPr marL="49213" lvl="2" algn="l"/>
-            <a:r>
-              <a:rPr lang="en-AU" sz="1600" i="1" dirty="0">
-                <a:latin typeface="Courier" pitchFamily="2" charset="0"/>
-              </a:rPr>
-              <a:t>  --return-consumed-capacity TOTAL </a:t>
-            </a:r>
-            <a:r>
-              <a:rPr lang="en-AU" sz="1600" dirty="0">
-                <a:latin typeface="Courier" pitchFamily="2" charset="0"/>
-              </a:rPr>
-              <a:t>--endpoint-</a:t>
-            </a:r>
-            <a:r>
-              <a:rPr lang="en-AU" sz="1600" dirty="0" err="1">
-                <a:latin typeface="Courier" pitchFamily="2" charset="0"/>
-              </a:rPr>
-              <a:t>url</a:t>
-            </a:r>
-            <a:r>
-              <a:rPr lang="en-AU" sz="1600" dirty="0">
-                <a:latin typeface="Courier" pitchFamily="2" charset="0"/>
-              </a:rPr>
-              <a:t>=http://localhost:8000</a:t>
-            </a:r>
-            <a:endParaRPr lang="en-AU" sz="1600" i="1" dirty="0">
-              <a:latin typeface="Courier" pitchFamily="2" charset="0"/>
-            </a:endParaRPr>
-          </a:p>
-          <a:p>
-            <a:pPr marL="49213" lvl="2" algn="l"/>
-            <a:endParaRPr lang="en-AU" sz="1600" i="1" dirty="0">
-              <a:latin typeface="Courier" pitchFamily="2" charset="0"/>
-            </a:endParaRPr>
-          </a:p>
-          <a:p>
-            <a:pPr marL="49213" lvl="2" algn="l"/>
-            <a:r>
-              <a:rPr lang="en-AU" sz="1600" dirty="0" err="1">
-                <a:latin typeface="Courier" pitchFamily="2" charset="0"/>
-              </a:rPr>
-              <a:t>aws</a:t>
-            </a:r>
-            <a:r>
-              <a:rPr lang="en-AU" sz="1600" dirty="0">
-                <a:latin typeface="Courier" pitchFamily="2" charset="0"/>
-              </a:rPr>
-              <a:t> </a:t>
-            </a:r>
-            <a:r>
-              <a:rPr lang="en-AU" sz="1600" dirty="0" err="1">
-                <a:latin typeface="Courier" pitchFamily="2" charset="0"/>
-              </a:rPr>
-              <a:t>dynamodb</a:t>
-            </a:r>
-            <a:r>
-              <a:rPr lang="en-AU" sz="1600" dirty="0">
-                <a:latin typeface="Courier" pitchFamily="2" charset="0"/>
-              </a:rPr>
-              <a:t> put-item \ </a:t>
-            </a:r>
-          </a:p>
-          <a:p>
-            <a:pPr marL="49213" lvl="2" algn="l"/>
-            <a:r>
-              <a:rPr lang="en-AU" sz="1600" i="1" dirty="0">
-                <a:latin typeface="Courier" pitchFamily="2" charset="0"/>
-              </a:rPr>
-              <a:t>  --table-name Music \</a:t>
-            </a:r>
-            <a:r>
-              <a:rPr lang="en-AU" sz="1600" dirty="0">
-                <a:latin typeface="Courier" pitchFamily="2" charset="0"/>
-              </a:rPr>
-              <a:t> </a:t>
-            </a:r>
-          </a:p>
-          <a:p>
-            <a:pPr marL="49213" lvl="2" algn="l"/>
-            <a:r>
-              <a:rPr lang="en-AU" sz="1600" i="1" dirty="0">
-                <a:latin typeface="Courier" pitchFamily="2" charset="0"/>
-              </a:rPr>
-              <a:t>  --item '{</a:t>
-            </a:r>
-            <a:r>
-              <a:rPr lang="en-AU" sz="1600" dirty="0">
-                <a:latin typeface="Courier" pitchFamily="2" charset="0"/>
-              </a:rPr>
-              <a:t>"Artist": {"S": "Acme Band"}, "</a:t>
-            </a:r>
-            <a:r>
-              <a:rPr lang="en-AU" sz="1600" dirty="0" err="1">
-                <a:latin typeface="Courier" pitchFamily="2" charset="0"/>
-              </a:rPr>
-              <a:t>SongTitle</a:t>
-            </a:r>
-            <a:r>
-              <a:rPr lang="en-AU" sz="1600" dirty="0">
-                <a:latin typeface="Courier" pitchFamily="2" charset="0"/>
-              </a:rPr>
-              <a:t>": {"S": "Happy Day"}, \ </a:t>
-            </a:r>
-          </a:p>
-          <a:p>
-            <a:pPr marL="49213" lvl="2" algn="l"/>
-            <a:r>
-              <a:rPr lang="en-AU" sz="1600" dirty="0">
-                <a:latin typeface="Courier" pitchFamily="2" charset="0"/>
-              </a:rPr>
-              <a:t>           "</a:t>
-            </a:r>
-            <a:r>
-              <a:rPr lang="en-AU" sz="1600" dirty="0" err="1">
-                <a:latin typeface="Courier" pitchFamily="2" charset="0"/>
-              </a:rPr>
-              <a:t>AlbumTitle</a:t>
-            </a:r>
-            <a:r>
-              <a:rPr lang="en-AU" sz="1600" dirty="0">
-                <a:latin typeface="Courier" pitchFamily="2" charset="0"/>
-              </a:rPr>
-              <a:t>": {"S": "Songs About Life"} }’ \ </a:t>
-            </a:r>
-          </a:p>
-          <a:p>
-            <a:pPr marL="49213" lvl="2" algn="l"/>
-            <a:r>
-              <a:rPr lang="en-AU" sz="1600" i="1" dirty="0">
-                <a:latin typeface="Courier" pitchFamily="2" charset="0"/>
-              </a:rPr>
-              <a:t>--return-consumed-capacity TOTAL</a:t>
-            </a:r>
-            <a:r>
-              <a:rPr lang="en-AU" sz="1600" dirty="0">
-                <a:latin typeface="Courier" pitchFamily="2" charset="0"/>
-              </a:rPr>
-              <a:t>  </a:t>
-            </a:r>
-            <a:r>
-              <a:rPr lang="en-AU" sz="1700" dirty="0">
-                <a:latin typeface="Courier" pitchFamily="2" charset="0"/>
-              </a:rPr>
-              <a:t>--endpoint-</a:t>
-            </a:r>
-            <a:r>
-              <a:rPr lang="en-AU" sz="1700" dirty="0" err="1">
-                <a:latin typeface="Courier" pitchFamily="2" charset="0"/>
-              </a:rPr>
-              <a:t>url</a:t>
-            </a:r>
-            <a:r>
-              <a:rPr lang="en-AU" sz="1700" dirty="0">
-                <a:latin typeface="Courier" pitchFamily="2" charset="0"/>
-              </a:rPr>
-              <a:t>=http://localhost:8000</a:t>
-            </a:r>
-            <a:endParaRPr lang="en-US" dirty="0"/>
-          </a:p>
-        </p:txBody>
-      </p:sp>
-      <p:sp>
-        <p:nvSpPr>
-          <p:cNvPr id="6" name="TextBox 5">
-            <a:extLst>
-              <a:ext uri="{FF2B5EF4-FFF2-40B4-BE49-F238E27FC236}">
-                <a16:creationId xmlns:a16="http://schemas.microsoft.com/office/drawing/2014/main" id="{07019B9E-58C2-C042-9F1F-737047263B77}"/>
-              </a:ext>
-            </a:extLst>
-          </p:cNvPr>
-          <p:cNvSpPr txBox="1"/>
-          <p:nvPr/>
-        </p:nvSpPr>
-        <p:spPr>
-          <a:xfrm>
-            <a:off x="404027" y="5660052"/>
-            <a:ext cx="11254154" cy="667875"/>
-          </a:xfrm>
-          <a:prstGeom prst="rect">
-            <a:avLst/>
-          </a:prstGeom>
-          <a:solidFill>
-            <a:schemeClr val="bg1">
-              <a:lumMod val="85000"/>
-              <a:alpha val="30000"/>
-            </a:schemeClr>
-          </a:solidFill>
-          <a:ln>
-            <a:solidFill>
-              <a:schemeClr val="tx1"/>
-            </a:solidFill>
-          </a:ln>
-        </p:spPr>
-        <p:txBody>
-          <a:bodyPr wrap="square" rtlCol="0">
-            <a:spAutoFit/>
-          </a:bodyPr>
-          <a:lstStyle/>
-          <a:p>
-            <a:pPr marL="49213" lvl="2" algn="l"/>
-            <a:r>
-              <a:rPr lang="en-AU" sz="1700" dirty="0" err="1">
-                <a:latin typeface="Courier" pitchFamily="2" charset="0"/>
-              </a:rPr>
-              <a:t>aws</a:t>
-            </a:r>
-            <a:r>
-              <a:rPr lang="en-AU" sz="1700" dirty="0">
-                <a:latin typeface="Courier" pitchFamily="2" charset="0"/>
-              </a:rPr>
-              <a:t> </a:t>
-            </a:r>
-            <a:r>
-              <a:rPr lang="en-AU" sz="1700" dirty="0" err="1">
-                <a:latin typeface="Courier" pitchFamily="2" charset="0"/>
-              </a:rPr>
-              <a:t>dynamodb</a:t>
-            </a:r>
-            <a:r>
-              <a:rPr lang="en-AU" sz="1700" dirty="0">
-                <a:latin typeface="Courier" pitchFamily="2" charset="0"/>
-              </a:rPr>
-              <a:t> scan --table-name Music \</a:t>
-            </a:r>
-          </a:p>
-          <a:p>
-            <a:pPr marL="7938" lvl="2" algn="l"/>
-            <a:r>
-              <a:rPr lang="en-AU" sz="1700" dirty="0">
-                <a:latin typeface="Courier" pitchFamily="2" charset="0"/>
-              </a:rPr>
-              <a:t>  --endpoint-</a:t>
-            </a:r>
-            <a:r>
-              <a:rPr lang="en-AU" sz="1700" dirty="0" err="1">
-                <a:latin typeface="Courier" pitchFamily="2" charset="0"/>
-              </a:rPr>
-              <a:t>url</a:t>
-            </a:r>
-            <a:r>
-              <a:rPr lang="en-AU" sz="1700" dirty="0">
-                <a:latin typeface="Courier" pitchFamily="2" charset="0"/>
-              </a:rPr>
-              <a:t>=http://localhost:8000</a:t>
-            </a:r>
-            <a:endParaRPr lang="en-US" dirty="0"/>
-          </a:p>
-        </p:txBody>
-      </p:sp>
-    </p:spTree>
-    <p:extLst>
-      <p:ext uri="{BB962C8B-B14F-4D97-AF65-F5344CB8AC3E}">
-        <p14:creationId xmlns:p14="http://schemas.microsoft.com/office/powerpoint/2010/main" val="1375391937"/>
-      </p:ext>
-    </p:extLst>
-  </p:cSld>
-  <p:clrMapOvr>
-    <a:masterClrMapping/>
-  </p:clrMapOvr>
-</p:sld>
-</file>
-
-<file path=ppt/slides/slide25.xml><?xml version="1.0" encoding="utf-8"?>
-<p:sld xmlns:a="http://schemas.openxmlformats.org/drawingml/2006/main" xmlns:r="http://schemas.openxmlformats.org/officeDocument/2006/relationships" xmlns:p="http://schemas.openxmlformats.org/presentationml/2006/main">
-  <p:cSld>
-    <p:spTree>
-      <p:nvGrpSpPr>
-        <p:cNvPr id="1" name=""/>
-        <p:cNvGrpSpPr/>
-        <p:nvPr/>
-      </p:nvGrpSpPr>
-      <p:grpSpPr>
-        <a:xfrm>
-          <a:off x="0" y="0"/>
-          <a:ext cx="0" cy="0"/>
-          <a:chOff x="0" y="0"/>
-          <a:chExt cx="0" cy="0"/>
-        </a:xfrm>
-      </p:grpSpPr>
-      <p:sp>
-        <p:nvSpPr>
-          <p:cNvPr id="2" name="Title 1"/>
-          <p:cNvSpPr>
-            <a:spLocks noGrp="1"/>
-          </p:cNvSpPr>
-          <p:nvPr>
-            <p:ph type="title"/>
-          </p:nvPr>
-        </p:nvSpPr>
-        <p:spPr/>
-        <p:txBody>
-          <a:bodyPr/>
-          <a:lstStyle/>
-          <a:p>
-            <a:r>
-              <a:rPr lang="en-US" dirty="0"/>
-              <a:t>Query</a:t>
-            </a:r>
-          </a:p>
-        </p:txBody>
-      </p:sp>
-      <p:sp>
-        <p:nvSpPr>
-          <p:cNvPr id="5" name="TextBox 4">
-            <a:extLst>
-              <a:ext uri="{FF2B5EF4-FFF2-40B4-BE49-F238E27FC236}">
-                <a16:creationId xmlns:a16="http://schemas.microsoft.com/office/drawing/2014/main" id="{2A4057F6-1E23-584E-AE1D-3089F26B0C84}"/>
-              </a:ext>
-            </a:extLst>
-          </p:cNvPr>
-          <p:cNvSpPr txBox="1"/>
-          <p:nvPr/>
-        </p:nvSpPr>
-        <p:spPr>
-          <a:xfrm>
-            <a:off x="404027" y="1690688"/>
-            <a:ext cx="11254154" cy="2111347"/>
-          </a:xfrm>
-          <a:prstGeom prst="rect">
-            <a:avLst/>
-          </a:prstGeom>
-          <a:solidFill>
-            <a:schemeClr val="bg1">
-              <a:lumMod val="85000"/>
-              <a:alpha val="30000"/>
-            </a:schemeClr>
-          </a:solidFill>
-          <a:ln>
-            <a:solidFill>
-              <a:schemeClr val="tx1"/>
-            </a:solidFill>
-          </a:ln>
-        </p:spPr>
-        <p:txBody>
-          <a:bodyPr wrap="square" rtlCol="0">
-            <a:spAutoFit/>
-          </a:bodyPr>
-          <a:lstStyle/>
-          <a:p>
-            <a:pPr marL="49213" lvl="2" algn="l"/>
-            <a:r>
-              <a:rPr lang="en-AU" sz="1600" dirty="0">
-                <a:latin typeface="Courier" pitchFamily="2" charset="0"/>
-              </a:rPr>
-              <a:t>{ "Artist": { "</a:t>
-            </a:r>
-            <a:r>
-              <a:rPr lang="en-AU" sz="1600" dirty="0" err="1">
-                <a:latin typeface="Courier" pitchFamily="2" charset="0"/>
-              </a:rPr>
-              <a:t>AttributeValueList</a:t>
-            </a:r>
-            <a:r>
-              <a:rPr lang="en-AU" sz="1600" dirty="0">
-                <a:latin typeface="Courier" pitchFamily="2" charset="0"/>
-              </a:rPr>
-              <a:t>": [{ "S": "No One You Know" } ], </a:t>
-            </a:r>
-          </a:p>
-          <a:p>
-            <a:pPr marL="49213" lvl="2" algn="l"/>
-            <a:r>
-              <a:rPr lang="en-AU" sz="1600" dirty="0">
-                <a:latin typeface="Courier" pitchFamily="2" charset="0"/>
-              </a:rPr>
-              <a:t>              "</a:t>
-            </a:r>
-            <a:r>
-              <a:rPr lang="en-AU" sz="1600" dirty="0" err="1">
-                <a:latin typeface="Courier" pitchFamily="2" charset="0"/>
-              </a:rPr>
-              <a:t>ComparisonOperator</a:t>
-            </a:r>
-            <a:r>
-              <a:rPr lang="en-AU" sz="1600" dirty="0">
-                <a:latin typeface="Courier" pitchFamily="2" charset="0"/>
-              </a:rPr>
-              <a:t>": "EQ" </a:t>
-            </a:r>
-          </a:p>
-          <a:p>
-            <a:pPr marL="49213" lvl="2" algn="l"/>
-            <a:r>
-              <a:rPr lang="en-AU" sz="1600" dirty="0">
-                <a:latin typeface="Courier" pitchFamily="2" charset="0"/>
-              </a:rPr>
-              <a:t>            }, </a:t>
-            </a:r>
-          </a:p>
-          <a:p>
-            <a:pPr marL="49213" lvl="2" algn="l"/>
-            <a:r>
-              <a:rPr lang="en-AU" sz="1600" dirty="0">
-                <a:latin typeface="Courier" pitchFamily="2" charset="0"/>
-              </a:rPr>
-              <a:t>  "</a:t>
-            </a:r>
-            <a:r>
-              <a:rPr lang="en-AU" sz="1600" dirty="0" err="1">
-                <a:latin typeface="Courier" pitchFamily="2" charset="0"/>
-              </a:rPr>
-              <a:t>SongTitle</a:t>
-            </a:r>
-            <a:r>
-              <a:rPr lang="en-AU" sz="1600" dirty="0">
-                <a:latin typeface="Courier" pitchFamily="2" charset="0"/>
-              </a:rPr>
-              <a:t>": { "</a:t>
-            </a:r>
-            <a:r>
-              <a:rPr lang="en-AU" sz="1600" dirty="0" err="1">
-                <a:latin typeface="Courier" pitchFamily="2" charset="0"/>
-              </a:rPr>
-              <a:t>AttributeValueList</a:t>
-            </a:r>
-            <a:r>
-              <a:rPr lang="en-AU" sz="1600" dirty="0">
-                <a:latin typeface="Courier" pitchFamily="2" charset="0"/>
-              </a:rPr>
-              <a:t>": [{ "S": "Call Me Today" } ], </a:t>
-            </a:r>
-          </a:p>
-          <a:p>
-            <a:pPr marL="49213" lvl="2" algn="l"/>
-            <a:r>
-              <a:rPr lang="en-AU" sz="1600" dirty="0">
-                <a:latin typeface="Courier" pitchFamily="2" charset="0"/>
-              </a:rPr>
-              <a:t>              "</a:t>
-            </a:r>
-            <a:r>
-              <a:rPr lang="en-AU" sz="1600" dirty="0" err="1">
-                <a:latin typeface="Courier" pitchFamily="2" charset="0"/>
-              </a:rPr>
-              <a:t>ComparisonOperator</a:t>
-            </a:r>
-            <a:r>
-              <a:rPr lang="en-AU" sz="1600" dirty="0">
-                <a:latin typeface="Courier" pitchFamily="2" charset="0"/>
-              </a:rPr>
-              <a:t>": "EQ" </a:t>
-            </a:r>
-          </a:p>
-          <a:p>
-            <a:pPr marL="49213" lvl="2" algn="l"/>
-            <a:r>
-              <a:rPr lang="en-AU" sz="1600" dirty="0">
-                <a:latin typeface="Courier" pitchFamily="2" charset="0"/>
-              </a:rPr>
-              <a:t>               } </a:t>
-            </a:r>
-          </a:p>
-          <a:p>
-            <a:pPr marL="49213" lvl="2" algn="l"/>
-            <a:r>
-              <a:rPr lang="en-AU" sz="1600" dirty="0">
-                <a:latin typeface="Courier" pitchFamily="2" charset="0"/>
-              </a:rPr>
-              <a:t>}</a:t>
-            </a:r>
-            <a:endParaRPr lang="en-US" sz="1600" dirty="0">
-              <a:latin typeface="Courier" pitchFamily="2" charset="0"/>
-            </a:endParaRPr>
-          </a:p>
-        </p:txBody>
-      </p:sp>
-      <p:sp>
-        <p:nvSpPr>
-          <p:cNvPr id="6" name="TextBox 5">
-            <a:extLst>
-              <a:ext uri="{FF2B5EF4-FFF2-40B4-BE49-F238E27FC236}">
-                <a16:creationId xmlns:a16="http://schemas.microsoft.com/office/drawing/2014/main" id="{07019B9E-58C2-C042-9F1F-737047263B77}"/>
-              </a:ext>
-            </a:extLst>
-          </p:cNvPr>
-          <p:cNvSpPr txBox="1"/>
-          <p:nvPr/>
-        </p:nvSpPr>
-        <p:spPr>
-          <a:xfrm>
-            <a:off x="404027" y="4142751"/>
-            <a:ext cx="11254154" cy="667875"/>
-          </a:xfrm>
-          <a:prstGeom prst="rect">
-            <a:avLst/>
-          </a:prstGeom>
-          <a:solidFill>
-            <a:schemeClr val="bg1">
-              <a:lumMod val="85000"/>
-              <a:alpha val="30000"/>
-            </a:schemeClr>
-          </a:solidFill>
-          <a:ln>
-            <a:solidFill>
-              <a:schemeClr val="tx1"/>
-            </a:solidFill>
-          </a:ln>
-        </p:spPr>
-        <p:txBody>
-          <a:bodyPr wrap="square" rtlCol="0">
-            <a:spAutoFit/>
-          </a:bodyPr>
-          <a:lstStyle/>
-          <a:p>
-            <a:pPr marL="49213" lvl="2" algn="l"/>
-            <a:r>
-              <a:rPr lang="en-AU" sz="1700" dirty="0" err="1">
-                <a:latin typeface="Courier" pitchFamily="2" charset="0"/>
-              </a:rPr>
-              <a:t>aws</a:t>
-            </a:r>
-            <a:r>
-              <a:rPr lang="en-AU" sz="1700" dirty="0">
-                <a:latin typeface="Courier" pitchFamily="2" charset="0"/>
-              </a:rPr>
-              <a:t> </a:t>
-            </a:r>
-            <a:r>
-              <a:rPr lang="en-AU" sz="1700" dirty="0" err="1">
-                <a:latin typeface="Courier" pitchFamily="2" charset="0"/>
-              </a:rPr>
-              <a:t>dynamodb</a:t>
-            </a:r>
-            <a:r>
-              <a:rPr lang="en-AU" sz="1700" dirty="0">
-                <a:latin typeface="Courier" pitchFamily="2" charset="0"/>
-              </a:rPr>
-              <a:t> query --table-name Music --key-conditions= </a:t>
-            </a:r>
-            <a:r>
-              <a:rPr lang="en-AU" sz="1700" dirty="0">
-                <a:latin typeface="Courier" pitchFamily="2" charset="0"/>
-                <a:hlinkClick r:id="rId3" invalidUrl="file:///"/>
-              </a:rPr>
-              <a:t>file://key-conditions.json</a:t>
-            </a:r>
-            <a:r>
-              <a:rPr lang="en-AU" sz="1700" dirty="0">
-                <a:latin typeface="Courier" pitchFamily="2" charset="0"/>
-              </a:rPr>
-              <a:t> \</a:t>
-            </a:r>
-          </a:p>
-          <a:p>
-            <a:pPr marL="7938" lvl="2" algn="l"/>
-            <a:r>
-              <a:rPr lang="en-AU" sz="1700" dirty="0">
-                <a:latin typeface="Courier" pitchFamily="2" charset="0"/>
-              </a:rPr>
-              <a:t>  --endpoint-</a:t>
-            </a:r>
-            <a:r>
-              <a:rPr lang="en-AU" sz="1700" dirty="0" err="1">
-                <a:latin typeface="Courier" pitchFamily="2" charset="0"/>
-              </a:rPr>
-              <a:t>url</a:t>
-            </a:r>
-            <a:r>
-              <a:rPr lang="en-AU" sz="1700" dirty="0">
-                <a:latin typeface="Courier" pitchFamily="2" charset="0"/>
-              </a:rPr>
-              <a:t>=http://localhost:8000</a:t>
-            </a:r>
-            <a:endParaRPr lang="en-US" dirty="0"/>
-          </a:p>
-        </p:txBody>
-      </p:sp>
-    </p:spTree>
-    <p:extLst>
-      <p:ext uri="{BB962C8B-B14F-4D97-AF65-F5344CB8AC3E}">
-        <p14:creationId xmlns:p14="http://schemas.microsoft.com/office/powerpoint/2010/main" val="160788833"/>
       </p:ext>
     </p:extLst>
   </p:cSld>
@@ -12848,6 +14016,179 @@
       </p:grpSpPr>
       <p:sp>
         <p:nvSpPr>
+          <p:cNvPr id="2" name="Title 1">
+            <a:extLst>
+              <a:ext uri="{FF2B5EF4-FFF2-40B4-BE49-F238E27FC236}">
+                <a16:creationId xmlns:a16="http://schemas.microsoft.com/office/drawing/2014/main" id="{4F19819F-C052-EA48-AF4A-97DF04512033}"/>
+              </a:ext>
+            </a:extLst>
+          </p:cNvPr>
+          <p:cNvSpPr>
+            <a:spLocks noGrp="1"/>
+          </p:cNvSpPr>
+          <p:nvPr>
+            <p:ph type="title"/>
+          </p:nvPr>
+        </p:nvSpPr>
+        <p:spPr/>
+        <p:txBody>
+          <a:bodyPr/>
+          <a:lstStyle/>
+          <a:p>
+            <a:r>
+              <a:rPr lang="en-US" dirty="0"/>
+              <a:t>Objects</a:t>
+            </a:r>
+          </a:p>
+        </p:txBody>
+      </p:sp>
+      <p:sp>
+        <p:nvSpPr>
+          <p:cNvPr id="3" name="Content Placeholder 2">
+            <a:extLst>
+              <a:ext uri="{FF2B5EF4-FFF2-40B4-BE49-F238E27FC236}">
+                <a16:creationId xmlns:a16="http://schemas.microsoft.com/office/drawing/2014/main" id="{CDDF3D8E-DAB3-1D4C-9C2E-2A64ADFCFA96}"/>
+              </a:ext>
+            </a:extLst>
+          </p:cNvPr>
+          <p:cNvSpPr>
+            <a:spLocks noGrp="1"/>
+          </p:cNvSpPr>
+          <p:nvPr>
+            <p:ph idx="1"/>
+          </p:nvPr>
+        </p:nvSpPr>
+        <p:spPr/>
+        <p:txBody>
+          <a:bodyPr/>
+          <a:lstStyle/>
+          <a:p>
+            <a:r>
+              <a:rPr lang="en-US" dirty="0"/>
+              <a:t>Have a unique id and a path to locate them</a:t>
+            </a:r>
+          </a:p>
+          <a:p>
+            <a:r>
+              <a:rPr lang="en-US" dirty="0"/>
+              <a:t>Have permissions applied as to who can list, read and write them</a:t>
+            </a:r>
+          </a:p>
+          <a:p>
+            <a:r>
+              <a:rPr lang="en-US" dirty="0"/>
+              <a:t>Have a type (audio, video, data, </a:t>
+            </a:r>
+            <a:r>
+              <a:rPr lang="en-US" dirty="0" err="1"/>
+              <a:t>etc</a:t>
+            </a:r>
+            <a:r>
+              <a:rPr lang="en-US" dirty="0"/>
+              <a:t>)</a:t>
+            </a:r>
+          </a:p>
+          <a:p>
+            <a:r>
+              <a:rPr lang="en-US" dirty="0"/>
+              <a:t>Have a life cycle: Creation, storage, deletion</a:t>
+            </a:r>
+          </a:p>
+          <a:p>
+            <a:r>
+              <a:rPr lang="en-US" dirty="0"/>
+              <a:t>Storage can be determined by nature of access: frequent vs rare</a:t>
+            </a:r>
+          </a:p>
+        </p:txBody>
+      </p:sp>
+      <p:sp>
+        <p:nvSpPr>
+          <p:cNvPr id="4" name="Footer Placeholder 3">
+            <a:extLst>
+              <a:ext uri="{FF2B5EF4-FFF2-40B4-BE49-F238E27FC236}">
+                <a16:creationId xmlns:a16="http://schemas.microsoft.com/office/drawing/2014/main" id="{59AC6C2E-B73F-994E-B094-B89AE77C0D6A}"/>
+              </a:ext>
+            </a:extLst>
+          </p:cNvPr>
+          <p:cNvSpPr>
+            <a:spLocks noGrp="1"/>
+          </p:cNvSpPr>
+          <p:nvPr>
+            <p:ph type="ftr" sz="quarter" idx="11"/>
+          </p:nvPr>
+        </p:nvSpPr>
+        <p:spPr/>
+        <p:txBody>
+          <a:bodyPr/>
+          <a:lstStyle/>
+          <a:p>
+            <a:endParaRPr lang="en-GB" dirty="0"/>
+          </a:p>
+        </p:txBody>
+      </p:sp>
+      <p:sp>
+        <p:nvSpPr>
+          <p:cNvPr id="5" name="Slide Number Placeholder 4">
+            <a:extLst>
+              <a:ext uri="{FF2B5EF4-FFF2-40B4-BE49-F238E27FC236}">
+                <a16:creationId xmlns:a16="http://schemas.microsoft.com/office/drawing/2014/main" id="{A07039E2-2B52-F540-B519-8D3706308DEA}"/>
+              </a:ext>
+            </a:extLst>
+          </p:cNvPr>
+          <p:cNvSpPr>
+            <a:spLocks noGrp="1"/>
+          </p:cNvSpPr>
+          <p:nvPr>
+            <p:ph type="sldNum" sz="quarter" idx="12"/>
+          </p:nvPr>
+        </p:nvSpPr>
+        <p:spPr/>
+        <p:txBody>
+          <a:bodyPr/>
+          <a:lstStyle/>
+          <a:p>
+            <a:fld id="{05072F42-4DFA-4725-86F9-7594E4AB4EB5}" type="slidenum">
+              <a:rPr lang="en-GB" smtClean="0"/>
+              <a:pPr/>
+              <a:t>3</a:t>
+            </a:fld>
+            <a:endParaRPr lang="en-GB"/>
+          </a:p>
+        </p:txBody>
+      </p:sp>
+    </p:spTree>
+    <p:extLst>
+      <p:ext uri="{BB962C8B-B14F-4D97-AF65-F5344CB8AC3E}">
+        <p14:creationId xmlns:p14="http://schemas.microsoft.com/office/powerpoint/2010/main" val="2047333184"/>
+      </p:ext>
+    </p:extLst>
+  </p:cSld>
+  <p:clrMapOvr>
+    <a:masterClrMapping/>
+  </p:clrMapOvr>
+</p:sld>
+</file>
+
+<file path=ppt/slides/slide30.xml><?xml version="1.0" encoding="utf-8"?>
+<p:sld xmlns:a="http://schemas.openxmlformats.org/drawingml/2006/main" xmlns:r="http://schemas.openxmlformats.org/officeDocument/2006/relationships" xmlns:p="http://schemas.openxmlformats.org/presentationml/2006/main">
+  <p:cSld>
+    <p:spTree>
+      <p:nvGrpSpPr>
+        <p:cNvPr id="1" name=""/>
+        <p:cNvGrpSpPr/>
+        <p:nvPr/>
+      </p:nvGrpSpPr>
+      <p:grpSpPr>
+        <a:xfrm>
+          <a:off x="0" y="0"/>
+          <a:ext cx="0" cy="0"/>
+          <a:chOff x="0" y="0"/>
+          <a:chExt cx="0" cy="0"/>
+        </a:xfrm>
+      </p:grpSpPr>
+      <p:sp>
+        <p:nvSpPr>
           <p:cNvPr id="2" name="Title 1"/>
           <p:cNvSpPr>
             <a:spLocks noGrp="1"/>
@@ -12863,7 +14204,7 @@
           <a:p>
             <a:r>
               <a:rPr lang="en-US" dirty="0"/>
-              <a:t>Creating a bucket</a:t>
+              <a:t>Example</a:t>
             </a:r>
           </a:p>
         </p:txBody>
@@ -12890,101 +14231,1286 @@
           </a:bodyPr>
           <a:lstStyle/>
           <a:p>
-            <a:pPr>
-              <a:defRPr/>
-            </a:pPr>
             <a:r>
               <a:rPr lang="en-AU" dirty="0"/>
-              <a:t>Provide a unique bucket name</a:t>
-            </a:r>
-          </a:p>
-          <a:p>
-            <a:pPr>
-              <a:defRPr/>
-            </a:pPr>
+              <a:t>Setting up a local </a:t>
+            </a:r>
+            <a:r>
+              <a:rPr lang="en-AU" dirty="0" err="1"/>
+              <a:t>DynamoDB</a:t>
+            </a:r>
+            <a:endParaRPr lang="en-AU" dirty="0"/>
+          </a:p>
+          <a:p>
+            <a:pPr lvl="1"/>
             <a:r>
               <a:rPr lang="en-AU" dirty="0"/>
-              <a:t>Select:</a:t>
-            </a:r>
-          </a:p>
-          <a:p>
-            <a:pPr lvl="1">
-              <a:defRPr/>
-            </a:pPr>
+              <a:t>From a terminal:</a:t>
+            </a:r>
+          </a:p>
+          <a:p>
+            <a:pPr lvl="2"/>
+            <a:r>
+              <a:rPr lang="en-AU" dirty="0" err="1"/>
+              <a:t>mkdir</a:t>
+            </a:r>
             <a:r>
               <a:rPr lang="en-AU" dirty="0"/>
-              <a:t>Region</a:t>
-            </a:r>
-          </a:p>
-          <a:p>
-            <a:pPr lvl="1">
-              <a:defRPr/>
-            </a:pPr>
+              <a:t> </a:t>
+            </a:r>
+            <a:r>
+              <a:rPr lang="en-AU" dirty="0" err="1"/>
+              <a:t>dynamodb</a:t>
+            </a:r>
             <a:r>
               <a:rPr lang="en-AU" dirty="0"/>
-              <a:t>Versioning</a:t>
-            </a:r>
-          </a:p>
-          <a:p>
-            <a:pPr lvl="1">
-              <a:defRPr/>
-            </a:pPr>
+              <a:t>; cd </a:t>
+            </a:r>
+            <a:r>
+              <a:rPr lang="en-AU" dirty="0" err="1"/>
+              <a:t>dynamodb</a:t>
+            </a:r>
+            <a:endParaRPr lang="en-AU" dirty="0"/>
+          </a:p>
+          <a:p>
+            <a:pPr lvl="2"/>
             <a:r>
               <a:rPr lang="en-AU" dirty="0"/>
-              <a:t>Server access logging</a:t>
-            </a:r>
-          </a:p>
-          <a:p>
-            <a:pPr lvl="1">
-              <a:defRPr/>
-            </a:pPr>
+              <a:t>install </a:t>
+            </a:r>
+            <a:r>
+              <a:rPr lang="en-AU" dirty="0" err="1"/>
+              <a:t>jre</a:t>
+            </a:r>
             <a:r>
               <a:rPr lang="en-AU" dirty="0"/>
-              <a:t>Tags</a:t>
-            </a:r>
-          </a:p>
-          <a:p>
-            <a:pPr lvl="1">
-              <a:defRPr/>
-            </a:pPr>
+              <a:t> if not done (</a:t>
+            </a:r>
+            <a:r>
+              <a:rPr lang="en-AU" dirty="0" err="1"/>
+              <a:t>sudo</a:t>
+            </a:r>
             <a:r>
               <a:rPr lang="en-AU" dirty="0"/>
-              <a:t>Object-level logging</a:t>
-            </a:r>
-          </a:p>
-          <a:p>
-            <a:pPr lvl="1">
-              <a:defRPr/>
-            </a:pPr>
+              <a:t> apt-get install default-</a:t>
+            </a:r>
+            <a:r>
+              <a:rPr lang="en-AU" dirty="0" err="1"/>
+              <a:t>jre</a:t>
+            </a:r>
             <a:r>
               <a:rPr lang="en-AU" dirty="0"/>
-              <a:t>Encryption</a:t>
-            </a:r>
-          </a:p>
-          <a:p>
-            <a:pPr lvl="2">
-              <a:defRPr/>
-            </a:pPr>
+              <a:t>)</a:t>
+            </a:r>
+          </a:p>
+          <a:p>
+            <a:pPr lvl="2"/>
+            <a:r>
+              <a:rPr lang="en-AU" dirty="0" err="1"/>
+              <a:t>wget</a:t>
+            </a:r>
             <a:r>
               <a:rPr lang="en-AU" dirty="0"/>
-              <a:t>SSE-S3 (AES-256)</a:t>
-            </a:r>
-          </a:p>
-          <a:p>
-            <a:pPr lvl="2">
-              <a:defRPr/>
-            </a:pPr>
+              <a:t> </a:t>
+            </a:r>
+            <a:r>
+              <a:rPr lang="en-AU" dirty="0">
+                <a:hlinkClick r:id="rId3"/>
+              </a:rPr>
+              <a:t>https://s3-ap-northeast-1.amazonaws.com/dynamodb-local-tokyo/dynamodb_local_latest.tar.gz</a:t>
+            </a:r>
+            <a:endParaRPr lang="en-AU" dirty="0"/>
+          </a:p>
+          <a:p>
+            <a:pPr lvl="2"/>
             <a:r>
               <a:rPr lang="en-AU" dirty="0"/>
-              <a:t>SSE-KMS</a:t>
-            </a:r>
+              <a:t>java -</a:t>
+            </a:r>
+            <a:r>
+              <a:rPr lang="en-AU" dirty="0" err="1"/>
+              <a:t>Djava.library.path</a:t>
+            </a:r>
+            <a:r>
+              <a:rPr lang="en-AU" dirty="0"/>
+              <a:t>=./</a:t>
+            </a:r>
+            <a:r>
+              <a:rPr lang="en-AU" dirty="0" err="1"/>
+              <a:t>DynamoDBLocal_lib</a:t>
+            </a:r>
+            <a:r>
+              <a:rPr lang="en-AU" dirty="0"/>
+              <a:t> -jar </a:t>
+            </a:r>
+            <a:r>
+              <a:rPr lang="en-AU" dirty="0" err="1"/>
+              <a:t>DynamoDBLocal.jar</a:t>
+            </a:r>
+            <a:r>
+              <a:rPr lang="en-AU" dirty="0"/>
+              <a:t> –</a:t>
+            </a:r>
+            <a:r>
+              <a:rPr lang="en-AU" dirty="0" err="1"/>
+              <a:t>sharedDb</a:t>
+            </a:r>
+            <a:endParaRPr lang="en-AU" dirty="0"/>
+          </a:p>
+          <a:p>
+            <a:pPr lvl="1"/>
+            <a:r>
+              <a:rPr lang="en-AU" dirty="0"/>
+              <a:t>Start a new terminal</a:t>
+            </a:r>
+          </a:p>
+          <a:p>
+            <a:pPr lvl="1"/>
+            <a:endParaRPr lang="en-AU" dirty="0"/>
           </a:p>
         </p:txBody>
       </p:sp>
     </p:spTree>
     <p:extLst>
       <p:ext uri="{BB962C8B-B14F-4D97-AF65-F5344CB8AC3E}">
-        <p14:creationId xmlns:p14="http://schemas.microsoft.com/office/powerpoint/2010/main" val="3331513342"/>
+        <p14:creationId xmlns:p14="http://schemas.microsoft.com/office/powerpoint/2010/main" val="1576737635"/>
+      </p:ext>
+    </p:extLst>
+  </p:cSld>
+  <p:clrMapOvr>
+    <a:masterClrMapping/>
+  </p:clrMapOvr>
+</p:sld>
+</file>
+
+<file path=ppt/slides/slide31.xml><?xml version="1.0" encoding="utf-8"?>
+<p:sld xmlns:a="http://schemas.openxmlformats.org/drawingml/2006/main" xmlns:r="http://schemas.openxmlformats.org/officeDocument/2006/relationships" xmlns:p="http://schemas.openxmlformats.org/presentationml/2006/main">
+  <p:cSld>
+    <p:spTree>
+      <p:nvGrpSpPr>
+        <p:cNvPr id="1" name=""/>
+        <p:cNvGrpSpPr/>
+        <p:nvPr/>
+      </p:nvGrpSpPr>
+      <p:grpSpPr>
+        <a:xfrm>
+          <a:off x="0" y="0"/>
+          <a:ext cx="0" cy="0"/>
+          <a:chOff x="0" y="0"/>
+          <a:chExt cx="0" cy="0"/>
+        </a:xfrm>
+      </p:grpSpPr>
+      <p:sp>
+        <p:nvSpPr>
+          <p:cNvPr id="2" name="Title 1"/>
+          <p:cNvSpPr>
+            <a:spLocks noGrp="1"/>
+          </p:cNvSpPr>
+          <p:nvPr>
+            <p:ph type="title"/>
+          </p:nvPr>
+        </p:nvSpPr>
+        <p:spPr/>
+        <p:txBody>
+          <a:bodyPr/>
+          <a:lstStyle/>
+          <a:p>
+            <a:r>
+              <a:rPr lang="en-US" dirty="0"/>
+              <a:t>Create Table</a:t>
+            </a:r>
+          </a:p>
+        </p:txBody>
+      </p:sp>
+      <p:sp>
+        <p:nvSpPr>
+          <p:cNvPr id="5" name="TextBox 4">
+            <a:extLst>
+              <a:ext uri="{FF2B5EF4-FFF2-40B4-BE49-F238E27FC236}">
+                <a16:creationId xmlns:a16="http://schemas.microsoft.com/office/drawing/2014/main" id="{2A4057F6-1E23-584E-AE1D-3089F26B0C84}"/>
+              </a:ext>
+            </a:extLst>
+          </p:cNvPr>
+          <p:cNvSpPr txBox="1"/>
+          <p:nvPr/>
+        </p:nvSpPr>
+        <p:spPr>
+          <a:xfrm>
+            <a:off x="404027" y="1690688"/>
+            <a:ext cx="11254154" cy="2551468"/>
+          </a:xfrm>
+          <a:prstGeom prst="rect">
+            <a:avLst/>
+          </a:prstGeom>
+          <a:solidFill>
+            <a:schemeClr val="bg1">
+              <a:lumMod val="85000"/>
+              <a:alpha val="30000"/>
+            </a:schemeClr>
+          </a:solidFill>
+          <a:ln>
+            <a:solidFill>
+              <a:schemeClr val="tx1"/>
+            </a:solidFill>
+          </a:ln>
+        </p:spPr>
+        <p:txBody>
+          <a:bodyPr wrap="square" rtlCol="0">
+            <a:spAutoFit/>
+          </a:bodyPr>
+          <a:lstStyle/>
+          <a:p>
+            <a:pPr marL="49213" lvl="2" algn="l"/>
+            <a:r>
+              <a:rPr lang="en-AU" sz="1700" dirty="0" err="1">
+                <a:latin typeface="Courier" pitchFamily="2" charset="0"/>
+              </a:rPr>
+              <a:t>aws</a:t>
+            </a:r>
+            <a:r>
+              <a:rPr lang="en-AU" sz="1700" dirty="0">
+                <a:latin typeface="Courier" pitchFamily="2" charset="0"/>
+              </a:rPr>
+              <a:t> </a:t>
+            </a:r>
+            <a:r>
+              <a:rPr lang="en-AU" sz="1700" dirty="0" err="1">
+                <a:latin typeface="Courier" pitchFamily="2" charset="0"/>
+              </a:rPr>
+              <a:t>dynamodb</a:t>
+            </a:r>
+            <a:r>
+              <a:rPr lang="en-AU" sz="1700" dirty="0">
+                <a:latin typeface="Courier" pitchFamily="2" charset="0"/>
+              </a:rPr>
+              <a:t> create-table --table-name Music </a:t>
+            </a:r>
+          </a:p>
+          <a:p>
+            <a:pPr marL="49213" lvl="2" algn="l"/>
+            <a:r>
+              <a:rPr lang="en-AU" sz="1700" dirty="0">
+                <a:latin typeface="Courier" pitchFamily="2" charset="0"/>
+              </a:rPr>
+              <a:t>  --attribute-definitions \</a:t>
+            </a:r>
+          </a:p>
+          <a:p>
+            <a:pPr marL="49213" lvl="2" algn="l"/>
+            <a:r>
+              <a:rPr lang="en-AU" sz="1700" dirty="0">
+                <a:latin typeface="Courier" pitchFamily="2" charset="0"/>
+              </a:rPr>
+              <a:t>    </a:t>
+            </a:r>
+            <a:r>
+              <a:rPr lang="en-AU" sz="1700" dirty="0" err="1">
+                <a:latin typeface="Courier" pitchFamily="2" charset="0"/>
+              </a:rPr>
+              <a:t>AttributeName</a:t>
+            </a:r>
+            <a:r>
+              <a:rPr lang="en-AU" sz="1700" dirty="0">
+                <a:latin typeface="Courier" pitchFamily="2" charset="0"/>
+              </a:rPr>
+              <a:t>=</a:t>
+            </a:r>
+            <a:r>
+              <a:rPr lang="en-AU" sz="1700" dirty="0" err="1">
+                <a:latin typeface="Courier" pitchFamily="2" charset="0"/>
+              </a:rPr>
+              <a:t>Artist,AttributeType</a:t>
+            </a:r>
+            <a:r>
+              <a:rPr lang="en-AU" sz="1700" dirty="0">
+                <a:latin typeface="Courier" pitchFamily="2" charset="0"/>
+              </a:rPr>
+              <a:t>=S \</a:t>
+            </a:r>
+          </a:p>
+          <a:p>
+            <a:pPr marL="49213" lvl="2" algn="l"/>
+            <a:r>
+              <a:rPr lang="en-AU" sz="1700" dirty="0">
+                <a:latin typeface="Courier" pitchFamily="2" charset="0"/>
+              </a:rPr>
+              <a:t>    </a:t>
+            </a:r>
+            <a:r>
+              <a:rPr lang="en-AU" sz="1700" dirty="0" err="1">
+                <a:latin typeface="Courier" pitchFamily="2" charset="0"/>
+              </a:rPr>
+              <a:t>AttributeName</a:t>
+            </a:r>
+            <a:r>
+              <a:rPr lang="en-AU" sz="1700" dirty="0">
+                <a:latin typeface="Courier" pitchFamily="2" charset="0"/>
+              </a:rPr>
+              <a:t>=</a:t>
+            </a:r>
+            <a:r>
+              <a:rPr lang="en-AU" sz="1700" dirty="0" err="1">
+                <a:latin typeface="Courier" pitchFamily="2" charset="0"/>
+              </a:rPr>
+              <a:t>SongTitle,AttributeType</a:t>
+            </a:r>
+            <a:r>
+              <a:rPr lang="en-AU" sz="1700" dirty="0">
+                <a:latin typeface="Courier" pitchFamily="2" charset="0"/>
+              </a:rPr>
+              <a:t>=S </a:t>
+            </a:r>
+          </a:p>
+          <a:p>
+            <a:pPr marL="49213" lvl="2" algn="l"/>
+            <a:r>
+              <a:rPr lang="en-AU" sz="1700" dirty="0">
+                <a:latin typeface="Courier" pitchFamily="2" charset="0"/>
+              </a:rPr>
+              <a:t>  --key-schema </a:t>
+            </a:r>
+            <a:r>
+              <a:rPr lang="en-AU" sz="1700" dirty="0" err="1">
+                <a:latin typeface="Courier" pitchFamily="2" charset="0"/>
+              </a:rPr>
+              <a:t>AttributeName</a:t>
+            </a:r>
+            <a:r>
+              <a:rPr lang="en-AU" sz="1700" dirty="0">
+                <a:latin typeface="Courier" pitchFamily="2" charset="0"/>
+              </a:rPr>
+              <a:t>=</a:t>
+            </a:r>
+            <a:r>
+              <a:rPr lang="en-AU" sz="1700" dirty="0" err="1">
+                <a:latin typeface="Courier" pitchFamily="2" charset="0"/>
+              </a:rPr>
+              <a:t>Artist,KeyType</a:t>
+            </a:r>
+            <a:r>
+              <a:rPr lang="en-AU" sz="1700" dirty="0">
+                <a:latin typeface="Courier" pitchFamily="2" charset="0"/>
+              </a:rPr>
+              <a:t>=HASH \ </a:t>
+            </a:r>
+          </a:p>
+          <a:p>
+            <a:pPr marL="49213" lvl="2" algn="l"/>
+            <a:r>
+              <a:rPr lang="en-AU" sz="1700" dirty="0">
+                <a:latin typeface="Courier" pitchFamily="2" charset="0"/>
+              </a:rPr>
+              <a:t>               </a:t>
+            </a:r>
+            <a:r>
+              <a:rPr lang="en-AU" sz="1700" dirty="0" err="1">
+                <a:latin typeface="Courier" pitchFamily="2" charset="0"/>
+              </a:rPr>
+              <a:t>AttributeName</a:t>
+            </a:r>
+            <a:r>
+              <a:rPr lang="en-AU" sz="1700" dirty="0">
+                <a:latin typeface="Courier" pitchFamily="2" charset="0"/>
+              </a:rPr>
+              <a:t>=</a:t>
+            </a:r>
+            <a:r>
+              <a:rPr lang="en-AU" sz="1700" dirty="0" err="1">
+                <a:latin typeface="Courier" pitchFamily="2" charset="0"/>
+              </a:rPr>
+              <a:t>SongTitle,KeyType</a:t>
+            </a:r>
+            <a:r>
+              <a:rPr lang="en-AU" sz="1700" dirty="0">
+                <a:latin typeface="Courier" pitchFamily="2" charset="0"/>
+              </a:rPr>
+              <a:t>=RANGE  \</a:t>
+            </a:r>
+          </a:p>
+          <a:p>
+            <a:pPr marL="7938" lvl="2" algn="l"/>
+            <a:r>
+              <a:rPr lang="en-AU" sz="1700" dirty="0">
+                <a:latin typeface="Courier" pitchFamily="2" charset="0"/>
+              </a:rPr>
+              <a:t>  --provisioned-throughput </a:t>
+            </a:r>
+            <a:r>
+              <a:rPr lang="en-AU" sz="1700" dirty="0" err="1">
+                <a:latin typeface="Courier" pitchFamily="2" charset="0"/>
+              </a:rPr>
+              <a:t>ReadCapacityUnits</a:t>
+            </a:r>
+            <a:r>
+              <a:rPr lang="en-AU" sz="1700" dirty="0">
+                <a:latin typeface="Courier" pitchFamily="2" charset="0"/>
+              </a:rPr>
+              <a:t>=1,WriteCapacityUnits=1 \</a:t>
+            </a:r>
+          </a:p>
+          <a:p>
+            <a:pPr marL="7938" lvl="2" algn="l"/>
+            <a:r>
+              <a:rPr lang="en-AU" sz="1700" dirty="0">
+                <a:latin typeface="Courier" pitchFamily="2" charset="0"/>
+              </a:rPr>
+              <a:t>  --endpoint-</a:t>
+            </a:r>
+            <a:r>
+              <a:rPr lang="en-AU" sz="1700" dirty="0" err="1">
+                <a:latin typeface="Courier" pitchFamily="2" charset="0"/>
+              </a:rPr>
+              <a:t>url</a:t>
+            </a:r>
+            <a:r>
+              <a:rPr lang="en-AU" sz="1700" dirty="0">
+                <a:latin typeface="Courier" pitchFamily="2" charset="0"/>
+              </a:rPr>
+              <a:t>=http://localhost:8000</a:t>
+            </a:r>
+            <a:endParaRPr lang="en-US" dirty="0"/>
+          </a:p>
+        </p:txBody>
+      </p:sp>
+      <p:sp>
+        <p:nvSpPr>
+          <p:cNvPr id="6" name="TextBox 5">
+            <a:extLst>
+              <a:ext uri="{FF2B5EF4-FFF2-40B4-BE49-F238E27FC236}">
+                <a16:creationId xmlns:a16="http://schemas.microsoft.com/office/drawing/2014/main" id="{07019B9E-58C2-C042-9F1F-737047263B77}"/>
+              </a:ext>
+            </a:extLst>
+          </p:cNvPr>
+          <p:cNvSpPr txBox="1"/>
+          <p:nvPr/>
+        </p:nvSpPr>
+        <p:spPr>
+          <a:xfrm>
+            <a:off x="404027" y="4503001"/>
+            <a:ext cx="11254154" cy="667875"/>
+          </a:xfrm>
+          <a:prstGeom prst="rect">
+            <a:avLst/>
+          </a:prstGeom>
+          <a:solidFill>
+            <a:schemeClr val="bg1">
+              <a:lumMod val="85000"/>
+              <a:alpha val="30000"/>
+            </a:schemeClr>
+          </a:solidFill>
+          <a:ln>
+            <a:solidFill>
+              <a:schemeClr val="tx1"/>
+            </a:solidFill>
+          </a:ln>
+        </p:spPr>
+        <p:txBody>
+          <a:bodyPr wrap="square" rtlCol="0">
+            <a:spAutoFit/>
+          </a:bodyPr>
+          <a:lstStyle/>
+          <a:p>
+            <a:pPr marL="49213" lvl="2" algn="l"/>
+            <a:r>
+              <a:rPr lang="en-AU" sz="1700" dirty="0" err="1">
+                <a:latin typeface="Courier" pitchFamily="2" charset="0"/>
+              </a:rPr>
+              <a:t>aws</a:t>
+            </a:r>
+            <a:r>
+              <a:rPr lang="en-AU" sz="1700" dirty="0">
+                <a:latin typeface="Courier" pitchFamily="2" charset="0"/>
+              </a:rPr>
+              <a:t> </a:t>
+            </a:r>
+            <a:r>
+              <a:rPr lang="en-AU" sz="1700" dirty="0" err="1">
+                <a:latin typeface="Courier" pitchFamily="2" charset="0"/>
+              </a:rPr>
+              <a:t>dynamodb</a:t>
+            </a:r>
+            <a:r>
+              <a:rPr lang="en-AU" sz="1700" dirty="0">
+                <a:latin typeface="Courier" pitchFamily="2" charset="0"/>
+              </a:rPr>
+              <a:t> scan --table-name Music \</a:t>
+            </a:r>
+          </a:p>
+          <a:p>
+            <a:pPr marL="7938" lvl="2" algn="l"/>
+            <a:r>
+              <a:rPr lang="en-AU" sz="1700" dirty="0">
+                <a:latin typeface="Courier" pitchFamily="2" charset="0"/>
+              </a:rPr>
+              <a:t>  --endpoint-</a:t>
+            </a:r>
+            <a:r>
+              <a:rPr lang="en-AU" sz="1700" dirty="0" err="1">
+                <a:latin typeface="Courier" pitchFamily="2" charset="0"/>
+              </a:rPr>
+              <a:t>url</a:t>
+            </a:r>
+            <a:r>
+              <a:rPr lang="en-AU" sz="1700" dirty="0">
+                <a:latin typeface="Courier" pitchFamily="2" charset="0"/>
+              </a:rPr>
+              <a:t>=http://localhost:8000</a:t>
+            </a:r>
+            <a:endParaRPr lang="en-US" dirty="0"/>
+          </a:p>
+        </p:txBody>
+      </p:sp>
+    </p:spTree>
+    <p:extLst>
+      <p:ext uri="{BB962C8B-B14F-4D97-AF65-F5344CB8AC3E}">
+        <p14:creationId xmlns:p14="http://schemas.microsoft.com/office/powerpoint/2010/main" val="4128354088"/>
+      </p:ext>
+    </p:extLst>
+  </p:cSld>
+  <p:clrMapOvr>
+    <a:masterClrMapping/>
+  </p:clrMapOvr>
+</p:sld>
+</file>
+
+<file path=ppt/slides/slide32.xml><?xml version="1.0" encoding="utf-8"?>
+<p:sld xmlns:a="http://schemas.openxmlformats.org/drawingml/2006/main" xmlns:r="http://schemas.openxmlformats.org/officeDocument/2006/relationships" xmlns:p="http://schemas.openxmlformats.org/presentationml/2006/main">
+  <p:cSld>
+    <p:spTree>
+      <p:nvGrpSpPr>
+        <p:cNvPr id="1" name=""/>
+        <p:cNvGrpSpPr/>
+        <p:nvPr/>
+      </p:nvGrpSpPr>
+      <p:grpSpPr>
+        <a:xfrm>
+          <a:off x="0" y="0"/>
+          <a:ext cx="0" cy="0"/>
+          <a:chOff x="0" y="0"/>
+          <a:chExt cx="0" cy="0"/>
+        </a:xfrm>
+      </p:grpSpPr>
+      <p:sp>
+        <p:nvSpPr>
+          <p:cNvPr id="2" name="Title 1"/>
+          <p:cNvSpPr>
+            <a:spLocks noGrp="1"/>
+          </p:cNvSpPr>
+          <p:nvPr>
+            <p:ph type="title"/>
+          </p:nvPr>
+        </p:nvSpPr>
+        <p:spPr/>
+        <p:txBody>
+          <a:bodyPr/>
+          <a:lstStyle/>
+          <a:p>
+            <a:r>
+              <a:rPr lang="en-US" dirty="0"/>
+              <a:t>Create Entries</a:t>
+            </a:r>
+          </a:p>
+        </p:txBody>
+      </p:sp>
+      <p:sp>
+        <p:nvSpPr>
+          <p:cNvPr id="5" name="TextBox 4">
+            <a:extLst>
+              <a:ext uri="{FF2B5EF4-FFF2-40B4-BE49-F238E27FC236}">
+                <a16:creationId xmlns:a16="http://schemas.microsoft.com/office/drawing/2014/main" id="{2A4057F6-1E23-584E-AE1D-3089F26B0C84}"/>
+              </a:ext>
+            </a:extLst>
+          </p:cNvPr>
+          <p:cNvSpPr txBox="1"/>
+          <p:nvPr/>
+        </p:nvSpPr>
+        <p:spPr>
+          <a:xfrm>
+            <a:off x="404027" y="1690688"/>
+            <a:ext cx="11254154" cy="3311676"/>
+          </a:xfrm>
+          <a:prstGeom prst="rect">
+            <a:avLst/>
+          </a:prstGeom>
+          <a:solidFill>
+            <a:schemeClr val="bg1">
+              <a:lumMod val="85000"/>
+              <a:alpha val="30000"/>
+            </a:schemeClr>
+          </a:solidFill>
+          <a:ln>
+            <a:solidFill>
+              <a:schemeClr val="tx1"/>
+            </a:solidFill>
+          </a:ln>
+        </p:spPr>
+        <p:txBody>
+          <a:bodyPr wrap="square" rtlCol="0">
+            <a:spAutoFit/>
+          </a:bodyPr>
+          <a:lstStyle/>
+          <a:p>
+            <a:pPr marL="49213" lvl="2" algn="l"/>
+            <a:r>
+              <a:rPr lang="en-AU" sz="1600" dirty="0" err="1">
+                <a:latin typeface="Courier" pitchFamily="2" charset="0"/>
+              </a:rPr>
+              <a:t>aws</a:t>
+            </a:r>
+            <a:r>
+              <a:rPr lang="en-AU" sz="1600" dirty="0">
+                <a:latin typeface="Courier" pitchFamily="2" charset="0"/>
+              </a:rPr>
+              <a:t> </a:t>
+            </a:r>
+            <a:r>
+              <a:rPr lang="en-AU" sz="1600" dirty="0" err="1">
+                <a:latin typeface="Courier" pitchFamily="2" charset="0"/>
+              </a:rPr>
+              <a:t>dynamodb</a:t>
+            </a:r>
+            <a:r>
+              <a:rPr lang="en-AU" sz="1600" dirty="0">
+                <a:latin typeface="Courier" pitchFamily="2" charset="0"/>
+              </a:rPr>
+              <a:t> put-item \ </a:t>
+            </a:r>
+          </a:p>
+          <a:p>
+            <a:pPr marL="49213" lvl="2" algn="l"/>
+            <a:r>
+              <a:rPr lang="en-AU" sz="1600" i="1" dirty="0">
+                <a:latin typeface="Courier" pitchFamily="2" charset="0"/>
+              </a:rPr>
+              <a:t>  --table-name Music \</a:t>
+            </a:r>
+            <a:r>
+              <a:rPr lang="en-AU" sz="1600" dirty="0">
+                <a:latin typeface="Courier" pitchFamily="2" charset="0"/>
+              </a:rPr>
+              <a:t> </a:t>
+            </a:r>
+          </a:p>
+          <a:p>
+            <a:pPr marL="49213" lvl="2" algn="l"/>
+            <a:r>
+              <a:rPr lang="en-AU" sz="1600" i="1" dirty="0">
+                <a:latin typeface="Courier" pitchFamily="2" charset="0"/>
+              </a:rPr>
+              <a:t>  --item \</a:t>
+            </a:r>
+            <a:r>
+              <a:rPr lang="en-AU" sz="1600" dirty="0">
+                <a:latin typeface="Courier" pitchFamily="2" charset="0"/>
+              </a:rPr>
+              <a:t> '{"Artist": {"S": "No One You Know"}, "</a:t>
+            </a:r>
+            <a:r>
+              <a:rPr lang="en-AU" sz="1600" dirty="0" err="1">
+                <a:latin typeface="Courier" pitchFamily="2" charset="0"/>
+              </a:rPr>
+              <a:t>SongTitle</a:t>
+            </a:r>
+            <a:r>
+              <a:rPr lang="en-AU" sz="1600" dirty="0">
+                <a:latin typeface="Courier" pitchFamily="2" charset="0"/>
+              </a:rPr>
+              <a:t>": {"S": "Call Me Today"},  </a:t>
+            </a:r>
+          </a:p>
+          <a:p>
+            <a:pPr marL="49213" lvl="2" algn="l"/>
+            <a:r>
+              <a:rPr lang="en-AU" sz="1600" dirty="0">
+                <a:latin typeface="Courier" pitchFamily="2" charset="0"/>
+              </a:rPr>
+              <a:t>              "</a:t>
+            </a:r>
+            <a:r>
+              <a:rPr lang="en-AU" sz="1600" dirty="0" err="1">
+                <a:latin typeface="Courier" pitchFamily="2" charset="0"/>
+              </a:rPr>
+              <a:t>AlbumTitle</a:t>
+            </a:r>
+            <a:r>
+              <a:rPr lang="en-AU" sz="1600" dirty="0">
+                <a:latin typeface="Courier" pitchFamily="2" charset="0"/>
+              </a:rPr>
+              <a:t>": {"S": "Somewhat Famous"}}’ \ </a:t>
+            </a:r>
+          </a:p>
+          <a:p>
+            <a:pPr marL="49213" lvl="2" algn="l"/>
+            <a:r>
+              <a:rPr lang="en-AU" sz="1600" i="1" dirty="0">
+                <a:latin typeface="Courier" pitchFamily="2" charset="0"/>
+              </a:rPr>
+              <a:t>  --return-consumed-capacity TOTAL </a:t>
+            </a:r>
+            <a:r>
+              <a:rPr lang="en-AU" sz="1600" dirty="0">
+                <a:latin typeface="Courier" pitchFamily="2" charset="0"/>
+              </a:rPr>
+              <a:t>--endpoint-</a:t>
+            </a:r>
+            <a:r>
+              <a:rPr lang="en-AU" sz="1600" dirty="0" err="1">
+                <a:latin typeface="Courier" pitchFamily="2" charset="0"/>
+              </a:rPr>
+              <a:t>url</a:t>
+            </a:r>
+            <a:r>
+              <a:rPr lang="en-AU" sz="1600" dirty="0">
+                <a:latin typeface="Courier" pitchFamily="2" charset="0"/>
+              </a:rPr>
+              <a:t>=http://localhost:8000</a:t>
+            </a:r>
+            <a:endParaRPr lang="en-AU" sz="1600" i="1" dirty="0">
+              <a:latin typeface="Courier" pitchFamily="2" charset="0"/>
+            </a:endParaRPr>
+          </a:p>
+          <a:p>
+            <a:pPr marL="49213" lvl="2" algn="l"/>
+            <a:endParaRPr lang="en-AU" sz="1600" i="1" dirty="0">
+              <a:latin typeface="Courier" pitchFamily="2" charset="0"/>
+            </a:endParaRPr>
+          </a:p>
+          <a:p>
+            <a:pPr marL="49213" lvl="2" algn="l"/>
+            <a:r>
+              <a:rPr lang="en-AU" sz="1600" dirty="0" err="1">
+                <a:latin typeface="Courier" pitchFamily="2" charset="0"/>
+              </a:rPr>
+              <a:t>aws</a:t>
+            </a:r>
+            <a:r>
+              <a:rPr lang="en-AU" sz="1600" dirty="0">
+                <a:latin typeface="Courier" pitchFamily="2" charset="0"/>
+              </a:rPr>
+              <a:t> </a:t>
+            </a:r>
+            <a:r>
+              <a:rPr lang="en-AU" sz="1600" dirty="0" err="1">
+                <a:latin typeface="Courier" pitchFamily="2" charset="0"/>
+              </a:rPr>
+              <a:t>dynamodb</a:t>
+            </a:r>
+            <a:r>
+              <a:rPr lang="en-AU" sz="1600" dirty="0">
+                <a:latin typeface="Courier" pitchFamily="2" charset="0"/>
+              </a:rPr>
+              <a:t> put-item \ </a:t>
+            </a:r>
+          </a:p>
+          <a:p>
+            <a:pPr marL="49213" lvl="2" algn="l"/>
+            <a:r>
+              <a:rPr lang="en-AU" sz="1600" i="1" dirty="0">
+                <a:latin typeface="Courier" pitchFamily="2" charset="0"/>
+              </a:rPr>
+              <a:t>  --table-name Music \</a:t>
+            </a:r>
+            <a:r>
+              <a:rPr lang="en-AU" sz="1600" dirty="0">
+                <a:latin typeface="Courier" pitchFamily="2" charset="0"/>
+              </a:rPr>
+              <a:t> </a:t>
+            </a:r>
+          </a:p>
+          <a:p>
+            <a:pPr marL="49213" lvl="2" algn="l"/>
+            <a:r>
+              <a:rPr lang="en-AU" sz="1600" i="1" dirty="0">
+                <a:latin typeface="Courier" pitchFamily="2" charset="0"/>
+              </a:rPr>
+              <a:t>  --item '{</a:t>
+            </a:r>
+            <a:r>
+              <a:rPr lang="en-AU" sz="1600" dirty="0">
+                <a:latin typeface="Courier" pitchFamily="2" charset="0"/>
+              </a:rPr>
+              <a:t>"Artist": {"S": "Acme Band"}, "</a:t>
+            </a:r>
+            <a:r>
+              <a:rPr lang="en-AU" sz="1600" dirty="0" err="1">
+                <a:latin typeface="Courier" pitchFamily="2" charset="0"/>
+              </a:rPr>
+              <a:t>SongTitle</a:t>
+            </a:r>
+            <a:r>
+              <a:rPr lang="en-AU" sz="1600" dirty="0">
+                <a:latin typeface="Courier" pitchFamily="2" charset="0"/>
+              </a:rPr>
+              <a:t>": {"S": "Happy Day"}, \ </a:t>
+            </a:r>
+          </a:p>
+          <a:p>
+            <a:pPr marL="49213" lvl="2" algn="l"/>
+            <a:r>
+              <a:rPr lang="en-AU" sz="1600" dirty="0">
+                <a:latin typeface="Courier" pitchFamily="2" charset="0"/>
+              </a:rPr>
+              <a:t>           "</a:t>
+            </a:r>
+            <a:r>
+              <a:rPr lang="en-AU" sz="1600" dirty="0" err="1">
+                <a:latin typeface="Courier" pitchFamily="2" charset="0"/>
+              </a:rPr>
+              <a:t>AlbumTitle</a:t>
+            </a:r>
+            <a:r>
+              <a:rPr lang="en-AU" sz="1600" dirty="0">
+                <a:latin typeface="Courier" pitchFamily="2" charset="0"/>
+              </a:rPr>
+              <a:t>": {"S": "Songs About Life"} }’ \ </a:t>
+            </a:r>
+          </a:p>
+          <a:p>
+            <a:pPr marL="49213" lvl="2" algn="l"/>
+            <a:r>
+              <a:rPr lang="en-AU" sz="1600" i="1" dirty="0">
+                <a:latin typeface="Courier" pitchFamily="2" charset="0"/>
+              </a:rPr>
+              <a:t>--return-consumed-capacity TOTAL</a:t>
+            </a:r>
+            <a:r>
+              <a:rPr lang="en-AU" sz="1600" dirty="0">
+                <a:latin typeface="Courier" pitchFamily="2" charset="0"/>
+              </a:rPr>
+              <a:t>  </a:t>
+            </a:r>
+            <a:r>
+              <a:rPr lang="en-AU" sz="1700" dirty="0">
+                <a:latin typeface="Courier" pitchFamily="2" charset="0"/>
+              </a:rPr>
+              <a:t>--endpoint-</a:t>
+            </a:r>
+            <a:r>
+              <a:rPr lang="en-AU" sz="1700" dirty="0" err="1">
+                <a:latin typeface="Courier" pitchFamily="2" charset="0"/>
+              </a:rPr>
+              <a:t>url</a:t>
+            </a:r>
+            <a:r>
+              <a:rPr lang="en-AU" sz="1700" dirty="0">
+                <a:latin typeface="Courier" pitchFamily="2" charset="0"/>
+              </a:rPr>
+              <a:t>=http://localhost:8000</a:t>
+            </a:r>
+            <a:endParaRPr lang="en-US" dirty="0"/>
+          </a:p>
+        </p:txBody>
+      </p:sp>
+      <p:sp>
+        <p:nvSpPr>
+          <p:cNvPr id="6" name="TextBox 5">
+            <a:extLst>
+              <a:ext uri="{FF2B5EF4-FFF2-40B4-BE49-F238E27FC236}">
+                <a16:creationId xmlns:a16="http://schemas.microsoft.com/office/drawing/2014/main" id="{07019B9E-58C2-C042-9F1F-737047263B77}"/>
+              </a:ext>
+            </a:extLst>
+          </p:cNvPr>
+          <p:cNvSpPr txBox="1"/>
+          <p:nvPr/>
+        </p:nvSpPr>
+        <p:spPr>
+          <a:xfrm>
+            <a:off x="404027" y="5660052"/>
+            <a:ext cx="11254154" cy="667875"/>
+          </a:xfrm>
+          <a:prstGeom prst="rect">
+            <a:avLst/>
+          </a:prstGeom>
+          <a:solidFill>
+            <a:schemeClr val="bg1">
+              <a:lumMod val="85000"/>
+              <a:alpha val="30000"/>
+            </a:schemeClr>
+          </a:solidFill>
+          <a:ln>
+            <a:solidFill>
+              <a:schemeClr val="tx1"/>
+            </a:solidFill>
+          </a:ln>
+        </p:spPr>
+        <p:txBody>
+          <a:bodyPr wrap="square" rtlCol="0">
+            <a:spAutoFit/>
+          </a:bodyPr>
+          <a:lstStyle/>
+          <a:p>
+            <a:pPr marL="49213" lvl="2" algn="l"/>
+            <a:r>
+              <a:rPr lang="en-AU" sz="1700" dirty="0" err="1">
+                <a:latin typeface="Courier" pitchFamily="2" charset="0"/>
+              </a:rPr>
+              <a:t>aws</a:t>
+            </a:r>
+            <a:r>
+              <a:rPr lang="en-AU" sz="1700" dirty="0">
+                <a:latin typeface="Courier" pitchFamily="2" charset="0"/>
+              </a:rPr>
+              <a:t> </a:t>
+            </a:r>
+            <a:r>
+              <a:rPr lang="en-AU" sz="1700" dirty="0" err="1">
+                <a:latin typeface="Courier" pitchFamily="2" charset="0"/>
+              </a:rPr>
+              <a:t>dynamodb</a:t>
+            </a:r>
+            <a:r>
+              <a:rPr lang="en-AU" sz="1700" dirty="0">
+                <a:latin typeface="Courier" pitchFamily="2" charset="0"/>
+              </a:rPr>
+              <a:t> scan --table-name Music \</a:t>
+            </a:r>
+          </a:p>
+          <a:p>
+            <a:pPr marL="7938" lvl="2" algn="l"/>
+            <a:r>
+              <a:rPr lang="en-AU" sz="1700" dirty="0">
+                <a:latin typeface="Courier" pitchFamily="2" charset="0"/>
+              </a:rPr>
+              <a:t>  --endpoint-</a:t>
+            </a:r>
+            <a:r>
+              <a:rPr lang="en-AU" sz="1700" dirty="0" err="1">
+                <a:latin typeface="Courier" pitchFamily="2" charset="0"/>
+              </a:rPr>
+              <a:t>url</a:t>
+            </a:r>
+            <a:r>
+              <a:rPr lang="en-AU" sz="1700" dirty="0">
+                <a:latin typeface="Courier" pitchFamily="2" charset="0"/>
+              </a:rPr>
+              <a:t>=http://localhost:8000</a:t>
+            </a:r>
+            <a:endParaRPr lang="en-US" dirty="0"/>
+          </a:p>
+        </p:txBody>
+      </p:sp>
+    </p:spTree>
+    <p:extLst>
+      <p:ext uri="{BB962C8B-B14F-4D97-AF65-F5344CB8AC3E}">
+        <p14:creationId xmlns:p14="http://schemas.microsoft.com/office/powerpoint/2010/main" val="1375391937"/>
+      </p:ext>
+    </p:extLst>
+  </p:cSld>
+  <p:clrMapOvr>
+    <a:masterClrMapping/>
+  </p:clrMapOvr>
+</p:sld>
+</file>
+
+<file path=ppt/slides/slide33.xml><?xml version="1.0" encoding="utf-8"?>
+<p:sld xmlns:a="http://schemas.openxmlformats.org/drawingml/2006/main" xmlns:r="http://schemas.openxmlformats.org/officeDocument/2006/relationships" xmlns:p="http://schemas.openxmlformats.org/presentationml/2006/main">
+  <p:cSld>
+    <p:spTree>
+      <p:nvGrpSpPr>
+        <p:cNvPr id="1" name=""/>
+        <p:cNvGrpSpPr/>
+        <p:nvPr/>
+      </p:nvGrpSpPr>
+      <p:grpSpPr>
+        <a:xfrm>
+          <a:off x="0" y="0"/>
+          <a:ext cx="0" cy="0"/>
+          <a:chOff x="0" y="0"/>
+          <a:chExt cx="0" cy="0"/>
+        </a:xfrm>
+      </p:grpSpPr>
+      <p:sp>
+        <p:nvSpPr>
+          <p:cNvPr id="2" name="Title 1"/>
+          <p:cNvSpPr>
+            <a:spLocks noGrp="1"/>
+          </p:cNvSpPr>
+          <p:nvPr>
+            <p:ph type="title"/>
+          </p:nvPr>
+        </p:nvSpPr>
+        <p:spPr/>
+        <p:txBody>
+          <a:bodyPr/>
+          <a:lstStyle/>
+          <a:p>
+            <a:r>
+              <a:rPr lang="en-US" dirty="0"/>
+              <a:t>Query</a:t>
+            </a:r>
+          </a:p>
+        </p:txBody>
+      </p:sp>
+      <p:sp>
+        <p:nvSpPr>
+          <p:cNvPr id="5" name="TextBox 4">
+            <a:extLst>
+              <a:ext uri="{FF2B5EF4-FFF2-40B4-BE49-F238E27FC236}">
+                <a16:creationId xmlns:a16="http://schemas.microsoft.com/office/drawing/2014/main" id="{2A4057F6-1E23-584E-AE1D-3089F26B0C84}"/>
+              </a:ext>
+            </a:extLst>
+          </p:cNvPr>
+          <p:cNvSpPr txBox="1"/>
+          <p:nvPr/>
+        </p:nvSpPr>
+        <p:spPr>
+          <a:xfrm>
+            <a:off x="404027" y="1690688"/>
+            <a:ext cx="11254154" cy="2111347"/>
+          </a:xfrm>
+          <a:prstGeom prst="rect">
+            <a:avLst/>
+          </a:prstGeom>
+          <a:solidFill>
+            <a:schemeClr val="bg1">
+              <a:lumMod val="85000"/>
+              <a:alpha val="30000"/>
+            </a:schemeClr>
+          </a:solidFill>
+          <a:ln>
+            <a:solidFill>
+              <a:schemeClr val="tx1"/>
+            </a:solidFill>
+          </a:ln>
+        </p:spPr>
+        <p:txBody>
+          <a:bodyPr wrap="square" rtlCol="0">
+            <a:spAutoFit/>
+          </a:bodyPr>
+          <a:lstStyle/>
+          <a:p>
+            <a:pPr marL="49213" lvl="2" algn="l"/>
+            <a:r>
+              <a:rPr lang="en-AU" sz="1600" dirty="0">
+                <a:latin typeface="Courier" pitchFamily="2" charset="0"/>
+              </a:rPr>
+              <a:t>{ "Artist": { "</a:t>
+            </a:r>
+            <a:r>
+              <a:rPr lang="en-AU" sz="1600" dirty="0" err="1">
+                <a:latin typeface="Courier" pitchFamily="2" charset="0"/>
+              </a:rPr>
+              <a:t>AttributeValueList</a:t>
+            </a:r>
+            <a:r>
+              <a:rPr lang="en-AU" sz="1600" dirty="0">
+                <a:latin typeface="Courier" pitchFamily="2" charset="0"/>
+              </a:rPr>
+              <a:t>": [{ "S": "No One You Know" } ], </a:t>
+            </a:r>
+          </a:p>
+          <a:p>
+            <a:pPr marL="49213" lvl="2" algn="l"/>
+            <a:r>
+              <a:rPr lang="en-AU" sz="1600" dirty="0">
+                <a:latin typeface="Courier" pitchFamily="2" charset="0"/>
+              </a:rPr>
+              <a:t>              "</a:t>
+            </a:r>
+            <a:r>
+              <a:rPr lang="en-AU" sz="1600" dirty="0" err="1">
+                <a:latin typeface="Courier" pitchFamily="2" charset="0"/>
+              </a:rPr>
+              <a:t>ComparisonOperator</a:t>
+            </a:r>
+            <a:r>
+              <a:rPr lang="en-AU" sz="1600" dirty="0">
+                <a:latin typeface="Courier" pitchFamily="2" charset="0"/>
+              </a:rPr>
+              <a:t>": "EQ" </a:t>
+            </a:r>
+          </a:p>
+          <a:p>
+            <a:pPr marL="49213" lvl="2" algn="l"/>
+            <a:r>
+              <a:rPr lang="en-AU" sz="1600" dirty="0">
+                <a:latin typeface="Courier" pitchFamily="2" charset="0"/>
+              </a:rPr>
+              <a:t>            }, </a:t>
+            </a:r>
+          </a:p>
+          <a:p>
+            <a:pPr marL="49213" lvl="2" algn="l"/>
+            <a:r>
+              <a:rPr lang="en-AU" sz="1600" dirty="0">
+                <a:latin typeface="Courier" pitchFamily="2" charset="0"/>
+              </a:rPr>
+              <a:t>  "</a:t>
+            </a:r>
+            <a:r>
+              <a:rPr lang="en-AU" sz="1600" dirty="0" err="1">
+                <a:latin typeface="Courier" pitchFamily="2" charset="0"/>
+              </a:rPr>
+              <a:t>SongTitle</a:t>
+            </a:r>
+            <a:r>
+              <a:rPr lang="en-AU" sz="1600" dirty="0">
+                <a:latin typeface="Courier" pitchFamily="2" charset="0"/>
+              </a:rPr>
+              <a:t>": { "</a:t>
+            </a:r>
+            <a:r>
+              <a:rPr lang="en-AU" sz="1600" dirty="0" err="1">
+                <a:latin typeface="Courier" pitchFamily="2" charset="0"/>
+              </a:rPr>
+              <a:t>AttributeValueList</a:t>
+            </a:r>
+            <a:r>
+              <a:rPr lang="en-AU" sz="1600" dirty="0">
+                <a:latin typeface="Courier" pitchFamily="2" charset="0"/>
+              </a:rPr>
+              <a:t>": [{ "S": "Call Me Today" } ], </a:t>
+            </a:r>
+          </a:p>
+          <a:p>
+            <a:pPr marL="49213" lvl="2" algn="l"/>
+            <a:r>
+              <a:rPr lang="en-AU" sz="1600" dirty="0">
+                <a:latin typeface="Courier" pitchFamily="2" charset="0"/>
+              </a:rPr>
+              <a:t>              "</a:t>
+            </a:r>
+            <a:r>
+              <a:rPr lang="en-AU" sz="1600" dirty="0" err="1">
+                <a:latin typeface="Courier" pitchFamily="2" charset="0"/>
+              </a:rPr>
+              <a:t>ComparisonOperator</a:t>
+            </a:r>
+            <a:r>
+              <a:rPr lang="en-AU" sz="1600" dirty="0">
+                <a:latin typeface="Courier" pitchFamily="2" charset="0"/>
+              </a:rPr>
+              <a:t>": "EQ" </a:t>
+            </a:r>
+          </a:p>
+          <a:p>
+            <a:pPr marL="49213" lvl="2" algn="l"/>
+            <a:r>
+              <a:rPr lang="en-AU" sz="1600" dirty="0">
+                <a:latin typeface="Courier" pitchFamily="2" charset="0"/>
+              </a:rPr>
+              <a:t>               } </a:t>
+            </a:r>
+          </a:p>
+          <a:p>
+            <a:pPr marL="49213" lvl="2" algn="l"/>
+            <a:r>
+              <a:rPr lang="en-AU" sz="1600" dirty="0">
+                <a:latin typeface="Courier" pitchFamily="2" charset="0"/>
+              </a:rPr>
+              <a:t>}</a:t>
+            </a:r>
+            <a:endParaRPr lang="en-US" sz="1600" dirty="0">
+              <a:latin typeface="Courier" pitchFamily="2" charset="0"/>
+            </a:endParaRPr>
+          </a:p>
+        </p:txBody>
+      </p:sp>
+      <p:sp>
+        <p:nvSpPr>
+          <p:cNvPr id="6" name="TextBox 5">
+            <a:extLst>
+              <a:ext uri="{FF2B5EF4-FFF2-40B4-BE49-F238E27FC236}">
+                <a16:creationId xmlns:a16="http://schemas.microsoft.com/office/drawing/2014/main" id="{07019B9E-58C2-C042-9F1F-737047263B77}"/>
+              </a:ext>
+            </a:extLst>
+          </p:cNvPr>
+          <p:cNvSpPr txBox="1"/>
+          <p:nvPr/>
+        </p:nvSpPr>
+        <p:spPr>
+          <a:xfrm>
+            <a:off x="404027" y="4142751"/>
+            <a:ext cx="11254154" cy="667875"/>
+          </a:xfrm>
+          <a:prstGeom prst="rect">
+            <a:avLst/>
+          </a:prstGeom>
+          <a:solidFill>
+            <a:schemeClr val="bg1">
+              <a:lumMod val="85000"/>
+              <a:alpha val="30000"/>
+            </a:schemeClr>
+          </a:solidFill>
+          <a:ln>
+            <a:solidFill>
+              <a:schemeClr val="tx1"/>
+            </a:solidFill>
+          </a:ln>
+        </p:spPr>
+        <p:txBody>
+          <a:bodyPr wrap="square" rtlCol="0">
+            <a:spAutoFit/>
+          </a:bodyPr>
+          <a:lstStyle/>
+          <a:p>
+            <a:pPr marL="49213" lvl="2" algn="l"/>
+            <a:r>
+              <a:rPr lang="en-AU" sz="1700" dirty="0" err="1">
+                <a:latin typeface="Courier" pitchFamily="2" charset="0"/>
+              </a:rPr>
+              <a:t>aws</a:t>
+            </a:r>
+            <a:r>
+              <a:rPr lang="en-AU" sz="1700" dirty="0">
+                <a:latin typeface="Courier" pitchFamily="2" charset="0"/>
+              </a:rPr>
+              <a:t> </a:t>
+            </a:r>
+            <a:r>
+              <a:rPr lang="en-AU" sz="1700" dirty="0" err="1">
+                <a:latin typeface="Courier" pitchFamily="2" charset="0"/>
+              </a:rPr>
+              <a:t>dynamodb</a:t>
+            </a:r>
+            <a:r>
+              <a:rPr lang="en-AU" sz="1700" dirty="0">
+                <a:latin typeface="Courier" pitchFamily="2" charset="0"/>
+              </a:rPr>
+              <a:t> query --table-name Music --key-conditions= </a:t>
+            </a:r>
+            <a:r>
+              <a:rPr lang="en-AU" sz="1700" dirty="0">
+                <a:latin typeface="Courier" pitchFamily="2" charset="0"/>
+                <a:hlinkClick r:id="rId3" invalidUrl="file:///"/>
+              </a:rPr>
+              <a:t>file://key-conditions.json</a:t>
+            </a:r>
+            <a:r>
+              <a:rPr lang="en-AU" sz="1700" dirty="0">
+                <a:latin typeface="Courier" pitchFamily="2" charset="0"/>
+              </a:rPr>
+              <a:t> \</a:t>
+            </a:r>
+          </a:p>
+          <a:p>
+            <a:pPr marL="7938" lvl="2" algn="l"/>
+            <a:r>
+              <a:rPr lang="en-AU" sz="1700" dirty="0">
+                <a:latin typeface="Courier" pitchFamily="2" charset="0"/>
+              </a:rPr>
+              <a:t>  --endpoint-</a:t>
+            </a:r>
+            <a:r>
+              <a:rPr lang="en-AU" sz="1700" dirty="0" err="1">
+                <a:latin typeface="Courier" pitchFamily="2" charset="0"/>
+              </a:rPr>
+              <a:t>url</a:t>
+            </a:r>
+            <a:r>
+              <a:rPr lang="en-AU" sz="1700" dirty="0">
+                <a:latin typeface="Courier" pitchFamily="2" charset="0"/>
+              </a:rPr>
+              <a:t>=http://localhost:8000</a:t>
+            </a:r>
+            <a:endParaRPr lang="en-US" dirty="0"/>
+          </a:p>
+        </p:txBody>
+      </p:sp>
+    </p:spTree>
+    <p:extLst>
+      <p:ext uri="{BB962C8B-B14F-4D97-AF65-F5344CB8AC3E}">
+        <p14:creationId xmlns:p14="http://schemas.microsoft.com/office/powerpoint/2010/main" val="160788833"/>
       </p:ext>
     </p:extLst>
   </p:cSld>
@@ -13013,7 +15539,13 @@
       </p:grpSpPr>
       <p:sp>
         <p:nvSpPr>
-          <p:cNvPr id="2" name="Title 1"/>
+          <p:cNvPr id="2" name="Title 1">
+            <a:extLst>
+              <a:ext uri="{FF2B5EF4-FFF2-40B4-BE49-F238E27FC236}">
+                <a16:creationId xmlns:a16="http://schemas.microsoft.com/office/drawing/2014/main" id="{4F19819F-C052-EA48-AF4A-97DF04512033}"/>
+              </a:ext>
+            </a:extLst>
+          </p:cNvPr>
           <p:cNvSpPr>
             <a:spLocks noGrp="1"/>
           </p:cNvSpPr>
@@ -13028,14 +15560,20 @@
           <a:p>
             <a:r>
               <a:rPr lang="en-US" dirty="0"/>
-              <a:t>Creating a bucket (2)</a:t>
-            </a:r>
-          </a:p>
-        </p:txBody>
-      </p:sp>
-      <p:sp>
-        <p:nvSpPr>
-          <p:cNvPr id="3" name="Content Placeholder 2"/>
+              <a:t>Amazon DynamoDB: NoSQL Database</a:t>
+            </a:r>
+          </a:p>
+        </p:txBody>
+      </p:sp>
+      <p:sp>
+        <p:nvSpPr>
+          <p:cNvPr id="3" name="Content Placeholder 2">
+            <a:extLst>
+              <a:ext uri="{FF2B5EF4-FFF2-40B4-BE49-F238E27FC236}">
+                <a16:creationId xmlns:a16="http://schemas.microsoft.com/office/drawing/2014/main" id="{CDDF3D8E-DAB3-1D4C-9C2E-2A64ADFCFA96}"/>
+              </a:ext>
+            </a:extLst>
+          </p:cNvPr>
           <p:cNvSpPr>
             <a:spLocks noGrp="1"/>
           </p:cNvSpPr>
@@ -13043,149 +15581,99 @@
             <p:ph idx="1"/>
           </p:nvPr>
         </p:nvSpPr>
-        <p:spPr>
-          <a:xfrm>
-            <a:off x="708409" y="1690688"/>
-            <a:ext cx="10645391" cy="4532312"/>
-          </a:xfrm>
-        </p:spPr>
-        <p:txBody>
-          <a:bodyPr>
-            <a:normAutofit fontScale="92500" lnSpcReduction="20000"/>
-          </a:bodyPr>
-          <a:lstStyle/>
-          <a:p>
-            <a:pPr>
-              <a:defRPr/>
-            </a:pPr>
-            <a:r>
-              <a:rPr lang="en-AU" dirty="0"/>
-              <a:t>Select Properties</a:t>
-            </a:r>
-          </a:p>
-          <a:p>
-            <a:pPr lvl="1">
-              <a:defRPr/>
-            </a:pPr>
-            <a:r>
-              <a:rPr lang="en-AU" dirty="0"/>
-              <a:t>Users with special permissions of Read and Write</a:t>
-            </a:r>
-          </a:p>
-          <a:p>
-            <a:pPr lvl="1">
-              <a:defRPr/>
-            </a:pPr>
-            <a:r>
-              <a:rPr lang="en-AU" dirty="0"/>
-              <a:t>Grant public read access to the bucket (Why is this a bad idea?)</a:t>
-            </a:r>
-          </a:p>
-          <a:p>
-            <a:pPr>
-              <a:defRPr/>
-            </a:pPr>
-            <a:r>
-              <a:rPr lang="en-AU" dirty="0"/>
-              <a:t>Once created can manage</a:t>
-            </a:r>
-          </a:p>
-          <a:p>
-            <a:pPr lvl="1">
-              <a:defRPr/>
-            </a:pPr>
-            <a:r>
-              <a:rPr lang="en-AU" dirty="0"/>
-              <a:t>Lifecycle</a:t>
-            </a:r>
-          </a:p>
-          <a:p>
-            <a:pPr lvl="2">
-              <a:defRPr/>
-            </a:pPr>
-            <a:r>
-              <a:rPr lang="en-AU" dirty="0"/>
-              <a:t>Transition objects that are infrequently accessed (or after fixed time) to cold storage</a:t>
-            </a:r>
-          </a:p>
-          <a:p>
-            <a:pPr lvl="1">
-              <a:defRPr/>
-            </a:pPr>
-            <a:r>
-              <a:rPr lang="en-AU" dirty="0"/>
-              <a:t>Replication</a:t>
-            </a:r>
-          </a:p>
-          <a:p>
-            <a:pPr lvl="2">
-              <a:defRPr/>
-            </a:pPr>
-            <a:r>
-              <a:rPr lang="en-AU" dirty="0"/>
-              <a:t>Automatically copy objects to another bucket in a different region</a:t>
-            </a:r>
-          </a:p>
-          <a:p>
-            <a:pPr lvl="1">
-              <a:defRPr/>
-            </a:pPr>
-            <a:r>
-              <a:rPr lang="en-AU" dirty="0"/>
-              <a:t>Analytics</a:t>
-            </a:r>
-          </a:p>
-          <a:p>
-            <a:pPr lvl="2">
-              <a:defRPr/>
-            </a:pPr>
-            <a:r>
-              <a:rPr lang="en-AU" dirty="0"/>
-              <a:t>Suggest how to manage objects based on access patterns</a:t>
-            </a:r>
-          </a:p>
-          <a:p>
-            <a:pPr lvl="1">
-              <a:defRPr/>
-            </a:pPr>
-            <a:r>
-              <a:rPr lang="en-AU" dirty="0"/>
-              <a:t>Metrics </a:t>
-            </a:r>
-          </a:p>
-          <a:p>
-            <a:pPr lvl="2">
-              <a:defRPr/>
-            </a:pPr>
-            <a:r>
-              <a:rPr lang="en-AU" dirty="0"/>
-              <a:t>Stats on operations on objects in the bucket</a:t>
-            </a:r>
-          </a:p>
-          <a:p>
-            <a:pPr lvl="1">
-              <a:defRPr/>
-            </a:pPr>
-            <a:r>
-              <a:rPr lang="en-AU" dirty="0"/>
-              <a:t>Inventory</a:t>
-            </a:r>
-          </a:p>
-          <a:p>
-            <a:pPr lvl="2">
-              <a:defRPr/>
-            </a:pPr>
-            <a:r>
-              <a:rPr lang="en-AU" dirty="0"/>
-              <a:t>Provide a regular snapshot of contents of bucket</a:t>
-            </a:r>
+        <p:spPr/>
+        <p:txBody>
+          <a:bodyPr/>
+          <a:lstStyle/>
+          <a:p>
+            <a:r>
+              <a:rPr lang="en-US" dirty="0"/>
+              <a:t>Amazon DynamoDB is a document based key-value storage mechanism</a:t>
+            </a:r>
+          </a:p>
+          <a:p>
+            <a:r>
+              <a:rPr lang="en-US" dirty="0"/>
+              <a:t>Similar characteristics to S3 (plus services like Amazon Athena) in some ways</a:t>
+            </a:r>
+          </a:p>
+          <a:p>
+            <a:r>
+              <a:rPr lang="en-US" dirty="0"/>
+              <a:t>Mainly used to store documents rather than range of objects found in S3</a:t>
+            </a:r>
+          </a:p>
+          <a:p>
+            <a:r>
+              <a:rPr lang="en-US" dirty="0" err="1"/>
+              <a:t>Optimised</a:t>
+            </a:r>
+            <a:r>
+              <a:rPr lang="en-US" dirty="0"/>
+              <a:t> and scalable for queries on large numbers of potentially unstructured documents.</a:t>
+            </a:r>
+          </a:p>
+        </p:txBody>
+      </p:sp>
+      <p:sp>
+        <p:nvSpPr>
+          <p:cNvPr id="4" name="Footer Placeholder 3">
+            <a:extLst>
+              <a:ext uri="{FF2B5EF4-FFF2-40B4-BE49-F238E27FC236}">
+                <a16:creationId xmlns:a16="http://schemas.microsoft.com/office/drawing/2014/main" id="{59AC6C2E-B73F-994E-B094-B89AE77C0D6A}"/>
+              </a:ext>
+            </a:extLst>
+          </p:cNvPr>
+          <p:cNvSpPr>
+            <a:spLocks noGrp="1"/>
+          </p:cNvSpPr>
+          <p:nvPr>
+            <p:ph type="ftr" sz="quarter" idx="11"/>
+          </p:nvPr>
+        </p:nvSpPr>
+        <p:spPr/>
+        <p:txBody>
+          <a:bodyPr/>
+          <a:lstStyle/>
+          <a:p>
+            <a:endParaRPr lang="en-GB" dirty="0"/>
+          </a:p>
+        </p:txBody>
+      </p:sp>
+      <p:sp>
+        <p:nvSpPr>
+          <p:cNvPr id="5" name="Slide Number Placeholder 4">
+            <a:extLst>
+              <a:ext uri="{FF2B5EF4-FFF2-40B4-BE49-F238E27FC236}">
+                <a16:creationId xmlns:a16="http://schemas.microsoft.com/office/drawing/2014/main" id="{A07039E2-2B52-F540-B519-8D3706308DEA}"/>
+              </a:ext>
+            </a:extLst>
+          </p:cNvPr>
+          <p:cNvSpPr>
+            <a:spLocks noGrp="1"/>
+          </p:cNvSpPr>
+          <p:nvPr>
+            <p:ph type="sldNum" sz="quarter" idx="12"/>
+          </p:nvPr>
+        </p:nvSpPr>
+        <p:spPr/>
+        <p:txBody>
+          <a:bodyPr/>
+          <a:lstStyle/>
+          <a:p>
+            <a:fld id="{05072F42-4DFA-4725-86F9-7594E4AB4EB5}" type="slidenum">
+              <a:rPr lang="en-GB" smtClean="0"/>
+              <a:pPr/>
+              <a:t>4</a:t>
+            </a:fld>
+            <a:endParaRPr lang="en-GB"/>
           </a:p>
         </p:txBody>
       </p:sp>
     </p:spTree>
     <p:extLst>
       <p:ext uri="{BB962C8B-B14F-4D97-AF65-F5344CB8AC3E}">
-        <p14:creationId xmlns:p14="http://schemas.microsoft.com/office/powerpoint/2010/main" val="3073617808"/>
+        <p14:creationId xmlns:p14="http://schemas.microsoft.com/office/powerpoint/2010/main" val="2149087263"/>
       </p:ext>
     </p:extLst>
   </p:cSld>
@@ -13229,6 +15717,528 @@
           <a:p>
             <a:r>
               <a:rPr lang="en-US" dirty="0"/>
+              <a:t>AWS S3: Simple Storage Service</a:t>
+            </a:r>
+          </a:p>
+        </p:txBody>
+      </p:sp>
+      <p:sp>
+        <p:nvSpPr>
+          <p:cNvPr id="3" name="Content Placeholder 2"/>
+          <p:cNvSpPr>
+            <a:spLocks noGrp="1"/>
+          </p:cNvSpPr>
+          <p:nvPr>
+            <p:ph idx="1"/>
+          </p:nvPr>
+        </p:nvSpPr>
+        <p:spPr>
+          <a:xfrm>
+            <a:off x="708409" y="1690688"/>
+            <a:ext cx="10645391" cy="4532312"/>
+          </a:xfrm>
+        </p:spPr>
+        <p:txBody>
+          <a:bodyPr>
+            <a:normAutofit/>
+          </a:bodyPr>
+          <a:lstStyle/>
+          <a:p>
+            <a:pPr>
+              <a:defRPr/>
+            </a:pPr>
+            <a:r>
+              <a:rPr lang="en-AU" dirty="0"/>
+              <a:t>Objects stored in buckets that are arranged hierarchically</a:t>
+            </a:r>
+          </a:p>
+          <a:p>
+            <a:pPr lvl="1">
+              <a:defRPr/>
+            </a:pPr>
+            <a:r>
+              <a:rPr lang="en-AU" dirty="0"/>
+              <a:t>Object is data + metadata</a:t>
+            </a:r>
+          </a:p>
+          <a:p>
+            <a:pPr lvl="1">
+              <a:defRPr/>
+            </a:pPr>
+            <a:r>
+              <a:rPr lang="en-AU" dirty="0"/>
+              <a:t>Metadata is a set of name-value pairs that describe the object</a:t>
+            </a:r>
+          </a:p>
+          <a:p>
+            <a:pPr lvl="1">
+              <a:defRPr/>
+            </a:pPr>
+            <a:r>
+              <a:rPr lang="en-AU" dirty="0"/>
+              <a:t>Object is uniquely identified with a bucket by a key (name) and a version ID</a:t>
+            </a:r>
+          </a:p>
+          <a:p>
+            <a:pPr>
+              <a:defRPr/>
+            </a:pPr>
+            <a:r>
+              <a:rPr lang="en-AU" dirty="0"/>
+              <a:t>Buckets</a:t>
+            </a:r>
+          </a:p>
+          <a:p>
+            <a:pPr lvl="1">
+              <a:defRPr/>
+            </a:pPr>
+            <a:r>
+              <a:rPr lang="en-AU" dirty="0"/>
+              <a:t>Organise the S3 namespace</a:t>
+            </a:r>
+          </a:p>
+          <a:p>
+            <a:pPr lvl="1">
+              <a:defRPr/>
+            </a:pPr>
+            <a:r>
+              <a:rPr lang="en-AU" dirty="0"/>
+              <a:t>Allow for access control</a:t>
+            </a:r>
+          </a:p>
+          <a:p>
+            <a:pPr lvl="1">
+              <a:defRPr/>
+            </a:pPr>
+            <a:r>
+              <a:rPr lang="en-AU" dirty="0"/>
+              <a:t>Unit of aggregation for usage reporting</a:t>
+            </a:r>
+          </a:p>
+          <a:p>
+            <a:pPr>
+              <a:defRPr/>
+            </a:pPr>
+            <a:r>
+              <a:rPr lang="en-AU" dirty="0"/>
+              <a:t>Unique ID = bucket + key + version ID</a:t>
+            </a:r>
+          </a:p>
+        </p:txBody>
+      </p:sp>
+    </p:spTree>
+    <p:extLst>
+      <p:ext uri="{BB962C8B-B14F-4D97-AF65-F5344CB8AC3E}">
+        <p14:creationId xmlns:p14="http://schemas.microsoft.com/office/powerpoint/2010/main" val="590366965"/>
+      </p:ext>
+    </p:extLst>
+  </p:cSld>
+  <p:clrMapOvr>
+    <a:masterClrMapping/>
+  </p:clrMapOvr>
+</p:sld>
+</file>
+
+<file path=ppt/slides/slide6.xml><?xml version="1.0" encoding="utf-8"?>
+<p:sld xmlns:a="http://schemas.openxmlformats.org/drawingml/2006/main" xmlns:r="http://schemas.openxmlformats.org/officeDocument/2006/relationships" xmlns:p="http://schemas.openxmlformats.org/presentationml/2006/main">
+  <p:cSld>
+    <p:spTree>
+      <p:nvGrpSpPr>
+        <p:cNvPr id="1" name=""/>
+        <p:cNvGrpSpPr/>
+        <p:nvPr/>
+      </p:nvGrpSpPr>
+      <p:grpSpPr>
+        <a:xfrm>
+          <a:off x="0" y="0"/>
+          <a:ext cx="0" cy="0"/>
+          <a:chOff x="0" y="0"/>
+          <a:chExt cx="0" cy="0"/>
+        </a:xfrm>
+      </p:grpSpPr>
+      <p:sp>
+        <p:nvSpPr>
+          <p:cNvPr id="2" name="Title 1"/>
+          <p:cNvSpPr>
+            <a:spLocks noGrp="1"/>
+          </p:cNvSpPr>
+          <p:nvPr>
+            <p:ph type="title"/>
+          </p:nvPr>
+        </p:nvSpPr>
+        <p:spPr/>
+        <p:txBody>
+          <a:bodyPr/>
+          <a:lstStyle/>
+          <a:p>
+            <a:r>
+              <a:rPr lang="en-US" dirty="0"/>
+              <a:t>Creating a bucket</a:t>
+            </a:r>
+          </a:p>
+        </p:txBody>
+      </p:sp>
+      <p:sp>
+        <p:nvSpPr>
+          <p:cNvPr id="3" name="Content Placeholder 2"/>
+          <p:cNvSpPr>
+            <a:spLocks noGrp="1"/>
+          </p:cNvSpPr>
+          <p:nvPr>
+            <p:ph idx="1"/>
+          </p:nvPr>
+        </p:nvSpPr>
+        <p:spPr>
+          <a:xfrm>
+            <a:off x="708409" y="1690688"/>
+            <a:ext cx="10645391" cy="4532312"/>
+          </a:xfrm>
+        </p:spPr>
+        <p:txBody>
+          <a:bodyPr>
+            <a:normAutofit/>
+          </a:bodyPr>
+          <a:lstStyle/>
+          <a:p>
+            <a:pPr>
+              <a:defRPr/>
+            </a:pPr>
+            <a:r>
+              <a:rPr lang="en-AU" dirty="0"/>
+              <a:t>Provide a unique bucket name</a:t>
+            </a:r>
+          </a:p>
+          <a:p>
+            <a:pPr>
+              <a:defRPr/>
+            </a:pPr>
+            <a:r>
+              <a:rPr lang="en-AU" dirty="0"/>
+              <a:t>Select:</a:t>
+            </a:r>
+          </a:p>
+          <a:p>
+            <a:pPr lvl="1">
+              <a:defRPr/>
+            </a:pPr>
+            <a:r>
+              <a:rPr lang="en-AU" dirty="0"/>
+              <a:t>Region</a:t>
+            </a:r>
+          </a:p>
+          <a:p>
+            <a:pPr lvl="1">
+              <a:defRPr/>
+            </a:pPr>
+            <a:r>
+              <a:rPr lang="en-AU" dirty="0"/>
+              <a:t>Versioning</a:t>
+            </a:r>
+          </a:p>
+          <a:p>
+            <a:pPr lvl="1">
+              <a:defRPr/>
+            </a:pPr>
+            <a:r>
+              <a:rPr lang="en-AU" dirty="0"/>
+              <a:t>Server access logging</a:t>
+            </a:r>
+          </a:p>
+          <a:p>
+            <a:pPr lvl="1">
+              <a:defRPr/>
+            </a:pPr>
+            <a:r>
+              <a:rPr lang="en-AU" dirty="0"/>
+              <a:t>Tags</a:t>
+            </a:r>
+          </a:p>
+          <a:p>
+            <a:pPr lvl="1">
+              <a:defRPr/>
+            </a:pPr>
+            <a:r>
+              <a:rPr lang="en-AU" dirty="0"/>
+              <a:t>Object-level logging</a:t>
+            </a:r>
+          </a:p>
+          <a:p>
+            <a:pPr lvl="1">
+              <a:defRPr/>
+            </a:pPr>
+            <a:r>
+              <a:rPr lang="en-AU" dirty="0"/>
+              <a:t>Encryption</a:t>
+            </a:r>
+          </a:p>
+          <a:p>
+            <a:pPr lvl="2">
+              <a:defRPr/>
+            </a:pPr>
+            <a:r>
+              <a:rPr lang="en-AU" dirty="0"/>
+              <a:t>SSE-S3 (AES-256)</a:t>
+            </a:r>
+          </a:p>
+          <a:p>
+            <a:pPr lvl="2">
+              <a:defRPr/>
+            </a:pPr>
+            <a:r>
+              <a:rPr lang="en-AU" dirty="0"/>
+              <a:t>SSE-KMS</a:t>
+            </a:r>
+          </a:p>
+        </p:txBody>
+      </p:sp>
+    </p:spTree>
+    <p:extLst>
+      <p:ext uri="{BB962C8B-B14F-4D97-AF65-F5344CB8AC3E}">
+        <p14:creationId xmlns:p14="http://schemas.microsoft.com/office/powerpoint/2010/main" val="3331513342"/>
+      </p:ext>
+    </p:extLst>
+  </p:cSld>
+  <p:clrMapOvr>
+    <a:masterClrMapping/>
+  </p:clrMapOvr>
+</p:sld>
+</file>
+
+<file path=ppt/slides/slide7.xml><?xml version="1.0" encoding="utf-8"?>
+<p:sld xmlns:a="http://schemas.openxmlformats.org/drawingml/2006/main" xmlns:r="http://schemas.openxmlformats.org/officeDocument/2006/relationships" xmlns:p="http://schemas.openxmlformats.org/presentationml/2006/main">
+  <p:cSld>
+    <p:spTree>
+      <p:nvGrpSpPr>
+        <p:cNvPr id="1" name=""/>
+        <p:cNvGrpSpPr/>
+        <p:nvPr/>
+      </p:nvGrpSpPr>
+      <p:grpSpPr>
+        <a:xfrm>
+          <a:off x="0" y="0"/>
+          <a:ext cx="0" cy="0"/>
+          <a:chOff x="0" y="0"/>
+          <a:chExt cx="0" cy="0"/>
+        </a:xfrm>
+      </p:grpSpPr>
+      <p:sp>
+        <p:nvSpPr>
+          <p:cNvPr id="2" name="Title 1"/>
+          <p:cNvSpPr>
+            <a:spLocks noGrp="1"/>
+          </p:cNvSpPr>
+          <p:nvPr>
+            <p:ph type="title"/>
+          </p:nvPr>
+        </p:nvSpPr>
+        <p:spPr/>
+        <p:txBody>
+          <a:bodyPr/>
+          <a:lstStyle/>
+          <a:p>
+            <a:r>
+              <a:rPr lang="en-US" dirty="0"/>
+              <a:t>Creating a bucket (2)</a:t>
+            </a:r>
+          </a:p>
+        </p:txBody>
+      </p:sp>
+      <p:sp>
+        <p:nvSpPr>
+          <p:cNvPr id="3" name="Content Placeholder 2"/>
+          <p:cNvSpPr>
+            <a:spLocks noGrp="1"/>
+          </p:cNvSpPr>
+          <p:nvPr>
+            <p:ph idx="1"/>
+          </p:nvPr>
+        </p:nvSpPr>
+        <p:spPr>
+          <a:xfrm>
+            <a:off x="708409" y="1690688"/>
+            <a:ext cx="10645391" cy="4532312"/>
+          </a:xfrm>
+        </p:spPr>
+        <p:txBody>
+          <a:bodyPr>
+            <a:normAutofit fontScale="92500" lnSpcReduction="20000"/>
+          </a:bodyPr>
+          <a:lstStyle/>
+          <a:p>
+            <a:pPr>
+              <a:defRPr/>
+            </a:pPr>
+            <a:r>
+              <a:rPr lang="en-AU" dirty="0"/>
+              <a:t>Select Properties</a:t>
+            </a:r>
+          </a:p>
+          <a:p>
+            <a:pPr lvl="1">
+              <a:defRPr/>
+            </a:pPr>
+            <a:r>
+              <a:rPr lang="en-AU" dirty="0"/>
+              <a:t>Users with special permissions of Read and Write</a:t>
+            </a:r>
+          </a:p>
+          <a:p>
+            <a:pPr lvl="1">
+              <a:defRPr/>
+            </a:pPr>
+            <a:r>
+              <a:rPr lang="en-AU" dirty="0"/>
+              <a:t>Grant public read access to the bucket (Why is this a bad idea?)</a:t>
+            </a:r>
+          </a:p>
+          <a:p>
+            <a:pPr>
+              <a:defRPr/>
+            </a:pPr>
+            <a:r>
+              <a:rPr lang="en-AU" dirty="0"/>
+              <a:t>Once created can manage</a:t>
+            </a:r>
+          </a:p>
+          <a:p>
+            <a:pPr lvl="1">
+              <a:defRPr/>
+            </a:pPr>
+            <a:r>
+              <a:rPr lang="en-AU" dirty="0"/>
+              <a:t>Lifecycle</a:t>
+            </a:r>
+          </a:p>
+          <a:p>
+            <a:pPr lvl="2">
+              <a:defRPr/>
+            </a:pPr>
+            <a:r>
+              <a:rPr lang="en-AU" dirty="0"/>
+              <a:t>Transition objects that are infrequently accessed (or after fixed time) to cold storage</a:t>
+            </a:r>
+          </a:p>
+          <a:p>
+            <a:pPr lvl="1">
+              <a:defRPr/>
+            </a:pPr>
+            <a:r>
+              <a:rPr lang="en-AU" dirty="0"/>
+              <a:t>Replication</a:t>
+            </a:r>
+          </a:p>
+          <a:p>
+            <a:pPr lvl="2">
+              <a:defRPr/>
+            </a:pPr>
+            <a:r>
+              <a:rPr lang="en-AU" dirty="0"/>
+              <a:t>Automatically copy objects to another bucket in a different region</a:t>
+            </a:r>
+          </a:p>
+          <a:p>
+            <a:pPr lvl="1">
+              <a:defRPr/>
+            </a:pPr>
+            <a:r>
+              <a:rPr lang="en-AU" dirty="0"/>
+              <a:t>Analytics</a:t>
+            </a:r>
+          </a:p>
+          <a:p>
+            <a:pPr lvl="2">
+              <a:defRPr/>
+            </a:pPr>
+            <a:r>
+              <a:rPr lang="en-AU" dirty="0"/>
+              <a:t>Suggest how to manage objects based on access patterns</a:t>
+            </a:r>
+          </a:p>
+          <a:p>
+            <a:pPr lvl="1">
+              <a:defRPr/>
+            </a:pPr>
+            <a:r>
+              <a:rPr lang="en-AU" dirty="0"/>
+              <a:t>Metrics </a:t>
+            </a:r>
+          </a:p>
+          <a:p>
+            <a:pPr lvl="2">
+              <a:defRPr/>
+            </a:pPr>
+            <a:r>
+              <a:rPr lang="en-AU" dirty="0"/>
+              <a:t>Stats on operations on objects in the bucket</a:t>
+            </a:r>
+          </a:p>
+          <a:p>
+            <a:pPr lvl="1">
+              <a:defRPr/>
+            </a:pPr>
+            <a:r>
+              <a:rPr lang="en-AU" dirty="0"/>
+              <a:t>Inventory</a:t>
+            </a:r>
+          </a:p>
+          <a:p>
+            <a:pPr lvl="2">
+              <a:defRPr/>
+            </a:pPr>
+            <a:r>
+              <a:rPr lang="en-AU" dirty="0"/>
+              <a:t>Provide a regular snapshot of contents of bucket</a:t>
+            </a:r>
+          </a:p>
+        </p:txBody>
+      </p:sp>
+    </p:spTree>
+    <p:extLst>
+      <p:ext uri="{BB962C8B-B14F-4D97-AF65-F5344CB8AC3E}">
+        <p14:creationId xmlns:p14="http://schemas.microsoft.com/office/powerpoint/2010/main" val="3073617808"/>
+      </p:ext>
+    </p:extLst>
+  </p:cSld>
+  <p:clrMapOvr>
+    <a:masterClrMapping/>
+  </p:clrMapOvr>
+</p:sld>
+</file>
+
+<file path=ppt/slides/slide8.xml><?xml version="1.0" encoding="utf-8"?>
+<p:sld xmlns:a="http://schemas.openxmlformats.org/drawingml/2006/main" xmlns:r="http://schemas.openxmlformats.org/officeDocument/2006/relationships" xmlns:p="http://schemas.openxmlformats.org/presentationml/2006/main">
+  <p:cSld>
+    <p:spTree>
+      <p:nvGrpSpPr>
+        <p:cNvPr id="1" name=""/>
+        <p:cNvGrpSpPr/>
+        <p:nvPr/>
+      </p:nvGrpSpPr>
+      <p:grpSpPr>
+        <a:xfrm>
+          <a:off x="0" y="0"/>
+          <a:ext cx="0" cy="0"/>
+          <a:chOff x="0" y="0"/>
+          <a:chExt cx="0" cy="0"/>
+        </a:xfrm>
+      </p:grpSpPr>
+      <p:sp>
+        <p:nvSpPr>
+          <p:cNvPr id="2" name="Title 1"/>
+          <p:cNvSpPr>
+            <a:spLocks noGrp="1"/>
+          </p:cNvSpPr>
+          <p:nvPr>
+            <p:ph type="title"/>
+          </p:nvPr>
+        </p:nvSpPr>
+        <p:spPr/>
+        <p:txBody>
+          <a:bodyPr/>
+          <a:lstStyle/>
+          <a:p>
+            <a:r>
+              <a:rPr lang="en-US" dirty="0"/>
               <a:t>AWS S3 Regions</a:t>
             </a:r>
           </a:p>
@@ -13334,7 +16344,7 @@
 </p:sld>
 </file>
 
-<file path=ppt/slides/slide6.xml><?xml version="1.0" encoding="utf-8"?>
+<file path=ppt/slides/slide9.xml><?xml version="1.0" encoding="utf-8"?>
 <p:sld xmlns:a="http://schemas.openxmlformats.org/drawingml/2006/main" xmlns:r="http://schemas.openxmlformats.org/officeDocument/2006/relationships" xmlns:p="http://schemas.openxmlformats.org/presentationml/2006/main">
   <p:cSld>
     <p:bg>
@@ -13453,116 +16463,110 @@
         </p:nvSpPr>
         <p:spPr>
           <a:xfrm>
-            <a:off x="4064000" y="643467"/>
-            <a:ext cx="7289799" cy="5533496"/>
+            <a:off x="3630508" y="643467"/>
+            <a:ext cx="7723292" cy="5533496"/>
           </a:xfrm>
         </p:spPr>
         <p:txBody>
           <a:bodyPr anchor="ctr">
-            <a:normAutofit/>
+            <a:normAutofit lnSpcReduction="10000"/>
           </a:bodyPr>
           <a:lstStyle/>
           <a:p>
             <a:r>
-              <a:rPr lang="en-US" sz="2000" dirty="0"/>
+              <a:rPr lang="en-US" sz="2400" dirty="0"/>
               <a:t>S3 handles consistency through versioning rather than locking</a:t>
             </a:r>
           </a:p>
           <a:p>
-            <a:pPr marL="0" indent="0">
-              <a:buNone/>
-            </a:pPr>
-            <a:endParaRPr lang="en-US" sz="2000" dirty="0"/>
-          </a:p>
-          <a:p>
             <a:pPr lvl="1"/>
             <a:r>
-              <a:rPr lang="en-US" sz="2000" dirty="0"/>
+              <a:rPr lang="en-US" dirty="0"/>
               <a:t>The idea: every bucket + key maps to a list of versions</a:t>
             </a:r>
           </a:p>
           <a:p>
             <a:pPr lvl="2"/>
             <a:r>
-              <a:rPr lang="en-US" dirty="0"/>
+              <a:rPr lang="en-US" sz="2400" dirty="0"/>
               <a:t>[</a:t>
             </a:r>
             <a:r>
-              <a:rPr lang="en-US" dirty="0" err="1"/>
+              <a:rPr lang="en-US" sz="2400" dirty="0" err="1"/>
               <a:t>bucket+key</a:t>
             </a:r>
             <a:r>
-              <a:rPr lang="en-US" dirty="0"/>
+              <a:rPr lang="en-US" sz="2400" dirty="0"/>
               <a:t>] </a:t>
             </a:r>
+            <a:r>
+              <a:rPr lang="en-US" sz="2400" dirty="0">
+                <a:sym typeface="Wingdings" pitchFamily="2" charset="2"/>
+              </a:rPr>
+              <a:t> [object v1] [object v2] [object v3] …</a:t>
+            </a:r>
+          </a:p>
+          <a:p>
+            <a:pPr lvl="1"/>
             <a:r>
               <a:rPr lang="en-US" dirty="0">
                 <a:sym typeface="Wingdings" pitchFamily="2" charset="2"/>
               </a:rPr>
-              <a:t> [object v1] [object v2] [object v3] …</a:t>
-            </a:r>
-          </a:p>
-          <a:p>
-            <a:pPr lvl="1"/>
-            <a:r>
-              <a:rPr lang="en-US" sz="2000" dirty="0">
+              <a:t>Each time we PUT an object, it gets a new version</a:t>
+            </a:r>
+          </a:p>
+          <a:p>
+            <a:pPr lvl="2"/>
+            <a:r>
+              <a:rPr lang="en-US" sz="2400" dirty="0">
                 <a:sym typeface="Wingdings" pitchFamily="2" charset="2"/>
               </a:rPr>
-              <a:t>Each time we PUT an object, it gets a new version</a:t>
-            </a:r>
-          </a:p>
-          <a:p>
-            <a:pPr lvl="2"/>
+              <a:t>The last-received PUT overwrites any previous ones!</a:t>
+            </a:r>
+          </a:p>
+          <a:p>
+            <a:pPr lvl="1"/>
             <a:r>
               <a:rPr lang="en-US" dirty="0">
                 <a:sym typeface="Wingdings" pitchFamily="2" charset="2"/>
               </a:rPr>
-              <a:t>The last-received PUT overwrites any previous ones!</a:t>
-            </a:r>
-          </a:p>
-          <a:p>
-            <a:pPr lvl="1"/>
-            <a:r>
-              <a:rPr lang="en-US" sz="2000" dirty="0">
-                <a:sym typeface="Wingdings" pitchFamily="2" charset="2"/>
-              </a:rPr>
               <a:t>When we GET:</a:t>
             </a:r>
           </a:p>
           <a:p>
             <a:pPr lvl="2"/>
             <a:r>
-              <a:rPr lang="en-US" dirty="0">
+              <a:rPr lang="en-US" sz="2400" dirty="0">
                 <a:sym typeface="Wingdings" pitchFamily="2" charset="2"/>
               </a:rPr>
               <a:t>An </a:t>
             </a:r>
             <a:r>
-              <a:rPr lang="en-US" dirty="0" err="1">
+              <a:rPr lang="en-US" sz="2400" dirty="0" err="1">
                 <a:sym typeface="Wingdings" pitchFamily="2" charset="2"/>
               </a:rPr>
               <a:t>unversioned</a:t>
             </a:r>
             <a:r>
-              <a:rPr lang="en-US" dirty="0">
+              <a:rPr lang="en-US" sz="2400" dirty="0">
                 <a:sym typeface="Wingdings" pitchFamily="2" charset="2"/>
               </a:rPr>
               <a:t> request </a:t>
             </a:r>
             <a:r>
-              <a:rPr lang="en-US" u="sng" dirty="0">
+              <a:rPr lang="en-US" sz="2400" u="sng" dirty="0">
                 <a:sym typeface="Wingdings" pitchFamily="2" charset="2"/>
               </a:rPr>
               <a:t>likely</a:t>
             </a:r>
             <a:r>
-              <a:rPr lang="en-US" b="1" dirty="0">
+              <a:rPr lang="en-US" sz="2400" b="1" dirty="0">
                 <a:sym typeface="Wingdings" pitchFamily="2" charset="2"/>
               </a:rPr>
               <a:t> </a:t>
             </a:r>
             <a:r>
-              <a:rPr lang="en-US" dirty="0">
+              <a:rPr lang="en-US" sz="2400" dirty="0">
                 <a:sym typeface="Wingdings" pitchFamily="2" charset="2"/>
               </a:rPr>
               <a:t>receives the last version – but this is not guaranteed depending on propagation delays</a:t>
@@ -13571,33 +16575,27 @@
           <a:p>
             <a:pPr lvl="2"/>
             <a:r>
-              <a:rPr lang="en-US" dirty="0">
+              <a:rPr lang="en-US" sz="2400" dirty="0">
                 <a:sym typeface="Wingdings" pitchFamily="2" charset="2"/>
               </a:rPr>
               <a:t>A request for </a:t>
             </a:r>
             <a:r>
-              <a:rPr lang="en-US" u="sng" dirty="0">
+              <a:rPr lang="en-US" sz="2400" u="sng" dirty="0">
                 <a:sym typeface="Wingdings" pitchFamily="2" charset="2"/>
               </a:rPr>
               <a:t>bucket + key + version</a:t>
             </a:r>
             <a:r>
-              <a:rPr lang="en-US" dirty="0">
+              <a:rPr lang="en-US" sz="2400" dirty="0">
                 <a:sym typeface="Wingdings" pitchFamily="2" charset="2"/>
               </a:rPr>
-              <a:t> uniquely maps to a single object!</a:t>
-            </a:r>
-          </a:p>
-          <a:p>
-            <a:pPr lvl="2"/>
-            <a:endParaRPr lang="en-US" dirty="0">
-              <a:sym typeface="Wingdings" pitchFamily="2" charset="2"/>
-            </a:endParaRPr>
-          </a:p>
-          <a:p>
-            <a:r>
-              <a:rPr lang="en-US" sz="2000" dirty="0">
+              <a:t> uniquely maps to a single object</a:t>
+            </a:r>
+          </a:p>
+          <a:p>
+            <a:r>
+              <a:rPr lang="en-US" sz="2400" dirty="0">
                 <a:sym typeface="Wingdings" pitchFamily="2" charset="2"/>
               </a:rPr>
               <a:t>Versioning can be enabled for each bucket</a:t>
@@ -13606,7 +16604,7 @@
           <a:p>
             <a:pPr lvl="1"/>
             <a:r>
-              <a:rPr lang="en-US" sz="2000" dirty="0">
+              <a:rPr lang="en-US" dirty="0">
                 <a:sym typeface="Wingdings" pitchFamily="2" charset="2"/>
               </a:rPr>
               <a:t>Why would you (not) want versioning?</a:t>
@@ -13648,7 +16646,7 @@
             <a:fld id="{05072F42-4DFA-4725-86F9-7594E4AB4EB5}" type="slidenum">
               <a:rPr lang="en-GB" smtClean="0"/>
               <a:pPr/>
-              <a:t>6</a:t>
+              <a:t>9</a:t>
             </a:fld>
             <a:endParaRPr lang="en-GB"/>
           </a:p>
@@ -13658,1063 +16656,6 @@
     <p:extLst>
       <p:ext uri="{BB962C8B-B14F-4D97-AF65-F5344CB8AC3E}">
         <p14:creationId xmlns:p14="http://schemas.microsoft.com/office/powerpoint/2010/main" val="2408612241"/>
-      </p:ext>
-    </p:extLst>
-  </p:cSld>
-  <p:clrMapOvr>
-    <a:masterClrMapping/>
-  </p:clrMapOvr>
-</p:sld>
-</file>
-
-<file path=ppt/slides/slide7.xml><?xml version="1.0" encoding="utf-8"?>
-<p:sld xmlns:a="http://schemas.openxmlformats.org/drawingml/2006/main" xmlns:r="http://schemas.openxmlformats.org/officeDocument/2006/relationships" xmlns:p="http://schemas.openxmlformats.org/presentationml/2006/main">
-  <p:cSld>
-    <p:bg>
-      <p:bgPr>
-        <a:solidFill>
-          <a:schemeClr val="bg1"/>
-        </a:solidFill>
-        <a:effectLst/>
-      </p:bgPr>
-    </p:bg>
-    <p:spTree>
-      <p:nvGrpSpPr>
-        <p:cNvPr id="1" name=""/>
-        <p:cNvGrpSpPr/>
-        <p:nvPr/>
-      </p:nvGrpSpPr>
-      <p:grpSpPr>
-        <a:xfrm>
-          <a:off x="0" y="0"/>
-          <a:ext cx="0" cy="0"/>
-          <a:chOff x="0" y="0"/>
-          <a:chExt cx="0" cy="0"/>
-        </a:xfrm>
-      </p:grpSpPr>
-      <p:sp>
-        <p:nvSpPr>
-          <p:cNvPr id="10" name="Rectangle 9">
-            <a:extLst>
-              <a:ext uri="{FF2B5EF4-FFF2-40B4-BE49-F238E27FC236}">
-                <a16:creationId xmlns:a16="http://schemas.microsoft.com/office/drawing/2014/main" id="{8D70B121-56F4-4848-B38B-182089D909FA}"/>
-              </a:ext>
-            </a:extLst>
-          </p:cNvPr>
-          <p:cNvSpPr>
-            <a:spLocks noGrp="1" noRot="1" noChangeAspect="1" noMove="1" noResize="1" noEditPoints="1" noAdjustHandles="1" noChangeArrowheads="1" noChangeShapeType="1" noTextEdit="1"/>
-          </p:cNvSpPr>
-          <p:nvPr>
-            <p:extLst>
-              <p:ext uri="{386F3935-93C4-4BCD-93E2-E3B085C9AB24}">
-                <p16:designElem xmlns:p16="http://schemas.microsoft.com/office/powerpoint/2015/main" val="1"/>
-              </p:ext>
-            </p:extLst>
-          </p:nvPr>
-        </p:nvSpPr>
-        <p:spPr bwMode="ltGray">
-          <a:xfrm>
-            <a:off x="321564" y="320040"/>
-            <a:ext cx="11548872" cy="6217920"/>
-          </a:xfrm>
-          <a:prstGeom prst="rect">
-            <a:avLst/>
-          </a:prstGeom>
-          <a:solidFill>
-            <a:schemeClr val="tx1">
-              <a:alpha val="8000"/>
-            </a:schemeClr>
-          </a:solidFill>
-          <a:ln w="127000" cap="sq" cmpd="thinThick">
-            <a:noFill/>
-          </a:ln>
-        </p:spPr>
-        <p:style>
-          <a:lnRef idx="2">
-            <a:schemeClr val="accent1">
-              <a:shade val="50000"/>
-            </a:schemeClr>
-          </a:lnRef>
-          <a:fillRef idx="1">
-            <a:schemeClr val="accent1"/>
-          </a:fillRef>
-          <a:effectRef idx="0">
-            <a:schemeClr val="accent1"/>
-          </a:effectRef>
-          <a:fontRef idx="minor">
-            <a:schemeClr val="lt1"/>
-          </a:fontRef>
-        </p:style>
-        <p:txBody>
-          <a:bodyPr rtlCol="0" anchor="ctr"/>
-          <a:lstStyle/>
-          <a:p>
-            <a:pPr algn="ctr"/>
-            <a:endParaRPr lang="en-US"/>
-          </a:p>
-        </p:txBody>
-      </p:sp>
-      <p:cxnSp>
-        <p:nvCxnSpPr>
-          <p:cNvPr id="12" name="Straight Connector 11">
-            <a:extLst>
-              <a:ext uri="{FF2B5EF4-FFF2-40B4-BE49-F238E27FC236}">
-                <a16:creationId xmlns:a16="http://schemas.microsoft.com/office/drawing/2014/main" id="{2D72A2C9-F3CA-4216-8BAD-FA4C970C3C4E}"/>
-              </a:ext>
-            </a:extLst>
-          </p:cNvPr>
-          <p:cNvCxnSpPr>
-            <a:cxnSpLocks noGrp="1" noRot="1" noChangeAspect="1" noMove="1" noResize="1" noEditPoints="1" noAdjustHandles="1" noChangeArrowheads="1" noChangeShapeType="1"/>
-          </p:cNvCxnSpPr>
-          <p:nvPr>
-            <p:extLst>
-              <p:ext uri="{386F3935-93C4-4BCD-93E2-E3B085C9AB24}">
-                <p16:designElem xmlns:p16="http://schemas.microsoft.com/office/powerpoint/2015/main" val="1"/>
-              </p:ext>
-            </p:extLst>
-          </p:nvPr>
-        </p:nvCxnSpPr>
-        <p:spPr>
-          <a:xfrm>
-            <a:off x="4654296" y="2057400"/>
-            <a:ext cx="0" cy="2743200"/>
-          </a:xfrm>
-          <a:prstGeom prst="line">
-            <a:avLst/>
-          </a:prstGeom>
-          <a:ln w="19050">
-            <a:solidFill>
-              <a:schemeClr val="tx1">
-                <a:lumMod val="85000"/>
-                <a:lumOff val="15000"/>
-              </a:schemeClr>
-            </a:solidFill>
-          </a:ln>
-        </p:spPr>
-        <p:style>
-          <a:lnRef idx="1">
-            <a:schemeClr val="accent1"/>
-          </a:lnRef>
-          <a:fillRef idx="0">
-            <a:schemeClr val="accent1"/>
-          </a:fillRef>
-          <a:effectRef idx="0">
-            <a:schemeClr val="accent1"/>
-          </a:effectRef>
-          <a:fontRef idx="minor">
-            <a:schemeClr val="tx1"/>
-          </a:fontRef>
-        </p:style>
-      </p:cxnSp>
-      <p:sp>
-        <p:nvSpPr>
-          <p:cNvPr id="2" name="Title 1">
-            <a:extLst>
-              <a:ext uri="{FF2B5EF4-FFF2-40B4-BE49-F238E27FC236}">
-                <a16:creationId xmlns:a16="http://schemas.microsoft.com/office/drawing/2014/main" id="{E8D1B5E0-0ACD-2143-A7D0-1356FC64CC1D}"/>
-              </a:ext>
-            </a:extLst>
-          </p:cNvPr>
-          <p:cNvSpPr>
-            <a:spLocks noGrp="1"/>
-          </p:cNvSpPr>
-          <p:nvPr>
-            <p:ph type="title"/>
-          </p:nvPr>
-        </p:nvSpPr>
-        <p:spPr>
-          <a:xfrm>
-            <a:off x="838200" y="963877"/>
-            <a:ext cx="3494362" cy="4930246"/>
-          </a:xfrm>
-        </p:spPr>
-        <p:txBody>
-          <a:bodyPr>
-            <a:normAutofit/>
-          </a:bodyPr>
-          <a:lstStyle/>
-          <a:p>
-            <a:pPr algn="r"/>
-            <a:r>
-              <a:rPr lang="en-US">
-                <a:solidFill>
-                  <a:schemeClr val="accent1"/>
-                </a:solidFill>
-              </a:rPr>
-              <a:t>S3: Permissions and Policy (1)</a:t>
-            </a:r>
-          </a:p>
-        </p:txBody>
-      </p:sp>
-      <p:sp>
-        <p:nvSpPr>
-          <p:cNvPr id="3" name="Content Placeholder 2">
-            <a:extLst>
-              <a:ext uri="{FF2B5EF4-FFF2-40B4-BE49-F238E27FC236}">
-                <a16:creationId xmlns:a16="http://schemas.microsoft.com/office/drawing/2014/main" id="{B87F6636-D93D-8649-BD99-150671496D03}"/>
-              </a:ext>
-            </a:extLst>
-          </p:cNvPr>
-          <p:cNvSpPr>
-            <a:spLocks noGrp="1"/>
-          </p:cNvSpPr>
-          <p:nvPr>
-            <p:ph idx="1"/>
-          </p:nvPr>
-        </p:nvSpPr>
-        <p:spPr>
-          <a:xfrm>
-            <a:off x="4976031" y="963877"/>
-            <a:ext cx="6377769" cy="4930246"/>
-          </a:xfrm>
-        </p:spPr>
-        <p:txBody>
-          <a:bodyPr anchor="ctr">
-            <a:normAutofit/>
-          </a:bodyPr>
-          <a:lstStyle/>
-          <a:p>
-            <a:r>
-              <a:rPr lang="en-US" sz="2400"/>
-              <a:t>Why is this important? S3 buckets left open to public:</a:t>
-            </a:r>
-          </a:p>
-          <a:p>
-            <a:pPr lvl="1"/>
-            <a:r>
-              <a:rPr lang="en-US" dirty="0"/>
-              <a:t>Nov 2017 Contractor exposes personally identifiable data from 50,000 Australians (AMP, UGL, Rabobank)</a:t>
-            </a:r>
-          </a:p>
-          <a:p>
-            <a:pPr lvl="1"/>
-            <a:r>
-              <a:rPr lang="en-US" dirty="0"/>
-              <a:t>Nov 2017 Accenture leaked corporate information</a:t>
-            </a:r>
-          </a:p>
-          <a:p>
-            <a:pPr lvl="1"/>
-            <a:r>
-              <a:rPr lang="en-US" dirty="0"/>
-              <a:t>Alteryx exposes data on 120 million US households</a:t>
-            </a:r>
-          </a:p>
-          <a:p>
-            <a:pPr lvl="1"/>
-            <a:r>
-              <a:rPr lang="en-US" dirty="0"/>
-              <a:t>March 2018 Medical Data of 33,000 patients</a:t>
-            </a:r>
-          </a:p>
-          <a:p>
-            <a:r>
-              <a:rPr lang="en-US" sz="2400"/>
-              <a:t>Interesting to consider if this is a failure of the users or the system</a:t>
-            </a:r>
-          </a:p>
-          <a:p>
-            <a:r>
-              <a:rPr lang="en-US" sz="2400">
-                <a:sym typeface="Wingdings" pitchFamily="2" charset="2"/>
-              </a:rPr>
-              <a:t>Too complex?</a:t>
-            </a:r>
-          </a:p>
-          <a:p>
-            <a:endParaRPr lang="en-US" sz="2400"/>
-          </a:p>
-        </p:txBody>
-      </p:sp>
-      <p:sp>
-        <p:nvSpPr>
-          <p:cNvPr id="5" name="Slide Number Placeholder 4">
-            <a:extLst>
-              <a:ext uri="{FF2B5EF4-FFF2-40B4-BE49-F238E27FC236}">
-                <a16:creationId xmlns:a16="http://schemas.microsoft.com/office/drawing/2014/main" id="{05A07719-087C-CC49-8949-6C8C18688D7A}"/>
-              </a:ext>
-            </a:extLst>
-          </p:cNvPr>
-          <p:cNvSpPr>
-            <a:spLocks noGrp="1"/>
-          </p:cNvSpPr>
-          <p:nvPr>
-            <p:ph type="sldNum" sz="quarter" idx="12"/>
-          </p:nvPr>
-        </p:nvSpPr>
-        <p:spPr>
-          <a:xfrm>
-            <a:off x="10571516" y="6033479"/>
-            <a:ext cx="782283" cy="365125"/>
-          </a:xfrm>
-        </p:spPr>
-        <p:txBody>
-          <a:bodyPr>
-            <a:normAutofit/>
-          </a:bodyPr>
-          <a:lstStyle/>
-          <a:p>
-            <a:fld id="{05072F42-4DFA-4725-86F9-7594E4AB4EB5}" type="slidenum">
-              <a:rPr lang="en-GB" sz="1050">
-                <a:solidFill>
-                  <a:schemeClr val="tx1">
-                    <a:alpha val="80000"/>
-                  </a:schemeClr>
-                </a:solidFill>
-              </a:rPr>
-              <a:pPr/>
-              <a:t>7</a:t>
-            </a:fld>
-            <a:endParaRPr lang="en-GB" sz="1050">
-              <a:solidFill>
-                <a:schemeClr val="tx1">
-                  <a:alpha val="80000"/>
-                </a:schemeClr>
-              </a:solidFill>
-            </a:endParaRPr>
-          </a:p>
-        </p:txBody>
-      </p:sp>
-    </p:spTree>
-    <p:extLst>
-      <p:ext uri="{BB962C8B-B14F-4D97-AF65-F5344CB8AC3E}">
-        <p14:creationId xmlns:p14="http://schemas.microsoft.com/office/powerpoint/2010/main" val="203232584"/>
-      </p:ext>
-    </p:extLst>
-  </p:cSld>
-  <p:clrMapOvr>
-    <a:masterClrMapping/>
-  </p:clrMapOvr>
-</p:sld>
-</file>
-
-<file path=ppt/slides/slide8.xml><?xml version="1.0" encoding="utf-8"?>
-<p:sld xmlns:a="http://schemas.openxmlformats.org/drawingml/2006/main" xmlns:r="http://schemas.openxmlformats.org/officeDocument/2006/relationships" xmlns:p="http://schemas.openxmlformats.org/presentationml/2006/main">
-  <p:cSld>
-    <p:bg>
-      <p:bgPr>
-        <a:solidFill>
-          <a:schemeClr val="bg1"/>
-        </a:solidFill>
-        <a:effectLst/>
-      </p:bgPr>
-    </p:bg>
-    <p:spTree>
-      <p:nvGrpSpPr>
-        <p:cNvPr id="1" name=""/>
-        <p:cNvGrpSpPr/>
-        <p:nvPr/>
-      </p:nvGrpSpPr>
-      <p:grpSpPr>
-        <a:xfrm>
-          <a:off x="0" y="0"/>
-          <a:ext cx="0" cy="0"/>
-          <a:chOff x="0" y="0"/>
-          <a:chExt cx="0" cy="0"/>
-        </a:xfrm>
-      </p:grpSpPr>
-      <p:pic>
-        <p:nvPicPr>
-          <p:cNvPr id="6" name="Picture 5">
-            <a:extLst>
-              <a:ext uri="{FF2B5EF4-FFF2-40B4-BE49-F238E27FC236}">
-                <a16:creationId xmlns:a16="http://schemas.microsoft.com/office/drawing/2014/main" id="{2C20DE96-421A-C34C-A462-FE30C00F4EC0}"/>
-              </a:ext>
-            </a:extLst>
-          </p:cNvPr>
-          <p:cNvPicPr>
-            <a:picLocks noChangeAspect="1"/>
-          </p:cNvPicPr>
-          <p:nvPr/>
-        </p:nvPicPr>
-        <p:blipFill rotWithShape="1">
-          <a:blip r:embed="rId2">
-            <a:extLst>
-              <a:ext uri="{28A0092B-C50C-407E-A947-70E740481C1C}">
-                <a14:useLocalDpi xmlns:a14="http://schemas.microsoft.com/office/drawing/2010/main" val="0"/>
-              </a:ext>
-            </a:extLst>
-          </a:blip>
-          <a:srcRect l="721" r="25972" b="-1"/>
-          <a:stretch/>
-        </p:blipFill>
-        <p:spPr>
-          <a:xfrm>
-            <a:off x="5120640" y="1904281"/>
-            <a:ext cx="6233160" cy="4272681"/>
-          </a:xfrm>
-          <a:prstGeom prst="rect">
-            <a:avLst/>
-          </a:prstGeom>
-        </p:spPr>
-      </p:pic>
-      <p:sp>
-        <p:nvSpPr>
-          <p:cNvPr id="2" name="Title 1">
-            <a:extLst>
-              <a:ext uri="{FF2B5EF4-FFF2-40B4-BE49-F238E27FC236}">
-                <a16:creationId xmlns:a16="http://schemas.microsoft.com/office/drawing/2014/main" id="{E8D1B5E0-0ACD-2143-A7D0-1356FC64CC1D}"/>
-              </a:ext>
-            </a:extLst>
-          </p:cNvPr>
-          <p:cNvSpPr>
-            <a:spLocks noGrp="1"/>
-          </p:cNvSpPr>
-          <p:nvPr>
-            <p:ph type="title"/>
-          </p:nvPr>
-        </p:nvSpPr>
-        <p:spPr>
-          <a:xfrm>
-            <a:off x="838200" y="365125"/>
-            <a:ext cx="10515600" cy="1325563"/>
-          </a:xfrm>
-        </p:spPr>
-        <p:txBody>
-          <a:bodyPr>
-            <a:normAutofit/>
-          </a:bodyPr>
-          <a:lstStyle/>
-          <a:p>
-            <a:r>
-              <a:rPr lang="en-US" dirty="0"/>
-              <a:t>S3: Permissions and Policy (2)</a:t>
-            </a:r>
-          </a:p>
-        </p:txBody>
-      </p:sp>
-      <p:sp>
-        <p:nvSpPr>
-          <p:cNvPr id="3" name="Content Placeholder 2">
-            <a:extLst>
-              <a:ext uri="{FF2B5EF4-FFF2-40B4-BE49-F238E27FC236}">
-                <a16:creationId xmlns:a16="http://schemas.microsoft.com/office/drawing/2014/main" id="{B87F6636-D93D-8649-BD99-150671496D03}"/>
-              </a:ext>
-            </a:extLst>
-          </p:cNvPr>
-          <p:cNvSpPr>
-            <a:spLocks noGrp="1"/>
-          </p:cNvSpPr>
-          <p:nvPr>
-            <p:ph idx="1"/>
-          </p:nvPr>
-        </p:nvSpPr>
-        <p:spPr>
-          <a:xfrm>
-            <a:off x="838200" y="1825625"/>
-            <a:ext cx="3797807" cy="4351338"/>
-          </a:xfrm>
-        </p:spPr>
-        <p:txBody>
-          <a:bodyPr>
-            <a:normAutofit/>
-          </a:bodyPr>
-          <a:lstStyle/>
-          <a:p>
-            <a:r>
-              <a:rPr lang="en-US" sz="1600"/>
-              <a:t>Access to S3 buckets and objects controlled by:</a:t>
-            </a:r>
-          </a:p>
-          <a:p>
-            <a:pPr lvl="1"/>
-            <a:r>
-              <a:rPr lang="en-US" sz="1600">
-                <a:sym typeface="Wingdings" pitchFamily="2" charset="2"/>
-              </a:rPr>
-              <a:t>User policies</a:t>
-            </a:r>
-          </a:p>
-          <a:p>
-            <a:pPr lvl="1"/>
-            <a:r>
-              <a:rPr lang="en-US" sz="1600">
-                <a:sym typeface="Wingdings" pitchFamily="2" charset="2"/>
-              </a:rPr>
-              <a:t>Bucket policy</a:t>
-            </a:r>
-          </a:p>
-          <a:p>
-            <a:pPr lvl="1"/>
-            <a:r>
-              <a:rPr lang="en-US" sz="1600">
-                <a:sym typeface="Wingdings" pitchFamily="2" charset="2"/>
-              </a:rPr>
-              <a:t>Bucket ACL (Access Control List)</a:t>
-            </a:r>
-          </a:p>
-          <a:p>
-            <a:pPr lvl="1"/>
-            <a:r>
-              <a:rPr lang="en-US" sz="1600">
-                <a:sym typeface="Wingdings" pitchFamily="2" charset="2"/>
-              </a:rPr>
-              <a:t>Object ACL</a:t>
-            </a:r>
-          </a:p>
-          <a:p>
-            <a:r>
-              <a:rPr lang="en-US" sz="1600">
-                <a:sym typeface="Wingdings" pitchFamily="2" charset="2"/>
-              </a:rPr>
-              <a:t>ACL</a:t>
-            </a:r>
-          </a:p>
-          <a:p>
-            <a:pPr lvl="1"/>
-            <a:r>
-              <a:rPr lang="en-US" sz="1600">
-                <a:sym typeface="Wingdings" pitchFamily="2" charset="2"/>
-              </a:rPr>
-              <a:t>Buckets and Objects can have ACLs</a:t>
-            </a:r>
-          </a:p>
-          <a:p>
-            <a:pPr lvl="1"/>
-            <a:r>
-              <a:rPr lang="en-US" sz="1600">
-                <a:sym typeface="Wingdings" pitchFamily="2" charset="2"/>
-              </a:rPr>
-              <a:t>ACLs grant Read/Write permissions to specific AWS users</a:t>
-            </a:r>
-          </a:p>
-          <a:p>
-            <a:r>
-              <a:rPr lang="en-US" sz="1600">
-                <a:sym typeface="Wingdings" pitchFamily="2" charset="2"/>
-              </a:rPr>
-              <a:t>Bucket and Object Policies</a:t>
-            </a:r>
-          </a:p>
-          <a:p>
-            <a:pPr lvl="1"/>
-            <a:r>
-              <a:rPr lang="en-US" sz="1600">
-                <a:sym typeface="Wingdings" pitchFamily="2" charset="2"/>
-              </a:rPr>
-              <a:t>Specified in JSON</a:t>
-            </a:r>
-          </a:p>
-          <a:p>
-            <a:pPr lvl="1"/>
-            <a:r>
-              <a:rPr lang="en-US" sz="1600">
-                <a:sym typeface="Wingdings" pitchFamily="2" charset="2"/>
-              </a:rPr>
-              <a:t>Applies to IAM and AWS users and Anonymous (Public) access</a:t>
-            </a:r>
-          </a:p>
-          <a:p>
-            <a:endParaRPr lang="en-US" sz="1600"/>
-          </a:p>
-        </p:txBody>
-      </p:sp>
-      <p:sp>
-        <p:nvSpPr>
-          <p:cNvPr id="5" name="Slide Number Placeholder 4">
-            <a:extLst>
-              <a:ext uri="{FF2B5EF4-FFF2-40B4-BE49-F238E27FC236}">
-                <a16:creationId xmlns:a16="http://schemas.microsoft.com/office/drawing/2014/main" id="{05A07719-087C-CC49-8949-6C8C18688D7A}"/>
-              </a:ext>
-            </a:extLst>
-          </p:cNvPr>
-          <p:cNvSpPr>
-            <a:spLocks noGrp="1"/>
-          </p:cNvSpPr>
-          <p:nvPr>
-            <p:ph type="sldNum" sz="quarter" idx="12"/>
-          </p:nvPr>
-        </p:nvSpPr>
-        <p:spPr>
-          <a:xfrm>
-            <a:off x="8610600" y="6356350"/>
-            <a:ext cx="2743200" cy="365125"/>
-          </a:xfrm>
-        </p:spPr>
-        <p:txBody>
-          <a:bodyPr>
-            <a:normAutofit/>
-          </a:bodyPr>
-          <a:lstStyle/>
-          <a:p>
-            <a:fld id="{05072F42-4DFA-4725-86F9-7594E4AB4EB5}" type="slidenum">
-              <a:rPr lang="en-GB" smtClean="0"/>
-              <a:pPr/>
-              <a:t>8</a:t>
-            </a:fld>
-            <a:endParaRPr lang="en-GB"/>
-          </a:p>
-        </p:txBody>
-      </p:sp>
-    </p:spTree>
-    <p:extLst>
-      <p:ext uri="{BB962C8B-B14F-4D97-AF65-F5344CB8AC3E}">
-        <p14:creationId xmlns:p14="http://schemas.microsoft.com/office/powerpoint/2010/main" val="2484526407"/>
-      </p:ext>
-    </p:extLst>
-  </p:cSld>
-  <p:clrMapOvr>
-    <a:masterClrMapping/>
-  </p:clrMapOvr>
-</p:sld>
-</file>
-
-<file path=ppt/slides/slide9.xml><?xml version="1.0" encoding="utf-8"?>
-<p:sld xmlns:a="http://schemas.openxmlformats.org/drawingml/2006/main" xmlns:r="http://schemas.openxmlformats.org/officeDocument/2006/relationships" xmlns:p="http://schemas.openxmlformats.org/presentationml/2006/main">
-  <p:cSld>
-    <p:bg>
-      <p:bgPr>
-        <a:solidFill>
-          <a:schemeClr val="bg1"/>
-        </a:solidFill>
-        <a:effectLst/>
-      </p:bgPr>
-    </p:bg>
-    <p:spTree>
-      <p:nvGrpSpPr>
-        <p:cNvPr id="1" name=""/>
-        <p:cNvGrpSpPr/>
-        <p:nvPr/>
-      </p:nvGrpSpPr>
-      <p:grpSpPr>
-        <a:xfrm>
-          <a:off x="0" y="0"/>
-          <a:ext cx="0" cy="0"/>
-          <a:chOff x="0" y="0"/>
-          <a:chExt cx="0" cy="0"/>
-        </a:xfrm>
-      </p:grpSpPr>
-      <p:sp>
-        <p:nvSpPr>
-          <p:cNvPr id="11" name="Rectangle: Top Corners Rounded 10">
-            <a:extLst>
-              <a:ext uri="{FF2B5EF4-FFF2-40B4-BE49-F238E27FC236}">
-                <a16:creationId xmlns:a16="http://schemas.microsoft.com/office/drawing/2014/main" id="{3BAF1561-20C4-41FD-A35F-BF2B9E727F3E}"/>
-              </a:ext>
-            </a:extLst>
-          </p:cNvPr>
-          <p:cNvSpPr>
-            <a:spLocks noGrp="1" noRot="1" noChangeAspect="1" noMove="1" noResize="1" noEditPoints="1" noAdjustHandles="1" noChangeArrowheads="1" noChangeShapeType="1" noTextEdit="1"/>
-          </p:cNvSpPr>
-          <p:nvPr>
-            <p:extLst>
-              <p:ext uri="{386F3935-93C4-4BCD-93E2-E3B085C9AB24}">
-                <p16:designElem xmlns:p16="http://schemas.microsoft.com/office/powerpoint/2015/main" val="1"/>
-              </p:ext>
-            </p:extLst>
-          </p:nvPr>
-        </p:nvSpPr>
-        <p:spPr>
-          <a:xfrm rot="5400000" flipH="1">
-            <a:off x="-529466" y="996722"/>
-            <a:ext cx="5923488" cy="4864556"/>
-          </a:xfrm>
-          <a:prstGeom prst="round2SameRect">
-            <a:avLst>
-              <a:gd name="adj1" fmla="val 3762"/>
-              <a:gd name="adj2" fmla="val 0"/>
-            </a:avLst>
-          </a:prstGeom>
-          <a:solidFill>
-            <a:schemeClr val="tx1">
-              <a:lumMod val="75000"/>
-              <a:lumOff val="25000"/>
-            </a:schemeClr>
-          </a:solidFill>
-          <a:ln>
-            <a:noFill/>
-          </a:ln>
-        </p:spPr>
-        <p:style>
-          <a:lnRef idx="2">
-            <a:schemeClr val="accent1">
-              <a:shade val="50000"/>
-            </a:schemeClr>
-          </a:lnRef>
-          <a:fillRef idx="1">
-            <a:schemeClr val="accent1"/>
-          </a:fillRef>
-          <a:effectRef idx="0">
-            <a:schemeClr val="accent1"/>
-          </a:effectRef>
-          <a:fontRef idx="minor">
-            <a:schemeClr val="lt1"/>
-          </a:fontRef>
-        </p:style>
-        <p:txBody>
-          <a:bodyPr rtlCol="0" anchor="ctr"/>
-          <a:lstStyle/>
-          <a:p>
-            <a:pPr marL="0" marR="0" lvl="0" indent="0" algn="ctr" defTabSz="914400" rtl="0" eaLnBrk="1" fontAlgn="auto" latinLnBrk="0" hangingPunct="1">
-              <a:lnSpc>
-                <a:spcPct val="100000"/>
-              </a:lnSpc>
-              <a:spcBef>
-                <a:spcPts val="0"/>
-              </a:spcBef>
-              <a:spcAft>
-                <a:spcPts val="0"/>
-              </a:spcAft>
-              <a:buClrTx/>
-              <a:buSzTx/>
-              <a:buFontTx/>
-              <a:buNone/>
-              <a:tabLst/>
-              <a:defRPr/>
-            </a:pPr>
-            <a:endParaRPr kumimoji="0" lang="en-US" sz="1800" b="0" i="0" u="none" strike="noStrike" kern="1200" cap="none" spc="0" normalizeH="0" baseline="0" noProof="0">
-              <a:ln>
-                <a:noFill/>
-              </a:ln>
-              <a:solidFill>
-                <a:prstClr val="white"/>
-              </a:solidFill>
-              <a:effectLst/>
-              <a:uLnTx/>
-              <a:uFillTx/>
-              <a:latin typeface="Calibri" panose="020F0502020204030204"/>
-              <a:ea typeface="+mn-ea"/>
-              <a:cs typeface="+mn-cs"/>
-            </a:endParaRPr>
-          </a:p>
-        </p:txBody>
-      </p:sp>
-      <p:sp>
-        <p:nvSpPr>
-          <p:cNvPr id="13" name="Rectangle: Top Corners Rounded 12">
-            <a:extLst>
-              <a:ext uri="{FF2B5EF4-FFF2-40B4-BE49-F238E27FC236}">
-                <a16:creationId xmlns:a16="http://schemas.microsoft.com/office/drawing/2014/main" id="{839DC788-B140-4F3E-A91E-CB3E70ED940A}"/>
-              </a:ext>
-            </a:extLst>
-          </p:cNvPr>
-          <p:cNvSpPr>
-            <a:spLocks noGrp="1" noRot="1" noChangeAspect="1" noMove="1" noResize="1" noEditPoints="1" noAdjustHandles="1" noChangeArrowheads="1" noChangeShapeType="1" noTextEdit="1"/>
-          </p:cNvSpPr>
-          <p:nvPr>
-            <p:extLst>
-              <p:ext uri="{386F3935-93C4-4BCD-93E2-E3B085C9AB24}">
-                <p16:designElem xmlns:p16="http://schemas.microsoft.com/office/powerpoint/2015/main" val="1"/>
-              </p:ext>
-            </p:extLst>
-          </p:nvPr>
-        </p:nvSpPr>
-        <p:spPr>
-          <a:xfrm rot="5400000" flipH="1">
-            <a:off x="-457200" y="1050468"/>
-            <a:ext cx="5609397" cy="4757058"/>
-          </a:xfrm>
-          <a:prstGeom prst="round2SameRect">
-            <a:avLst>
-              <a:gd name="adj1" fmla="val 2061"/>
-              <a:gd name="adj2" fmla="val 0"/>
-            </a:avLst>
-          </a:prstGeom>
-          <a:noFill/>
-          <a:ln w="50800">
-            <a:solidFill>
-              <a:schemeClr val="bg1"/>
-            </a:solidFill>
-          </a:ln>
-        </p:spPr>
-        <p:style>
-          <a:lnRef idx="2">
-            <a:schemeClr val="accent1">
-              <a:shade val="50000"/>
-            </a:schemeClr>
-          </a:lnRef>
-          <a:fillRef idx="1">
-            <a:schemeClr val="accent1"/>
-          </a:fillRef>
-          <a:effectRef idx="0">
-            <a:schemeClr val="accent1"/>
-          </a:effectRef>
-          <a:fontRef idx="minor">
-            <a:schemeClr val="lt1"/>
-          </a:fontRef>
-        </p:style>
-        <p:txBody>
-          <a:bodyPr rtlCol="0" anchor="ctr"/>
-          <a:lstStyle/>
-          <a:p>
-            <a:pPr marL="0" marR="0" lvl="0" indent="0" algn="ctr" defTabSz="914400" rtl="0" eaLnBrk="1" fontAlgn="auto" latinLnBrk="0" hangingPunct="1">
-              <a:lnSpc>
-                <a:spcPct val="100000"/>
-              </a:lnSpc>
-              <a:spcBef>
-                <a:spcPts val="0"/>
-              </a:spcBef>
-              <a:spcAft>
-                <a:spcPts val="0"/>
-              </a:spcAft>
-              <a:buClrTx/>
-              <a:buSzTx/>
-              <a:buFontTx/>
-              <a:buNone/>
-              <a:tabLst/>
-              <a:defRPr/>
-            </a:pPr>
-            <a:endParaRPr kumimoji="0" lang="en-US" sz="1800" b="0" i="0" u="none" strike="noStrike" kern="1200" cap="none" spc="0" normalizeH="0" baseline="0" noProof="0">
-              <a:ln>
-                <a:noFill/>
-              </a:ln>
-              <a:solidFill>
-                <a:prstClr val="white"/>
-              </a:solidFill>
-              <a:effectLst/>
-              <a:uLnTx/>
-              <a:uFillTx/>
-              <a:latin typeface="Calibri" panose="020F0502020204030204"/>
-              <a:ea typeface="+mn-ea"/>
-              <a:cs typeface="+mn-cs"/>
-            </a:endParaRPr>
-          </a:p>
-        </p:txBody>
-      </p:sp>
-      <p:cxnSp>
-        <p:nvCxnSpPr>
-          <p:cNvPr id="15" name="Straight Connector 14">
-            <a:extLst>
-              <a:ext uri="{FF2B5EF4-FFF2-40B4-BE49-F238E27FC236}">
-                <a16:creationId xmlns:a16="http://schemas.microsoft.com/office/drawing/2014/main" id="{FC18D930-0EEE-448F-ABF1-2AA3C83DA552}"/>
-              </a:ext>
-            </a:extLst>
-          </p:cNvPr>
-          <p:cNvCxnSpPr>
-            <a:cxnSpLocks noGrp="1" noRot="1" noChangeAspect="1" noMove="1" noResize="1" noEditPoints="1" noAdjustHandles="1" noChangeArrowheads="1" noChangeShapeType="1"/>
-          </p:cNvCxnSpPr>
-          <p:nvPr>
-            <p:extLst>
-              <p:ext uri="{386F3935-93C4-4BCD-93E2-E3B085C9AB24}">
-                <p16:designElem xmlns:p16="http://schemas.microsoft.com/office/powerpoint/2015/main" val="1"/>
-              </p:ext>
-            </p:extLst>
-          </p:nvPr>
-        </p:nvCxnSpPr>
-        <p:spPr>
-          <a:xfrm>
-            <a:off x="524071" y="2705800"/>
-            <a:ext cx="1597456" cy="0"/>
-          </a:xfrm>
-          <a:prstGeom prst="line">
-            <a:avLst/>
-          </a:prstGeom>
-          <a:ln w="50800">
-            <a:solidFill>
-              <a:schemeClr val="bg1">
-                <a:lumMod val="65000"/>
-              </a:schemeClr>
-            </a:solidFill>
-          </a:ln>
-        </p:spPr>
-        <p:style>
-          <a:lnRef idx="1">
-            <a:schemeClr val="accent1"/>
-          </a:lnRef>
-          <a:fillRef idx="0">
-            <a:schemeClr val="accent1"/>
-          </a:fillRef>
-          <a:effectRef idx="0">
-            <a:schemeClr val="accent1"/>
-          </a:effectRef>
-          <a:fontRef idx="minor">
-            <a:schemeClr val="tx1"/>
-          </a:fontRef>
-        </p:style>
-      </p:cxnSp>
-      <p:pic>
-        <p:nvPicPr>
-          <p:cNvPr id="6" name="Picture 5">
-            <a:extLst>
-              <a:ext uri="{FF2B5EF4-FFF2-40B4-BE49-F238E27FC236}">
-                <a16:creationId xmlns:a16="http://schemas.microsoft.com/office/drawing/2014/main" id="{C9FD9BA3-D505-1744-8917-C64E13473317}"/>
-              </a:ext>
-            </a:extLst>
-          </p:cNvPr>
-          <p:cNvPicPr>
-            <a:picLocks noChangeAspect="1"/>
-          </p:cNvPicPr>
-          <p:nvPr/>
-        </p:nvPicPr>
-        <p:blipFill>
-          <a:blip r:embed="rId3">
-            <a:extLst>
-              <a:ext uri="{28A0092B-C50C-407E-A947-70E740481C1C}">
-                <a14:useLocalDpi xmlns:a14="http://schemas.microsoft.com/office/drawing/2010/main" val="0"/>
-              </a:ext>
-            </a:extLst>
-          </a:blip>
-          <a:stretch>
-            <a:fillRect/>
-          </a:stretch>
-        </p:blipFill>
-        <p:spPr>
-          <a:xfrm>
-            <a:off x="5313864" y="467256"/>
-            <a:ext cx="6321922" cy="5766440"/>
-          </a:xfrm>
-          <a:prstGeom prst="rect">
-            <a:avLst/>
-          </a:prstGeom>
-        </p:spPr>
-      </p:pic>
-      <p:sp>
-        <p:nvSpPr>
-          <p:cNvPr id="2" name="Title 1">
-            <a:extLst>
-              <a:ext uri="{FF2B5EF4-FFF2-40B4-BE49-F238E27FC236}">
-                <a16:creationId xmlns:a16="http://schemas.microsoft.com/office/drawing/2014/main" id="{E8D1B5E0-0ACD-2143-A7D0-1356FC64CC1D}"/>
-              </a:ext>
-            </a:extLst>
-          </p:cNvPr>
-          <p:cNvSpPr>
-            <a:spLocks noGrp="1"/>
-          </p:cNvSpPr>
-          <p:nvPr>
-            <p:ph type="title"/>
-          </p:nvPr>
-        </p:nvSpPr>
-        <p:spPr>
-          <a:xfrm>
-            <a:off x="321733" y="981091"/>
-            <a:ext cx="4092951" cy="1624457"/>
-          </a:xfrm>
-        </p:spPr>
-        <p:txBody>
-          <a:bodyPr>
-            <a:normAutofit/>
-          </a:bodyPr>
-          <a:lstStyle/>
-          <a:p>
-            <a:r>
-              <a:rPr lang="en-US" sz="3600">
-                <a:solidFill>
-                  <a:schemeClr val="bg1"/>
-                </a:solidFill>
-              </a:rPr>
-              <a:t>S3: Permissions and Policy (3)</a:t>
-            </a:r>
-          </a:p>
-        </p:txBody>
-      </p:sp>
-      <p:sp>
-        <p:nvSpPr>
-          <p:cNvPr id="3" name="Content Placeholder 2">
-            <a:extLst>
-              <a:ext uri="{FF2B5EF4-FFF2-40B4-BE49-F238E27FC236}">
-                <a16:creationId xmlns:a16="http://schemas.microsoft.com/office/drawing/2014/main" id="{B87F6636-D93D-8649-BD99-150671496D03}"/>
-              </a:ext>
-            </a:extLst>
-          </p:cNvPr>
-          <p:cNvSpPr>
-            <a:spLocks noGrp="1"/>
-          </p:cNvSpPr>
-          <p:nvPr>
-            <p:ph idx="1"/>
-          </p:nvPr>
-        </p:nvSpPr>
-        <p:spPr>
-          <a:xfrm>
-            <a:off x="321733" y="2834809"/>
-            <a:ext cx="4092951" cy="3042099"/>
-          </a:xfrm>
-        </p:spPr>
-        <p:txBody>
-          <a:bodyPr anchor="t">
-            <a:normAutofit/>
-          </a:bodyPr>
-          <a:lstStyle/>
-          <a:p>
-            <a:r>
-              <a:rPr lang="en-US" sz="2000">
-                <a:solidFill>
-                  <a:schemeClr val="bg1"/>
-                </a:solidFill>
-              </a:rPr>
-              <a:t>User Policy attached to IAM user, group or role</a:t>
-            </a:r>
-          </a:p>
-          <a:p>
-            <a:r>
-              <a:rPr lang="en-US" sz="2000">
-                <a:solidFill>
-                  <a:schemeClr val="bg1"/>
-                </a:solidFill>
-                <a:sym typeface="Wingdings" pitchFamily="2" charset="2"/>
-              </a:rPr>
-              <a:t>Gives access of a particular kind to a particular resource</a:t>
-            </a:r>
-          </a:p>
-          <a:p>
-            <a:endParaRPr lang="en-US" sz="2000">
-              <a:solidFill>
-                <a:schemeClr val="bg1"/>
-              </a:solidFill>
-              <a:sym typeface="Wingdings" pitchFamily="2" charset="2"/>
-            </a:endParaRPr>
-          </a:p>
-          <a:p>
-            <a:endParaRPr lang="en-US" sz="2000">
-              <a:solidFill>
-                <a:schemeClr val="bg1"/>
-              </a:solidFill>
-            </a:endParaRPr>
-          </a:p>
-        </p:txBody>
-      </p:sp>
-      <p:sp>
-        <p:nvSpPr>
-          <p:cNvPr id="5" name="Slide Number Placeholder 4">
-            <a:extLst>
-              <a:ext uri="{FF2B5EF4-FFF2-40B4-BE49-F238E27FC236}">
-                <a16:creationId xmlns:a16="http://schemas.microsoft.com/office/drawing/2014/main" id="{05A07719-087C-CC49-8949-6C8C18688D7A}"/>
-              </a:ext>
-            </a:extLst>
-          </p:cNvPr>
-          <p:cNvSpPr>
-            <a:spLocks noGrp="1"/>
-          </p:cNvSpPr>
-          <p:nvPr>
-            <p:ph type="sldNum" sz="quarter" idx="12"/>
-          </p:nvPr>
-        </p:nvSpPr>
-        <p:spPr>
-          <a:xfrm>
-            <a:off x="8610600" y="6356350"/>
-            <a:ext cx="2743200" cy="365125"/>
-          </a:xfrm>
-        </p:spPr>
-        <p:txBody>
-          <a:bodyPr>
-            <a:normAutofit/>
-          </a:bodyPr>
-          <a:lstStyle/>
-          <a:p>
-            <a:fld id="{05072F42-4DFA-4725-86F9-7594E4AB4EB5}" type="slidenum">
-              <a:rPr lang="en-GB">
-                <a:solidFill>
-                  <a:prstClr val="black">
-                    <a:tint val="75000"/>
-                  </a:prstClr>
-                </a:solidFill>
-              </a:rPr>
-              <a:pPr/>
-              <a:t>9</a:t>
-            </a:fld>
-            <a:endParaRPr lang="en-GB">
-              <a:solidFill>
-                <a:prstClr val="black">
-                  <a:tint val="75000"/>
-                </a:prstClr>
-              </a:solidFill>
-            </a:endParaRPr>
-          </a:p>
-        </p:txBody>
-      </p:sp>
-    </p:spTree>
-    <p:extLst>
-      <p:ext uri="{BB962C8B-B14F-4D97-AF65-F5344CB8AC3E}">
-        <p14:creationId xmlns:p14="http://schemas.microsoft.com/office/powerpoint/2010/main" val="3350841482"/>
       </p:ext>
     </p:extLst>
   </p:cSld>

--- a/Lectures/CITS5503LectureStorage.pptx
+++ b/Lectures/CITS5503LectureStorage.pptx
@@ -15749,8 +15749,13 @@
             </a:pPr>
             <a:r>
               <a:rPr lang="en-AU" dirty="0"/>
-              <a:t>Objects stored in buckets that are arranged hierarchically</a:t>
-            </a:r>
+              <a:t>Objects stored </a:t>
+            </a:r>
+            <a:r>
+              <a:rPr lang="en-AU"/>
+              <a:t>in buckets</a:t>
+            </a:r>
+            <a:endParaRPr lang="en-AU" dirty="0"/>
           </a:p>
           <a:p>
             <a:pPr lvl="1">

--- a/Lectures/CITS5503LectureStorage.pptx
+++ b/Lectures/CITS5503LectureStorage.pptx
@@ -3100,7 +3100,7 @@
             <a:fld id="{B61BEF0D-F0BB-DE4B-95CE-6DB70DBA9567}" type="datetimeFigureOut">
               <a:rPr lang="en-US" smtClean="0"/>
               <a:pPr/>
-              <a:t>8/19/18</a:t>
+              <a:t>8/19/19</a:t>
             </a:fld>
             <a:endParaRPr lang="en-US" dirty="0"/>
           </a:p>
@@ -3300,7 +3300,7 @@
             <a:fld id="{B61BEF0D-F0BB-DE4B-95CE-6DB70DBA9567}" type="datetimeFigureOut">
               <a:rPr lang="en-US" smtClean="0"/>
               <a:pPr/>
-              <a:t>8/19/18</a:t>
+              <a:t>8/19/19</a:t>
             </a:fld>
             <a:endParaRPr lang="en-US" dirty="0"/>
           </a:p>
@@ -3515,7 +3515,7 @@
             <a:fld id="{B61BEF0D-F0BB-DE4B-95CE-6DB70DBA9567}" type="datetimeFigureOut">
               <a:rPr lang="en-US" smtClean="0"/>
               <a:pPr/>
-              <a:t>8/19/18</a:t>
+              <a:t>8/19/19</a:t>
             </a:fld>
             <a:endParaRPr lang="en-US" dirty="0"/>
           </a:p>
@@ -4055,7 +4055,7 @@
             <a:fld id="{B61BEF0D-F0BB-DE4B-95CE-6DB70DBA9567}" type="datetimeFigureOut">
               <a:rPr lang="en-US" smtClean="0"/>
               <a:pPr/>
-              <a:t>8/19/18</a:t>
+              <a:t>8/19/19</a:t>
             </a:fld>
             <a:endParaRPr lang="en-US" dirty="0"/>
           </a:p>
@@ -4333,7 +4333,7 @@
             <a:fld id="{B61BEF0D-F0BB-DE4B-95CE-6DB70DBA9567}" type="datetimeFigureOut">
               <a:rPr lang="en-US" smtClean="0"/>
               <a:pPr/>
-              <a:t>8/19/18</a:t>
+              <a:t>8/19/19</a:t>
             </a:fld>
             <a:endParaRPr lang="en-US" dirty="0"/>
           </a:p>
@@ -4605,7 +4605,7 @@
             <a:fld id="{B61BEF0D-F0BB-DE4B-95CE-6DB70DBA9567}" type="datetimeFigureOut">
               <a:rPr lang="en-US" smtClean="0"/>
               <a:pPr/>
-              <a:t>8/19/18</a:t>
+              <a:t>8/19/19</a:t>
             </a:fld>
             <a:endParaRPr lang="en-US" dirty="0"/>
           </a:p>
@@ -5024,7 +5024,7 @@
             <a:fld id="{B61BEF0D-F0BB-DE4B-95CE-6DB70DBA9567}" type="datetimeFigureOut">
               <a:rPr lang="en-US" smtClean="0"/>
               <a:pPr/>
-              <a:t>8/19/18</a:t>
+              <a:t>8/19/19</a:t>
             </a:fld>
             <a:endParaRPr lang="en-US" dirty="0"/>
           </a:p>
@@ -5172,7 +5172,7 @@
             <a:fld id="{B61BEF0D-F0BB-DE4B-95CE-6DB70DBA9567}" type="datetimeFigureOut">
               <a:rPr lang="en-US" smtClean="0"/>
               <a:pPr/>
-              <a:t>8/19/18</a:t>
+              <a:t>8/19/19</a:t>
             </a:fld>
             <a:endParaRPr lang="en-US" dirty="0"/>
           </a:p>
@@ -5292,7 +5292,7 @@
             <a:fld id="{B61BEF0D-F0BB-DE4B-95CE-6DB70DBA9567}" type="datetimeFigureOut">
               <a:rPr lang="en-US" smtClean="0"/>
               <a:pPr/>
-              <a:t>8/19/18</a:t>
+              <a:t>8/19/19</a:t>
             </a:fld>
             <a:endParaRPr lang="en-US" dirty="0"/>
           </a:p>
@@ -5610,7 +5610,7 @@
             <a:fld id="{B61BEF0D-F0BB-DE4B-95CE-6DB70DBA9567}" type="datetimeFigureOut">
               <a:rPr lang="en-US" smtClean="0"/>
               <a:pPr/>
-              <a:t>8/19/18</a:t>
+              <a:t>8/19/19</a:t>
             </a:fld>
             <a:endParaRPr lang="en-US" dirty="0"/>
           </a:p>
@@ -5905,7 +5905,7 @@
             <a:fld id="{B61BEF0D-F0BB-DE4B-95CE-6DB70DBA9567}" type="datetimeFigureOut">
               <a:rPr lang="en-US" smtClean="0"/>
               <a:pPr/>
-              <a:t>8/19/18</a:t>
+              <a:t>8/19/19</a:t>
             </a:fld>
             <a:endParaRPr lang="en-US" dirty="0"/>
           </a:p>
@@ -6153,7 +6153,7 @@
             <a:fld id="{B61BEF0D-F0BB-DE4B-95CE-6DB70DBA9567}" type="datetimeFigureOut">
               <a:rPr lang="en-US" smtClean="0"/>
               <a:pPr/>
-              <a:t>8/19/18</a:t>
+              <a:t>8/19/19</a:t>
             </a:fld>
             <a:endParaRPr lang="en-US" dirty="0"/>
           </a:p>
@@ -7032,7 +7032,7 @@
         <p:spPr/>
         <p:txBody>
           <a:bodyPr>
-            <a:normAutofit fontScale="92500" lnSpcReduction="10000"/>
+            <a:normAutofit/>
           </a:bodyPr>
           <a:lstStyle/>
           <a:p>
@@ -7089,12 +7089,6 @@
             <a:r>
               <a:rPr lang="en-US" dirty="0"/>
               <a:t>cits5503-students is the bucket </a:t>
-            </a:r>
-          </a:p>
-          <a:p>
-            <a:r>
-              <a:rPr lang="en-US" dirty="0"/>
-              <a:t>Note: only buckets and objects have properties and permissions – folders are simply part of the object name</a:t>
             </a:r>
           </a:p>
         </p:txBody>
@@ -7168,7 +7162,7 @@
         </p:nvSpPr>
         <p:spPr>
           <a:xfrm>
-            <a:off x="951079" y="3431907"/>
+            <a:off x="951079" y="3856910"/>
             <a:ext cx="9869321" cy="1138773"/>
           </a:xfrm>
           <a:prstGeom prst="rect">

--- a/Lectures/CITS5503LectureStorage.pptx
+++ b/Lectures/CITS5503LectureStorage.pptx
@@ -3100,7 +3100,7 @@
             <a:fld id="{B61BEF0D-F0BB-DE4B-95CE-6DB70DBA9567}" type="datetimeFigureOut">
               <a:rPr lang="en-US" smtClean="0"/>
               <a:pPr/>
-              <a:t>8/19/19</a:t>
+              <a:t>7/16/21</a:t>
             </a:fld>
             <a:endParaRPr lang="en-US" dirty="0"/>
           </a:p>
@@ -3300,7 +3300,7 @@
             <a:fld id="{B61BEF0D-F0BB-DE4B-95CE-6DB70DBA9567}" type="datetimeFigureOut">
               <a:rPr lang="en-US" smtClean="0"/>
               <a:pPr/>
-              <a:t>8/19/19</a:t>
+              <a:t>7/16/21</a:t>
             </a:fld>
             <a:endParaRPr lang="en-US" dirty="0"/>
           </a:p>
@@ -3515,7 +3515,7 @@
             <a:fld id="{B61BEF0D-F0BB-DE4B-95CE-6DB70DBA9567}" type="datetimeFigureOut">
               <a:rPr lang="en-US" smtClean="0"/>
               <a:pPr/>
-              <a:t>8/19/19</a:t>
+              <a:t>7/16/21</a:t>
             </a:fld>
             <a:endParaRPr lang="en-US" dirty="0"/>
           </a:p>
@@ -4055,7 +4055,7 @@
             <a:fld id="{B61BEF0D-F0BB-DE4B-95CE-6DB70DBA9567}" type="datetimeFigureOut">
               <a:rPr lang="en-US" smtClean="0"/>
               <a:pPr/>
-              <a:t>8/19/19</a:t>
+              <a:t>7/16/21</a:t>
             </a:fld>
             <a:endParaRPr lang="en-US" dirty="0"/>
           </a:p>
@@ -4333,7 +4333,7 @@
             <a:fld id="{B61BEF0D-F0BB-DE4B-95CE-6DB70DBA9567}" type="datetimeFigureOut">
               <a:rPr lang="en-US" smtClean="0"/>
               <a:pPr/>
-              <a:t>8/19/19</a:t>
+              <a:t>7/16/21</a:t>
             </a:fld>
             <a:endParaRPr lang="en-US" dirty="0"/>
           </a:p>
@@ -4605,7 +4605,7 @@
             <a:fld id="{B61BEF0D-F0BB-DE4B-95CE-6DB70DBA9567}" type="datetimeFigureOut">
               <a:rPr lang="en-US" smtClean="0"/>
               <a:pPr/>
-              <a:t>8/19/19</a:t>
+              <a:t>7/16/21</a:t>
             </a:fld>
             <a:endParaRPr lang="en-US" dirty="0"/>
           </a:p>
@@ -5024,7 +5024,7 @@
             <a:fld id="{B61BEF0D-F0BB-DE4B-95CE-6DB70DBA9567}" type="datetimeFigureOut">
               <a:rPr lang="en-US" smtClean="0"/>
               <a:pPr/>
-              <a:t>8/19/19</a:t>
+              <a:t>7/16/21</a:t>
             </a:fld>
             <a:endParaRPr lang="en-US" dirty="0"/>
           </a:p>
@@ -5172,7 +5172,7 @@
             <a:fld id="{B61BEF0D-F0BB-DE4B-95CE-6DB70DBA9567}" type="datetimeFigureOut">
               <a:rPr lang="en-US" smtClean="0"/>
               <a:pPr/>
-              <a:t>8/19/19</a:t>
+              <a:t>7/16/21</a:t>
             </a:fld>
             <a:endParaRPr lang="en-US" dirty="0"/>
           </a:p>
@@ -5292,7 +5292,7 @@
             <a:fld id="{B61BEF0D-F0BB-DE4B-95CE-6DB70DBA9567}" type="datetimeFigureOut">
               <a:rPr lang="en-US" smtClean="0"/>
               <a:pPr/>
-              <a:t>8/19/19</a:t>
+              <a:t>7/16/21</a:t>
             </a:fld>
             <a:endParaRPr lang="en-US" dirty="0"/>
           </a:p>
@@ -5610,7 +5610,7 @@
             <a:fld id="{B61BEF0D-F0BB-DE4B-95CE-6DB70DBA9567}" type="datetimeFigureOut">
               <a:rPr lang="en-US" smtClean="0"/>
               <a:pPr/>
-              <a:t>8/19/19</a:t>
+              <a:t>7/16/21</a:t>
             </a:fld>
             <a:endParaRPr lang="en-US" dirty="0"/>
           </a:p>
@@ -5905,7 +5905,7 @@
             <a:fld id="{B61BEF0D-F0BB-DE4B-95CE-6DB70DBA9567}" type="datetimeFigureOut">
               <a:rPr lang="en-US" smtClean="0"/>
               <a:pPr/>
-              <a:t>8/19/19</a:t>
+              <a:t>7/16/21</a:t>
             </a:fld>
             <a:endParaRPr lang="en-US" dirty="0"/>
           </a:p>
@@ -6153,7 +6153,7 @@
             <a:fld id="{B61BEF0D-F0BB-DE4B-95CE-6DB70DBA9567}" type="datetimeFigureOut">
               <a:rPr lang="en-US" smtClean="0"/>
               <a:pPr/>
-              <a:t>8/19/19</a:t>
+              <a:t>7/16/21</a:t>
             </a:fld>
             <a:endParaRPr lang="en-US" dirty="0"/>
           </a:p>
@@ -6861,16 +6861,13 @@
           <a:p>
             <a:r>
               <a:rPr lang="en-US" sz="1800" dirty="0"/>
-              <a:t>CITS5503 </a:t>
+              <a:t>CITS5503 Camilo </a:t>
             </a:r>
             <a:r>
               <a:rPr lang="en-US" sz="1800" dirty="0" err="1"/>
-              <a:t>Dr</a:t>
-            </a:r>
-            <a:r>
-              <a:rPr lang="en-US" sz="1800" dirty="0"/>
-              <a:t> David Glance</a:t>
-            </a:r>
+              <a:t>Pestana</a:t>
+            </a:r>
+            <a:endParaRPr lang="en-US" sz="1800" dirty="0"/>
           </a:p>
         </p:txBody>
       </p:sp>
